--- a/PPTs/Fitting the Smile.pptx
+++ b/PPTs/Fitting the Smile.pptx
@@ -8,8 +8,16 @@
     <p:sldId id="256" r:id="rId2"/>
     <p:sldId id="257" r:id="rId3"/>
     <p:sldId id="258" r:id="rId4"/>
-    <p:sldId id="259" r:id="rId5"/>
-    <p:sldId id="260" r:id="rId6"/>
+    <p:sldId id="261" r:id="rId5"/>
+    <p:sldId id="262" r:id="rId6"/>
+    <p:sldId id="266" r:id="rId7"/>
+    <p:sldId id="263" r:id="rId8"/>
+    <p:sldId id="264" r:id="rId9"/>
+    <p:sldId id="265" r:id="rId10"/>
+    <p:sldId id="267" r:id="rId11"/>
+    <p:sldId id="259" r:id="rId12"/>
+    <p:sldId id="260" r:id="rId13"/>
+    <p:sldId id="268" r:id="rId14"/>
   </p:sldIdLst>
   <p:sldSz cx="12192000" cy="6858000"/>
   <p:notesSz cx="6858000" cy="9144000"/>
@@ -839,7 +847,7 @@
             <a:fld id="{B61BEF0D-F0BB-DE4B-95CE-6DB70DBA9567}" type="datetimeFigureOut">
               <a:rPr lang="en-US" dirty="0"/>
               <a:pPr/>
-              <a:t>4/17/2020</a:t>
+              <a:t>5/7/2020</a:t>
             </a:fld>
             <a:endParaRPr lang="en-US" dirty="0"/>
           </a:p>
@@ -1087,7 +1095,7 @@
             <a:fld id="{B61BEF0D-F0BB-DE4B-95CE-6DB70DBA9567}" type="datetimeFigureOut">
               <a:rPr lang="en-US" dirty="0"/>
               <a:pPr/>
-              <a:t>4/17/2020</a:t>
+              <a:t>5/7/2020</a:t>
             </a:fld>
             <a:endParaRPr lang="en-US" dirty="0"/>
           </a:p>
@@ -1398,7 +1406,7 @@
             <a:fld id="{B61BEF0D-F0BB-DE4B-95CE-6DB70DBA9567}" type="datetimeFigureOut">
               <a:rPr lang="en-US" dirty="0"/>
               <a:pPr/>
-              <a:t>4/17/2020</a:t>
+              <a:t>5/7/2020</a:t>
             </a:fld>
             <a:endParaRPr lang="en-US" dirty="0"/>
           </a:p>
@@ -1736,7 +1744,7 @@
             <a:fld id="{B61BEF0D-F0BB-DE4B-95CE-6DB70DBA9567}" type="datetimeFigureOut">
               <a:rPr lang="en-US" dirty="0"/>
               <a:pPr/>
-              <a:t>4/17/2020</a:t>
+              <a:t>5/7/2020</a:t>
             </a:fld>
             <a:endParaRPr lang="en-US" dirty="0"/>
           </a:p>
@@ -2047,7 +2055,7 @@
             <a:fld id="{B61BEF0D-F0BB-DE4B-95CE-6DB70DBA9567}" type="datetimeFigureOut">
               <a:rPr lang="en-US" dirty="0"/>
               <a:pPr/>
-              <a:t>4/17/2020</a:t>
+              <a:t>5/7/2020</a:t>
             </a:fld>
             <a:endParaRPr lang="en-US" dirty="0"/>
           </a:p>
@@ -2437,7 +2445,7 @@
             <a:fld id="{B61BEF0D-F0BB-DE4B-95CE-6DB70DBA9567}" type="datetimeFigureOut">
               <a:rPr lang="en-US" dirty="0"/>
               <a:pPr/>
-              <a:t>4/17/2020</a:t>
+              <a:t>5/7/2020</a:t>
             </a:fld>
             <a:endParaRPr lang="en-US" dirty="0"/>
           </a:p>
@@ -2603,7 +2611,7 @@
           <a:p>
             <a:fld id="{55C6B4A9-1611-4792-9094-5F34BCA07E0B}" type="datetimeFigureOut">
               <a:rPr lang="en-US" dirty="0"/>
-              <a:t>4/17/2020</a:t>
+              <a:t>5/7/2020</a:t>
             </a:fld>
             <a:endParaRPr lang="en-US" dirty="0"/>
           </a:p>
@@ -2779,7 +2787,7 @@
             <a:fld id="{B61BEF0D-F0BB-DE4B-95CE-6DB70DBA9567}" type="datetimeFigureOut">
               <a:rPr lang="en-US" dirty="0"/>
               <a:pPr/>
-              <a:t>4/17/2020</a:t>
+              <a:t>5/7/2020</a:t>
             </a:fld>
             <a:endParaRPr lang="en-US" dirty="0"/>
           </a:p>
@@ -2952,7 +2960,7 @@
             <a:fld id="{B61BEF0D-F0BB-DE4B-95CE-6DB70DBA9567}" type="datetimeFigureOut">
               <a:rPr lang="en-US" dirty="0"/>
               <a:pPr/>
-              <a:t>4/17/2020</a:t>
+              <a:t>5/7/2020</a:t>
             </a:fld>
             <a:endParaRPr lang="en-US" dirty="0"/>
           </a:p>
@@ -3196,7 +3204,7 @@
             <a:fld id="{B61BEF0D-F0BB-DE4B-95CE-6DB70DBA9567}" type="datetimeFigureOut">
               <a:rPr lang="en-US" dirty="0"/>
               <a:pPr/>
-              <a:t>4/17/2020</a:t>
+              <a:t>5/7/2020</a:t>
             </a:fld>
             <a:endParaRPr lang="en-US" dirty="0"/>
           </a:p>
@@ -3424,7 +3432,7 @@
           <a:p>
             <a:fld id="{EB712588-04B1-427B-82EE-E8DB90309F08}" type="datetimeFigureOut">
               <a:rPr lang="en-US" dirty="0"/>
-              <a:t>4/17/2020</a:t>
+              <a:t>5/7/2020</a:t>
             </a:fld>
             <a:endParaRPr lang="en-US" dirty="0"/>
           </a:p>
@@ -3794,7 +3802,7 @@
             <a:fld id="{B61BEF0D-F0BB-DE4B-95CE-6DB70DBA9567}" type="datetimeFigureOut">
               <a:rPr lang="en-US" dirty="0"/>
               <a:pPr/>
-              <a:t>4/17/2020</a:t>
+              <a:t>5/7/2020</a:t>
             </a:fld>
             <a:endParaRPr lang="en-US" dirty="0"/>
           </a:p>
@@ -3914,7 +3922,7 @@
             <a:fld id="{B61BEF0D-F0BB-DE4B-95CE-6DB70DBA9567}" type="datetimeFigureOut">
               <a:rPr lang="en-US" dirty="0"/>
               <a:pPr/>
-              <a:t>4/17/2020</a:t>
+              <a:t>5/7/2020</a:t>
             </a:fld>
             <a:endParaRPr lang="en-US" dirty="0"/>
           </a:p>
@@ -4006,7 +4014,7 @@
             <a:fld id="{B61BEF0D-F0BB-DE4B-95CE-6DB70DBA9567}" type="datetimeFigureOut">
               <a:rPr lang="en-US" dirty="0"/>
               <a:pPr/>
-              <a:t>4/17/2020</a:t>
+              <a:t>5/7/2020</a:t>
             </a:fld>
             <a:endParaRPr lang="en-US" dirty="0"/>
           </a:p>
@@ -4257,7 +4265,7 @@
           <a:p>
             <a:fld id="{42A54C80-263E-416B-A8E0-580EDEADCBDC}" type="datetimeFigureOut">
               <a:rPr lang="en-US" dirty="0"/>
-              <a:t>4/17/2020</a:t>
+              <a:t>5/7/2020</a:t>
             </a:fld>
             <a:endParaRPr lang="en-US" dirty="0"/>
           </a:p>
@@ -4516,7 +4524,7 @@
             <a:fld id="{B61BEF0D-F0BB-DE4B-95CE-6DB70DBA9567}" type="datetimeFigureOut">
               <a:rPr lang="en-US" dirty="0"/>
               <a:pPr/>
-              <a:t>4/17/2020</a:t>
+              <a:t>5/7/2020</a:t>
             </a:fld>
             <a:endParaRPr lang="en-US" dirty="0"/>
           </a:p>
@@ -5256,7 +5264,7 @@
             <a:fld id="{B61BEF0D-F0BB-DE4B-95CE-6DB70DBA9567}" type="datetimeFigureOut">
               <a:rPr lang="en-US" dirty="0"/>
               <a:pPr/>
-              <a:t>4/17/2020</a:t>
+              <a:t>5/7/2020</a:t>
             </a:fld>
             <a:endParaRPr lang="en-US" dirty="0"/>
           </a:p>
@@ -5812,7 +5820,185 @@
 </p:sld>
 </file>
 
-<file path=ppt/slides/slide2.xml><?xml version="1.0" encoding="utf-8"?>
+<file path=ppt/slides/slide10.xml><?xml version="1.0" encoding="utf-8"?>
+<p:sld xmlns:a="http://schemas.openxmlformats.org/drawingml/2006/main" xmlns:r="http://schemas.openxmlformats.org/officeDocument/2006/relationships" xmlns:p="http://schemas.openxmlformats.org/presentationml/2006/main">
+  <p:cSld>
+    <p:spTree>
+      <p:nvGrpSpPr>
+        <p:cNvPr id="1" name=""/>
+        <p:cNvGrpSpPr/>
+        <p:nvPr/>
+      </p:nvGrpSpPr>
+      <p:grpSpPr>
+        <a:xfrm>
+          <a:off x="0" y="0"/>
+          <a:ext cx="0" cy="0"/>
+          <a:chOff x="0" y="0"/>
+          <a:chExt cx="0" cy="0"/>
+        </a:xfrm>
+      </p:grpSpPr>
+      <p:sp>
+        <p:nvSpPr>
+          <p:cNvPr id="2" name="Title 1"/>
+          <p:cNvSpPr>
+            <a:spLocks noGrp="1"/>
+          </p:cNvSpPr>
+          <p:nvPr>
+            <p:ph type="title"/>
+          </p:nvPr>
+        </p:nvSpPr>
+        <p:spPr>
+          <a:xfrm>
+            <a:off x="677334" y="250063"/>
+            <a:ext cx="8596668" cy="357154"/>
+          </a:xfrm>
+        </p:spPr>
+        <p:txBody>
+          <a:bodyPr>
+            <a:normAutofit fontScale="90000"/>
+          </a:bodyPr>
+          <a:lstStyle/>
+          <a:p>
+            <a:r>
+              <a:rPr lang="pt-PT" sz="2000" dirty="0" smtClean="0"/>
+              <a:t>…more examples</a:t>
+            </a:r>
+            <a:endParaRPr lang="pt-PT" sz="2000" dirty="0"/>
+          </a:p>
+        </p:txBody>
+      </p:sp>
+      <p:pic>
+        <p:nvPicPr>
+          <p:cNvPr id="5" name="Content Placeholder 4"/>
+          <p:cNvPicPr>
+            <a:picLocks noGrp="1" noChangeAspect="1"/>
+          </p:cNvPicPr>
+          <p:nvPr>
+            <p:ph sz="half" idx="1"/>
+          </p:nvPr>
+        </p:nvPicPr>
+        <p:blipFill>
+          <a:blip r:embed="rId2">
+            <a:extLst>
+              <a:ext uri="{28A0092B-C50C-407E-A947-70E740481C1C}">
+                <a14:useLocalDpi xmlns:a14="http://schemas.microsoft.com/office/drawing/2010/main" val="0"/>
+              </a:ext>
+            </a:extLst>
+          </a:blip>
+          <a:stretch>
+            <a:fillRect/>
+          </a:stretch>
+        </p:blipFill>
+        <p:spPr>
+          <a:xfrm>
+            <a:off x="677334" y="607217"/>
+            <a:ext cx="4183062" cy="3137296"/>
+          </a:xfrm>
+        </p:spPr>
+      </p:pic>
+      <p:pic>
+        <p:nvPicPr>
+          <p:cNvPr id="6" name="Content Placeholder 5"/>
+          <p:cNvPicPr>
+            <a:picLocks noGrp="1" noChangeAspect="1"/>
+          </p:cNvPicPr>
+          <p:nvPr>
+            <p:ph sz="half" idx="2"/>
+          </p:nvPr>
+        </p:nvPicPr>
+        <p:blipFill>
+          <a:blip r:embed="rId3">
+            <a:extLst>
+              <a:ext uri="{28A0092B-C50C-407E-A947-70E740481C1C}">
+                <a14:useLocalDpi xmlns:a14="http://schemas.microsoft.com/office/drawing/2010/main" val="0"/>
+              </a:ext>
+            </a:extLst>
+          </a:blip>
+          <a:stretch>
+            <a:fillRect/>
+          </a:stretch>
+        </p:blipFill>
+        <p:spPr>
+          <a:xfrm>
+            <a:off x="5089352" y="606026"/>
+            <a:ext cx="4184650" cy="3138487"/>
+          </a:xfrm>
+        </p:spPr>
+      </p:pic>
+      <p:pic>
+        <p:nvPicPr>
+          <p:cNvPr id="7" name="Picture 6"/>
+          <p:cNvPicPr>
+            <a:picLocks noChangeAspect="1"/>
+          </p:cNvPicPr>
+          <p:nvPr/>
+        </p:nvPicPr>
+        <p:blipFill>
+          <a:blip r:embed="rId4">
+            <a:extLst>
+              <a:ext uri="{28A0092B-C50C-407E-A947-70E740481C1C}">
+                <a14:useLocalDpi xmlns:a14="http://schemas.microsoft.com/office/drawing/2010/main" val="0"/>
+              </a:ext>
+            </a:extLst>
+          </a:blip>
+          <a:stretch>
+            <a:fillRect/>
+          </a:stretch>
+        </p:blipFill>
+        <p:spPr>
+          <a:xfrm>
+            <a:off x="673815" y="3578021"/>
+            <a:ext cx="4186581" cy="3139936"/>
+          </a:xfrm>
+          <a:prstGeom prst="rect">
+            <a:avLst/>
+          </a:prstGeom>
+        </p:spPr>
+      </p:pic>
+      <p:pic>
+        <p:nvPicPr>
+          <p:cNvPr id="8" name="Picture 7"/>
+          <p:cNvPicPr>
+            <a:picLocks noChangeAspect="1"/>
+          </p:cNvPicPr>
+          <p:nvPr/>
+        </p:nvPicPr>
+        <p:blipFill>
+          <a:blip r:embed="rId5">
+            <a:extLst>
+              <a:ext uri="{28A0092B-C50C-407E-A947-70E740481C1C}">
+                <a14:useLocalDpi xmlns:a14="http://schemas.microsoft.com/office/drawing/2010/main" val="0"/>
+              </a:ext>
+            </a:extLst>
+          </a:blip>
+          <a:stretch>
+            <a:fillRect/>
+          </a:stretch>
+        </p:blipFill>
+        <p:spPr>
+          <a:xfrm>
+            <a:off x="5106019" y="3578021"/>
+            <a:ext cx="4151316" cy="3113487"/>
+          </a:xfrm>
+          <a:prstGeom prst="rect">
+            <a:avLst/>
+          </a:prstGeom>
+        </p:spPr>
+      </p:pic>
+    </p:spTree>
+    <p:extLst>
+      <p:ext uri="{BB962C8B-B14F-4D97-AF65-F5344CB8AC3E}">
+        <p14:creationId xmlns:p14="http://schemas.microsoft.com/office/powerpoint/2010/main" val="2739452118"/>
+      </p:ext>
+    </p:extLst>
+  </p:cSld>
+  <p:clrMapOvr>
+    <a:masterClrMapping/>
+  </p:clrMapOvr>
+</p:sld>
+</file>
+
+<file path=ppt/slides/slide11.xml><?xml version="1.0" encoding="utf-8"?>
 <p:sld xmlns:a="http://schemas.openxmlformats.org/drawingml/2006/main" xmlns:r="http://schemas.openxmlformats.org/officeDocument/2006/relationships" xmlns:p="http://schemas.openxmlformats.org/presentationml/2006/main">
   <p:cSld>
     <p:spTree>
@@ -5846,205 +6032,14 @@
           <a:p>
             <a:r>
               <a:rPr lang="pt-PT" dirty="0" smtClean="0"/>
-              <a:t>Introduction</a:t>
+              <a:t>Smart parameters</a:t>
             </a:r>
             <a:endParaRPr lang="pt-PT" dirty="0"/>
           </a:p>
         </p:txBody>
       </p:sp>
-      <p:sp>
-        <p:nvSpPr>
-          <p:cNvPr id="4" name="Content Placeholder 3"/>
-          <p:cNvSpPr>
-            <a:spLocks noGrp="1"/>
-          </p:cNvSpPr>
-          <p:nvPr>
-            <p:ph idx="1"/>
-          </p:nvPr>
-        </p:nvSpPr>
-        <p:spPr/>
-        <p:txBody>
-          <a:bodyPr/>
-          <a:lstStyle/>
-          <a:p>
-            <a:r>
-              <a:rPr lang="pt-PT" dirty="0" smtClean="0"/>
-              <a:t>Industry standard optimization algorithm: </a:t>
-            </a:r>
-            <a:r>
-              <a:rPr lang="pt-PT" b="1" dirty="0" smtClean="0"/>
-              <a:t>Levenberg-Marquardt</a:t>
-            </a:r>
-          </a:p>
-          <a:p>
-            <a:endParaRPr lang="pt-PT" dirty="0" smtClean="0"/>
-          </a:p>
-          <a:p>
-            <a:r>
-              <a:rPr lang="pt-PT" dirty="0" smtClean="0"/>
-              <a:t>It is a local optimization algorithm</a:t>
-            </a:r>
-          </a:p>
-          <a:p>
-            <a:endParaRPr lang="pt-PT" dirty="0" smtClean="0"/>
-          </a:p>
-          <a:p>
-            <a:r>
-              <a:rPr lang="pt-PT" dirty="0" smtClean="0"/>
-              <a:t>Advantage: Fast</a:t>
-            </a:r>
-          </a:p>
-          <a:p>
-            <a:endParaRPr lang="pt-PT" dirty="0" smtClean="0"/>
-          </a:p>
-          <a:p>
-            <a:r>
-              <a:rPr lang="pt-PT" dirty="0" smtClean="0"/>
-              <a:t>Disadvantage: May get stuck in local minima</a:t>
-            </a:r>
-            <a:endParaRPr lang="pt-PT" dirty="0"/>
-          </a:p>
-        </p:txBody>
-      </p:sp>
-    </p:spTree>
-    <p:extLst>
-      <p:ext uri="{BB962C8B-B14F-4D97-AF65-F5344CB8AC3E}">
-        <p14:creationId xmlns:p14="http://schemas.microsoft.com/office/powerpoint/2010/main" val="3652964097"/>
-      </p:ext>
-    </p:extLst>
-  </p:cSld>
-  <p:clrMapOvr>
-    <a:masterClrMapping/>
-  </p:clrMapOvr>
-</p:sld>
-</file>
-
-<file path=ppt/slides/slide3.xml><?xml version="1.0" encoding="utf-8"?>
-<p:sld xmlns:a="http://schemas.openxmlformats.org/drawingml/2006/main" xmlns:r="http://schemas.openxmlformats.org/officeDocument/2006/relationships" xmlns:p="http://schemas.openxmlformats.org/presentationml/2006/main">
-  <p:cSld>
-    <p:spTree>
-      <p:nvGrpSpPr>
-        <p:cNvPr id="1" name=""/>
-        <p:cNvGrpSpPr/>
-        <p:nvPr/>
-      </p:nvGrpSpPr>
-      <p:grpSpPr>
-        <a:xfrm>
-          <a:off x="0" y="0"/>
-          <a:ext cx="0" cy="0"/>
-          <a:chOff x="0" y="0"/>
-          <a:chExt cx="0" cy="0"/>
-        </a:xfrm>
-      </p:grpSpPr>
-      <p:sp>
-        <p:nvSpPr>
-          <p:cNvPr id="2" name="Title 1"/>
-          <p:cNvSpPr>
-            <a:spLocks noGrp="1"/>
-          </p:cNvSpPr>
-          <p:nvPr>
-            <p:ph type="title"/>
-          </p:nvPr>
-        </p:nvSpPr>
-        <p:spPr/>
-        <p:txBody>
-          <a:bodyPr/>
-          <a:lstStyle/>
-          <a:p>
-            <a:r>
-              <a:rPr lang="pt-PT" dirty="0" smtClean="0"/>
-              <a:t>Introduction</a:t>
-            </a:r>
-            <a:endParaRPr lang="pt-PT" dirty="0"/>
-          </a:p>
-        </p:txBody>
-      </p:sp>
-      <p:sp>
-        <p:nvSpPr>
-          <p:cNvPr id="4" name="Content Placeholder 3"/>
-          <p:cNvSpPr>
-            <a:spLocks noGrp="1"/>
-          </p:cNvSpPr>
-          <p:nvPr>
-            <p:ph idx="1"/>
-          </p:nvPr>
-        </p:nvSpPr>
-        <p:spPr/>
-        <p:txBody>
-          <a:bodyPr/>
-          <a:lstStyle/>
-          <a:p>
-            <a:r>
-              <a:rPr lang="pt-PT" dirty="0" smtClean="0"/>
-              <a:t>We can choose initial parameters to mitigate the disadvantages and amplify the advantages.</a:t>
-            </a:r>
-          </a:p>
-          <a:p>
-            <a:endParaRPr lang="pt-PT" dirty="0"/>
-          </a:p>
-          <a:p>
-            <a:r>
-              <a:rPr lang="pt-PT" dirty="0" smtClean="0"/>
-              <a:t>Initial parameters close to the final solution will increase speed of the algorithm and reduce the risk of it finging a local minimum along the way.</a:t>
-            </a:r>
-          </a:p>
-        </p:txBody>
-      </p:sp>
-    </p:spTree>
-    <p:extLst>
-      <p:ext uri="{BB962C8B-B14F-4D97-AF65-F5344CB8AC3E}">
-        <p14:creationId xmlns:p14="http://schemas.microsoft.com/office/powerpoint/2010/main" val="1432468126"/>
-      </p:ext>
-    </p:extLst>
-  </p:cSld>
-  <p:clrMapOvr>
-    <a:masterClrMapping/>
-  </p:clrMapOvr>
-</p:sld>
-</file>
-
-<file path=ppt/slides/slide4.xml><?xml version="1.0" encoding="utf-8"?>
-<p:sld xmlns:a="http://schemas.openxmlformats.org/drawingml/2006/main" xmlns:r="http://schemas.openxmlformats.org/officeDocument/2006/relationships" xmlns:p="http://schemas.openxmlformats.org/presentationml/2006/main">
-  <p:cSld>
-    <p:spTree>
-      <p:nvGrpSpPr>
-        <p:cNvPr id="1" name=""/>
-        <p:cNvGrpSpPr/>
-        <p:nvPr/>
-      </p:nvGrpSpPr>
-      <p:grpSpPr>
-        <a:xfrm>
-          <a:off x="0" y="0"/>
-          <a:ext cx="0" cy="0"/>
-          <a:chOff x="0" y="0"/>
-          <a:chExt cx="0" cy="0"/>
-        </a:xfrm>
-      </p:grpSpPr>
-      <p:sp>
-        <p:nvSpPr>
-          <p:cNvPr id="2" name="Title 1"/>
-          <p:cNvSpPr>
-            <a:spLocks noGrp="1"/>
-          </p:cNvSpPr>
-          <p:nvPr>
-            <p:ph type="title"/>
-          </p:nvPr>
-        </p:nvSpPr>
-        <p:spPr/>
-        <p:txBody>
-          <a:bodyPr/>
-          <a:lstStyle/>
-          <a:p>
-            <a:r>
-              <a:rPr lang="pt-PT" dirty="0" smtClean="0"/>
-              <a:t>Before choosing initial parameters</a:t>
-            </a:r>
-            <a:endParaRPr lang="pt-PT" dirty="0"/>
-          </a:p>
-        </p:txBody>
-      </p:sp>
-      <mc:AlternateContent xmlns:mc="http://schemas.openxmlformats.org/markup-compatibility/2006" xmlns:a14="http://schemas.microsoft.com/office/drawing/2010/main">
-        <mc:Choice Requires="a14">
+      <mc:AlternateContent xmlns:mc="http://schemas.openxmlformats.org/markup-compatibility/2006">
+        <mc:Choice xmlns:a14="http://schemas.microsoft.com/office/drawing/2010/main" Requires="a14">
           <p:sp>
             <p:nvSpPr>
               <p:cNvPr id="4" name="Content Placeholder 3"/>
@@ -6076,7 +6071,15 @@
                 </a:r>
                 <a:r>
                   <a:rPr lang="pt-PT" b="1" dirty="0" smtClean="0"/>
-                  <a:t>fitting has same value and slope at the mone as the market volatility smile:</a:t>
+                  <a:t>fitting has same value and slope at the </a:t>
+                </a:r>
+                <a:r>
+                  <a:rPr lang="pt-PT" b="1" dirty="0" smtClean="0"/>
+                  <a:t>money </a:t>
+                </a:r>
+                <a:r>
+                  <a:rPr lang="pt-PT" b="1" dirty="0" smtClean="0"/>
+                  <a:t>as the market volatility smile:</a:t>
                 </a:r>
               </a:p>
               <a:p>
@@ -6601,7 +6604,7 @@
             </p:txBody>
           </p:sp>
         </mc:Choice>
-        <mc:Fallback xmlns="">
+        <mc:Fallback>
           <p:sp>
             <p:nvSpPr>
               <p:cNvPr id="4" name="Content Placeholder 3"/>
@@ -6648,7 +6651,7 @@
 </p:sld>
 </file>
 
-<file path=ppt/slides/slide5.xml><?xml version="1.0" encoding="utf-8"?>
+<file path=ppt/slides/slide12.xml><?xml version="1.0" encoding="utf-8"?>
 <p:sld xmlns:a="http://schemas.openxmlformats.org/drawingml/2006/main" xmlns:r="http://schemas.openxmlformats.org/officeDocument/2006/relationships" xmlns:p="http://schemas.openxmlformats.org/presentationml/2006/main">
   <p:cSld>
     <p:spTree>
@@ -7734,6 +7737,6087 @@
 </p:sld>
 </file>
 
+<file path=ppt/slides/slide13.xml><?xml version="1.0" encoding="utf-8"?>
+<p:sld xmlns:a="http://schemas.openxmlformats.org/drawingml/2006/main" xmlns:r="http://schemas.openxmlformats.org/officeDocument/2006/relationships" xmlns:p="http://schemas.openxmlformats.org/presentationml/2006/main">
+  <p:cSld>
+    <p:spTree>
+      <p:nvGrpSpPr>
+        <p:cNvPr id="1" name=""/>
+        <p:cNvGrpSpPr/>
+        <p:nvPr/>
+      </p:nvGrpSpPr>
+      <p:grpSpPr>
+        <a:xfrm>
+          <a:off x="0" y="0"/>
+          <a:ext cx="0" cy="0"/>
+          <a:chOff x="0" y="0"/>
+          <a:chExt cx="0" cy="0"/>
+        </a:xfrm>
+      </p:grpSpPr>
+      <p:sp>
+        <p:nvSpPr>
+          <p:cNvPr id="2" name="Title 1"/>
+          <p:cNvSpPr>
+            <a:spLocks noGrp="1"/>
+          </p:cNvSpPr>
+          <p:nvPr>
+            <p:ph type="title"/>
+          </p:nvPr>
+        </p:nvSpPr>
+        <p:spPr/>
+        <p:txBody>
+          <a:bodyPr/>
+          <a:lstStyle/>
+          <a:p>
+            <a:endParaRPr lang="pt-PT"/>
+          </a:p>
+        </p:txBody>
+      </p:sp>
+      <p:sp>
+        <p:nvSpPr>
+          <p:cNvPr id="3" name="Content Placeholder 2"/>
+          <p:cNvSpPr>
+            <a:spLocks noGrp="1"/>
+          </p:cNvSpPr>
+          <p:nvPr>
+            <p:ph idx="1"/>
+          </p:nvPr>
+        </p:nvSpPr>
+        <p:spPr/>
+        <p:txBody>
+          <a:bodyPr/>
+          <a:lstStyle/>
+          <a:p>
+            <a:endParaRPr lang="pt-PT"/>
+          </a:p>
+        </p:txBody>
+      </p:sp>
+    </p:spTree>
+    <p:extLst>
+      <p:ext uri="{BB962C8B-B14F-4D97-AF65-F5344CB8AC3E}">
+        <p14:creationId xmlns:p14="http://schemas.microsoft.com/office/powerpoint/2010/main" val="324517373"/>
+      </p:ext>
+    </p:extLst>
+  </p:cSld>
+  <p:clrMapOvr>
+    <a:masterClrMapping/>
+  </p:clrMapOvr>
+</p:sld>
+</file>
+
+<file path=ppt/slides/slide2.xml><?xml version="1.0" encoding="utf-8"?>
+<p:sld xmlns:a="http://schemas.openxmlformats.org/drawingml/2006/main" xmlns:r="http://schemas.openxmlformats.org/officeDocument/2006/relationships" xmlns:p="http://schemas.openxmlformats.org/presentationml/2006/main">
+  <p:cSld>
+    <p:spTree>
+      <p:nvGrpSpPr>
+        <p:cNvPr id="1" name=""/>
+        <p:cNvGrpSpPr/>
+        <p:nvPr/>
+      </p:nvGrpSpPr>
+      <p:grpSpPr>
+        <a:xfrm>
+          <a:off x="0" y="0"/>
+          <a:ext cx="0" cy="0"/>
+          <a:chOff x="0" y="0"/>
+          <a:chExt cx="0" cy="0"/>
+        </a:xfrm>
+      </p:grpSpPr>
+      <p:sp>
+        <p:nvSpPr>
+          <p:cNvPr id="2" name="Title 1"/>
+          <p:cNvSpPr>
+            <a:spLocks noGrp="1"/>
+          </p:cNvSpPr>
+          <p:nvPr>
+            <p:ph type="title"/>
+          </p:nvPr>
+        </p:nvSpPr>
+        <p:spPr/>
+        <p:txBody>
+          <a:bodyPr/>
+          <a:lstStyle/>
+          <a:p>
+            <a:r>
+              <a:rPr lang="pt-PT" dirty="0" smtClean="0"/>
+              <a:t>Introduction</a:t>
+            </a:r>
+            <a:endParaRPr lang="pt-PT" dirty="0"/>
+          </a:p>
+        </p:txBody>
+      </p:sp>
+      <p:sp>
+        <p:nvSpPr>
+          <p:cNvPr id="4" name="Content Placeholder 3"/>
+          <p:cNvSpPr>
+            <a:spLocks noGrp="1"/>
+          </p:cNvSpPr>
+          <p:nvPr>
+            <p:ph idx="1"/>
+          </p:nvPr>
+        </p:nvSpPr>
+        <p:spPr/>
+        <p:txBody>
+          <a:bodyPr/>
+          <a:lstStyle/>
+          <a:p>
+            <a:r>
+              <a:rPr lang="pt-PT" dirty="0" smtClean="0"/>
+              <a:t>Industry standard optimization algorithm: </a:t>
+            </a:r>
+            <a:r>
+              <a:rPr lang="pt-PT" b="1" dirty="0" smtClean="0"/>
+              <a:t>Levenberg-Marquardt</a:t>
+            </a:r>
+          </a:p>
+          <a:p>
+            <a:endParaRPr lang="pt-PT" dirty="0" smtClean="0"/>
+          </a:p>
+          <a:p>
+            <a:r>
+              <a:rPr lang="pt-PT" dirty="0" smtClean="0"/>
+              <a:t>It is a local optimization algorithm</a:t>
+            </a:r>
+          </a:p>
+          <a:p>
+            <a:endParaRPr lang="pt-PT" dirty="0" smtClean="0"/>
+          </a:p>
+          <a:p>
+            <a:r>
+              <a:rPr lang="pt-PT" dirty="0" smtClean="0"/>
+              <a:t>Advantage: Fast</a:t>
+            </a:r>
+          </a:p>
+          <a:p>
+            <a:endParaRPr lang="pt-PT" dirty="0" smtClean="0"/>
+          </a:p>
+          <a:p>
+            <a:r>
+              <a:rPr lang="pt-PT" dirty="0" smtClean="0"/>
+              <a:t>Disadvantage: May get stuck in local minima</a:t>
+            </a:r>
+            <a:endParaRPr lang="pt-PT" dirty="0"/>
+          </a:p>
+        </p:txBody>
+      </p:sp>
+    </p:spTree>
+    <p:extLst>
+      <p:ext uri="{BB962C8B-B14F-4D97-AF65-F5344CB8AC3E}">
+        <p14:creationId xmlns:p14="http://schemas.microsoft.com/office/powerpoint/2010/main" val="3652964097"/>
+      </p:ext>
+    </p:extLst>
+  </p:cSld>
+  <p:clrMapOvr>
+    <a:masterClrMapping/>
+  </p:clrMapOvr>
+</p:sld>
+</file>
+
+<file path=ppt/slides/slide3.xml><?xml version="1.0" encoding="utf-8"?>
+<p:sld xmlns:a="http://schemas.openxmlformats.org/drawingml/2006/main" xmlns:r="http://schemas.openxmlformats.org/officeDocument/2006/relationships" xmlns:p="http://schemas.openxmlformats.org/presentationml/2006/main">
+  <p:cSld>
+    <p:spTree>
+      <p:nvGrpSpPr>
+        <p:cNvPr id="1" name=""/>
+        <p:cNvGrpSpPr/>
+        <p:nvPr/>
+      </p:nvGrpSpPr>
+      <p:grpSpPr>
+        <a:xfrm>
+          <a:off x="0" y="0"/>
+          <a:ext cx="0" cy="0"/>
+          <a:chOff x="0" y="0"/>
+          <a:chExt cx="0" cy="0"/>
+        </a:xfrm>
+      </p:grpSpPr>
+      <p:sp>
+        <p:nvSpPr>
+          <p:cNvPr id="2" name="Title 1"/>
+          <p:cNvSpPr>
+            <a:spLocks noGrp="1"/>
+          </p:cNvSpPr>
+          <p:nvPr>
+            <p:ph type="title"/>
+          </p:nvPr>
+        </p:nvSpPr>
+        <p:spPr/>
+        <p:txBody>
+          <a:bodyPr/>
+          <a:lstStyle/>
+          <a:p>
+            <a:r>
+              <a:rPr lang="pt-PT" dirty="0" smtClean="0"/>
+              <a:t>Introduction</a:t>
+            </a:r>
+            <a:endParaRPr lang="pt-PT" dirty="0"/>
+          </a:p>
+        </p:txBody>
+      </p:sp>
+      <p:sp>
+        <p:nvSpPr>
+          <p:cNvPr id="4" name="Content Placeholder 3"/>
+          <p:cNvSpPr>
+            <a:spLocks noGrp="1"/>
+          </p:cNvSpPr>
+          <p:nvPr>
+            <p:ph idx="1"/>
+          </p:nvPr>
+        </p:nvSpPr>
+        <p:spPr/>
+        <p:txBody>
+          <a:bodyPr/>
+          <a:lstStyle/>
+          <a:p>
+            <a:r>
+              <a:rPr lang="pt-PT" dirty="0" smtClean="0"/>
+              <a:t>We can choose initial parameters to mitigate the disadvantages and amplify the advantages.</a:t>
+            </a:r>
+          </a:p>
+          <a:p>
+            <a:endParaRPr lang="pt-PT" dirty="0"/>
+          </a:p>
+          <a:p>
+            <a:r>
+              <a:rPr lang="pt-PT" dirty="0" smtClean="0"/>
+              <a:t>Initial parameters close to the final solution will increase speed of the algorithm and reduce the risk of it finging a local minimum along the way.</a:t>
+            </a:r>
+          </a:p>
+        </p:txBody>
+      </p:sp>
+    </p:spTree>
+    <p:extLst>
+      <p:ext uri="{BB962C8B-B14F-4D97-AF65-F5344CB8AC3E}">
+        <p14:creationId xmlns:p14="http://schemas.microsoft.com/office/powerpoint/2010/main" val="1432468126"/>
+      </p:ext>
+    </p:extLst>
+  </p:cSld>
+  <p:clrMapOvr>
+    <a:masterClrMapping/>
+  </p:clrMapOvr>
+</p:sld>
+</file>
+
+<file path=ppt/slides/slide4.xml><?xml version="1.0" encoding="utf-8"?>
+<p:sld xmlns:a="http://schemas.openxmlformats.org/drawingml/2006/main" xmlns:r="http://schemas.openxmlformats.org/officeDocument/2006/relationships" xmlns:p="http://schemas.openxmlformats.org/presentationml/2006/main">
+  <p:cSld>
+    <p:spTree>
+      <p:nvGrpSpPr>
+        <p:cNvPr id="1" name=""/>
+        <p:cNvGrpSpPr/>
+        <p:nvPr/>
+      </p:nvGrpSpPr>
+      <p:grpSpPr>
+        <a:xfrm>
+          <a:off x="0" y="0"/>
+          <a:ext cx="0" cy="0"/>
+          <a:chOff x="0" y="0"/>
+          <a:chExt cx="0" cy="0"/>
+        </a:xfrm>
+      </p:grpSpPr>
+      <p:sp>
+        <p:nvSpPr>
+          <p:cNvPr id="2" name="Title 1"/>
+          <p:cNvSpPr>
+            <a:spLocks noGrp="1"/>
+          </p:cNvSpPr>
+          <p:nvPr>
+            <p:ph type="title"/>
+          </p:nvPr>
+        </p:nvSpPr>
+        <p:spPr/>
+        <p:txBody>
+          <a:bodyPr/>
+          <a:lstStyle/>
+          <a:p>
+            <a:r>
+              <a:rPr lang="pt-PT" dirty="0" smtClean="0"/>
+              <a:t>Levenberg Marquat Algorithm</a:t>
+            </a:r>
+            <a:endParaRPr lang="pt-PT" dirty="0"/>
+          </a:p>
+        </p:txBody>
+      </p:sp>
+      <p:sp>
+        <p:nvSpPr>
+          <p:cNvPr id="4" name="Text Placeholder 3"/>
+          <p:cNvSpPr>
+            <a:spLocks noGrp="1"/>
+          </p:cNvSpPr>
+          <p:nvPr>
+            <p:ph type="body" idx="1"/>
+          </p:nvPr>
+        </p:nvSpPr>
+        <p:spPr/>
+        <p:txBody>
+          <a:bodyPr/>
+          <a:lstStyle/>
+          <a:p>
+            <a:r>
+              <a:rPr lang="pt-PT" dirty="0" smtClean="0"/>
+              <a:t>Gradient descent</a:t>
+            </a:r>
+            <a:endParaRPr lang="pt-PT" dirty="0"/>
+          </a:p>
+        </p:txBody>
+      </p:sp>
+      <mc:AlternateContent xmlns:mc="http://schemas.openxmlformats.org/markup-compatibility/2006" xmlns:a14="http://schemas.microsoft.com/office/drawing/2010/main">
+        <mc:Choice Requires="a14">
+          <p:sp>
+            <p:nvSpPr>
+              <p:cNvPr id="5" name="Content Placeholder 4"/>
+              <p:cNvSpPr>
+                <a:spLocks noGrp="1"/>
+              </p:cNvSpPr>
+              <p:nvPr>
+                <p:ph sz="half" idx="2"/>
+              </p:nvPr>
+            </p:nvSpPr>
+            <p:spPr>
+              <a:xfrm>
+                <a:off x="675745" y="2737245"/>
+                <a:ext cx="4185623" cy="607317"/>
+              </a:xfrm>
+            </p:spPr>
+            <p:txBody>
+              <a:bodyPr/>
+              <a:lstStyle/>
+              <a:p>
+                <a14:m>
+                  <m:oMath xmlns:m="http://schemas.openxmlformats.org/officeDocument/2006/math">
+                    <m:r>
+                      <a:rPr lang="pt-PT" b="1" i="1" smtClean="0">
+                        <a:latin typeface="Cambria Math" panose="02040503050406030204" pitchFamily="18" charset="0"/>
+                      </a:rPr>
+                      <m:t>𝒉</m:t>
+                    </m:r>
+                    <m:r>
+                      <a:rPr lang="pt-PT" b="0" i="0" smtClean="0">
+                        <a:latin typeface="Cambria Math" panose="02040503050406030204" pitchFamily="18" charset="0"/>
+                      </a:rPr>
+                      <m:t>=</m:t>
+                    </m:r>
+                    <m:r>
+                      <m:rPr>
+                        <m:sty m:val="p"/>
+                      </m:rPr>
+                      <a:rPr lang="pt-PT" b="0" i="0" smtClean="0">
+                        <a:latin typeface="Cambria Math" panose="02040503050406030204" pitchFamily="18" charset="0"/>
+                      </a:rPr>
+                      <m:t>c</m:t>
+                    </m:r>
+                    <m:r>
+                      <a:rPr lang="pt-PT" b="0" i="0" smtClean="0">
+                        <a:latin typeface="Cambria Math" panose="02040503050406030204" pitchFamily="18" charset="0"/>
+                      </a:rPr>
+                      <m:t> </m:t>
+                    </m:r>
+                    <m:sSup>
+                      <m:sSupPr>
+                        <m:ctrlPr>
+                          <a:rPr lang="pt-PT" b="1" i="1" smtClean="0">
+                            <a:latin typeface="Cambria Math" panose="02040503050406030204" pitchFamily="18" charset="0"/>
+                          </a:rPr>
+                        </m:ctrlPr>
+                      </m:sSupPr>
+                      <m:e>
+                        <m:r>
+                          <a:rPr lang="pt-PT" b="1" i="0" smtClean="0">
+                            <a:latin typeface="Cambria Math" panose="02040503050406030204" pitchFamily="18" charset="0"/>
+                          </a:rPr>
+                          <m:t>𝐉</m:t>
+                        </m:r>
+                      </m:e>
+                      <m:sup>
+                        <m:r>
+                          <a:rPr lang="pt-PT" b="1" i="1">
+                            <a:latin typeface="Cambria Math" panose="02040503050406030204" pitchFamily="18" charset="0"/>
+                            <a:ea typeface="Cambria Math" panose="02040503050406030204" pitchFamily="18" charset="0"/>
+                          </a:rPr>
+                          <m:t>⊺</m:t>
+                        </m:r>
+                      </m:sup>
+                    </m:sSup>
+                    <m:r>
+                      <a:rPr lang="pt-PT" b="1" i="0" smtClean="0">
+                        <a:latin typeface="Cambria Math" panose="02040503050406030204" pitchFamily="18" charset="0"/>
+                      </a:rPr>
+                      <m:t>𝐖</m:t>
+                    </m:r>
+                    <m:r>
+                      <a:rPr lang="pt-PT" b="1" i="0" smtClean="0">
+                        <a:latin typeface="Cambria Math" panose="02040503050406030204" pitchFamily="18" charset="0"/>
+                      </a:rPr>
+                      <m:t>(</m:t>
+                    </m:r>
+                    <m:r>
+                      <a:rPr lang="pt-PT" b="1" i="1" smtClean="0">
+                        <a:latin typeface="Cambria Math" panose="02040503050406030204" pitchFamily="18" charset="0"/>
+                      </a:rPr>
+                      <m:t>𝒇</m:t>
+                    </m:r>
+                    <m:r>
+                      <a:rPr lang="pt-PT" b="1" i="1" smtClean="0">
+                        <a:latin typeface="Cambria Math" panose="02040503050406030204" pitchFamily="18" charset="0"/>
+                      </a:rPr>
+                      <m:t> − </m:t>
+                    </m:r>
+                    <m:acc>
+                      <m:accPr>
+                        <m:chr m:val="̂"/>
+                        <m:ctrlPr>
+                          <a:rPr lang="pt-PT" b="1" i="1" smtClean="0">
+                            <a:latin typeface="Cambria Math" panose="02040503050406030204" pitchFamily="18" charset="0"/>
+                          </a:rPr>
+                        </m:ctrlPr>
+                      </m:accPr>
+                      <m:e>
+                        <m:r>
+                          <a:rPr lang="pt-PT" b="1" i="1" smtClean="0">
+                            <a:latin typeface="Cambria Math" panose="02040503050406030204" pitchFamily="18" charset="0"/>
+                          </a:rPr>
+                          <m:t>𝒇</m:t>
+                        </m:r>
+                      </m:e>
+                    </m:acc>
+                    <m:r>
+                      <a:rPr lang="pt-PT" b="0" i="1" smtClean="0">
+                        <a:latin typeface="Cambria Math" panose="02040503050406030204" pitchFamily="18" charset="0"/>
+                      </a:rPr>
+                      <m:t>)</m:t>
+                    </m:r>
+                  </m:oMath>
+                </a14:m>
+                <a:endParaRPr lang="pt-PT" dirty="0"/>
+              </a:p>
+              <a:p>
+                <a:endParaRPr lang="pt-PT" dirty="0" smtClean="0"/>
+              </a:p>
+            </p:txBody>
+          </p:sp>
+        </mc:Choice>
+        <mc:Fallback xmlns="">
+          <p:sp>
+            <p:nvSpPr>
+              <p:cNvPr id="5" name="Content Placeholder 4"/>
+              <p:cNvSpPr>
+                <a:spLocks noGrp="1" noRot="1" noChangeAspect="1" noMove="1" noResize="1" noEditPoints="1" noAdjustHandles="1" noChangeArrowheads="1" noChangeShapeType="1" noTextEdit="1"/>
+              </p:cNvSpPr>
+              <p:nvPr>
+                <p:ph sz="half" idx="2"/>
+              </p:nvPr>
+            </p:nvSpPr>
+            <p:spPr>
+              <a:xfrm>
+                <a:off x="675745" y="2737245"/>
+                <a:ext cx="4185623" cy="607317"/>
+              </a:xfrm>
+              <a:blipFill>
+                <a:blip r:embed="rId2"/>
+                <a:stretch>
+                  <a:fillRect l="-437"/>
+                </a:stretch>
+              </a:blipFill>
+            </p:spPr>
+            <p:txBody>
+              <a:bodyPr/>
+              <a:lstStyle/>
+              <a:p>
+                <a:r>
+                  <a:rPr lang="pt-PT">
+                    <a:noFill/>
+                  </a:rPr>
+                  <a:t> </a:t>
+                </a:r>
+              </a:p>
+            </p:txBody>
+          </p:sp>
+        </mc:Fallback>
+      </mc:AlternateContent>
+      <p:sp>
+        <p:nvSpPr>
+          <p:cNvPr id="6" name="Text Placeholder 5"/>
+          <p:cNvSpPr>
+            <a:spLocks noGrp="1"/>
+          </p:cNvSpPr>
+          <p:nvPr>
+            <p:ph type="body" sz="quarter" idx="3"/>
+          </p:nvPr>
+        </p:nvSpPr>
+        <p:spPr/>
+        <p:txBody>
+          <a:bodyPr/>
+          <a:lstStyle/>
+          <a:p>
+            <a:r>
+              <a:rPr lang="pt-PT" dirty="0" smtClean="0"/>
+              <a:t>Gauss Newton</a:t>
+            </a:r>
+            <a:endParaRPr lang="pt-PT" dirty="0"/>
+          </a:p>
+        </p:txBody>
+      </p:sp>
+      <mc:AlternateContent xmlns:mc="http://schemas.openxmlformats.org/markup-compatibility/2006" xmlns:a14="http://schemas.microsoft.com/office/drawing/2010/main">
+        <mc:Choice Requires="a14">
+          <p:sp>
+            <p:nvSpPr>
+              <p:cNvPr id="7" name="Content Placeholder 6"/>
+              <p:cNvSpPr>
+                <a:spLocks noGrp="1"/>
+              </p:cNvSpPr>
+              <p:nvPr>
+                <p:ph sz="quarter" idx="4"/>
+              </p:nvPr>
+            </p:nvSpPr>
+            <p:spPr>
+              <a:xfrm>
+                <a:off x="5088384" y="2737245"/>
+                <a:ext cx="4185617" cy="607317"/>
+              </a:xfrm>
+            </p:spPr>
+            <p:txBody>
+              <a:bodyPr/>
+              <a:lstStyle/>
+              <a:p>
+                <a14:m>
+                  <m:oMath xmlns:m="http://schemas.openxmlformats.org/officeDocument/2006/math">
+                    <m:sSup>
+                      <m:sSupPr>
+                        <m:ctrlPr>
+                          <a:rPr lang="pt-PT" b="1" i="1" smtClean="0">
+                            <a:latin typeface="Cambria Math" panose="02040503050406030204" pitchFamily="18" charset="0"/>
+                          </a:rPr>
+                        </m:ctrlPr>
+                      </m:sSupPr>
+                      <m:e>
+                        <m:r>
+                          <a:rPr lang="pt-PT" b="0" i="0" smtClean="0">
+                            <a:latin typeface="Cambria Math" panose="02040503050406030204" pitchFamily="18" charset="0"/>
+                          </a:rPr>
+                          <m:t>[</m:t>
+                        </m:r>
+                        <m:r>
+                          <a:rPr lang="pt-PT" b="1">
+                            <a:latin typeface="Cambria Math" panose="02040503050406030204" pitchFamily="18" charset="0"/>
+                          </a:rPr>
+                          <m:t>𝐉</m:t>
+                        </m:r>
+                      </m:e>
+                      <m:sup>
+                        <m:r>
+                          <a:rPr lang="pt-PT" b="1" i="1">
+                            <a:latin typeface="Cambria Math" panose="02040503050406030204" pitchFamily="18" charset="0"/>
+                            <a:ea typeface="Cambria Math" panose="02040503050406030204" pitchFamily="18" charset="0"/>
+                          </a:rPr>
+                          <m:t>⊺</m:t>
+                        </m:r>
+                      </m:sup>
+                    </m:sSup>
+                    <m:r>
+                      <a:rPr lang="pt-PT" b="1">
+                        <a:latin typeface="Cambria Math" panose="02040503050406030204" pitchFamily="18" charset="0"/>
+                      </a:rPr>
+                      <m:t>𝐖𝐉</m:t>
+                    </m:r>
+                    <m:r>
+                      <a:rPr lang="pt-PT" b="0" i="0" smtClean="0">
+                        <a:latin typeface="Cambria Math" panose="02040503050406030204" pitchFamily="18" charset="0"/>
+                      </a:rPr>
+                      <m:t>]</m:t>
+                    </m:r>
+                    <m:r>
+                      <a:rPr lang="pt-PT" b="1" i="1" smtClean="0">
+                        <a:latin typeface="Cambria Math" panose="02040503050406030204" pitchFamily="18" charset="0"/>
+                      </a:rPr>
+                      <m:t>𝒉</m:t>
+                    </m:r>
+                    <m:r>
+                      <a:rPr lang="pt-PT" b="1" i="1" smtClean="0">
+                        <a:latin typeface="Cambria Math" panose="02040503050406030204" pitchFamily="18" charset="0"/>
+                      </a:rPr>
+                      <m:t>=</m:t>
+                    </m:r>
+                    <m:sSup>
+                      <m:sSupPr>
+                        <m:ctrlPr>
+                          <a:rPr lang="pt-PT" b="1" i="1">
+                            <a:latin typeface="Cambria Math" panose="02040503050406030204" pitchFamily="18" charset="0"/>
+                          </a:rPr>
+                        </m:ctrlPr>
+                      </m:sSupPr>
+                      <m:e>
+                        <m:r>
+                          <a:rPr lang="pt-PT" b="1">
+                            <a:latin typeface="Cambria Math" panose="02040503050406030204" pitchFamily="18" charset="0"/>
+                          </a:rPr>
+                          <m:t>𝐉</m:t>
+                        </m:r>
+                      </m:e>
+                      <m:sup>
+                        <m:r>
+                          <a:rPr lang="pt-PT" b="1" i="1">
+                            <a:latin typeface="Cambria Math" panose="02040503050406030204" pitchFamily="18" charset="0"/>
+                            <a:ea typeface="Cambria Math" panose="02040503050406030204" pitchFamily="18" charset="0"/>
+                          </a:rPr>
+                          <m:t>⊺</m:t>
+                        </m:r>
+                      </m:sup>
+                    </m:sSup>
+                    <m:r>
+                      <a:rPr lang="pt-PT" b="1">
+                        <a:latin typeface="Cambria Math" panose="02040503050406030204" pitchFamily="18" charset="0"/>
+                      </a:rPr>
+                      <m:t>𝐖</m:t>
+                    </m:r>
+                    <m:r>
+                      <a:rPr lang="pt-PT" b="1">
+                        <a:latin typeface="Cambria Math" panose="02040503050406030204" pitchFamily="18" charset="0"/>
+                      </a:rPr>
+                      <m:t>(</m:t>
+                    </m:r>
+                    <m:r>
+                      <a:rPr lang="pt-PT" b="1" i="1">
+                        <a:latin typeface="Cambria Math" panose="02040503050406030204" pitchFamily="18" charset="0"/>
+                      </a:rPr>
+                      <m:t>𝒇</m:t>
+                    </m:r>
+                    <m:r>
+                      <a:rPr lang="pt-PT" b="1" i="1">
+                        <a:latin typeface="Cambria Math" panose="02040503050406030204" pitchFamily="18" charset="0"/>
+                      </a:rPr>
+                      <m:t> − </m:t>
+                    </m:r>
+                    <m:acc>
+                      <m:accPr>
+                        <m:chr m:val="̂"/>
+                        <m:ctrlPr>
+                          <a:rPr lang="pt-PT" b="1" i="1">
+                            <a:latin typeface="Cambria Math" panose="02040503050406030204" pitchFamily="18" charset="0"/>
+                          </a:rPr>
+                        </m:ctrlPr>
+                      </m:accPr>
+                      <m:e>
+                        <m:r>
+                          <a:rPr lang="pt-PT" b="1" i="1">
+                            <a:latin typeface="Cambria Math" panose="02040503050406030204" pitchFamily="18" charset="0"/>
+                          </a:rPr>
+                          <m:t>𝒇</m:t>
+                        </m:r>
+                      </m:e>
+                    </m:acc>
+                    <m:r>
+                      <a:rPr lang="pt-PT" i="1">
+                        <a:latin typeface="Cambria Math" panose="02040503050406030204" pitchFamily="18" charset="0"/>
+                      </a:rPr>
+                      <m:t>)</m:t>
+                    </m:r>
+                  </m:oMath>
+                </a14:m>
+                <a:endParaRPr lang="pt-PT" dirty="0"/>
+              </a:p>
+              <a:p>
+                <a:endParaRPr lang="pt-PT" dirty="0"/>
+              </a:p>
+            </p:txBody>
+          </p:sp>
+        </mc:Choice>
+        <mc:Fallback xmlns="">
+          <p:sp>
+            <p:nvSpPr>
+              <p:cNvPr id="7" name="Content Placeholder 6"/>
+              <p:cNvSpPr>
+                <a:spLocks noGrp="1" noRot="1" noChangeAspect="1" noMove="1" noResize="1" noEditPoints="1" noAdjustHandles="1" noChangeArrowheads="1" noChangeShapeType="1" noTextEdit="1"/>
+              </p:cNvSpPr>
+              <p:nvPr>
+                <p:ph sz="quarter" idx="4"/>
+              </p:nvPr>
+            </p:nvSpPr>
+            <p:spPr>
+              <a:xfrm>
+                <a:off x="5088384" y="2737245"/>
+                <a:ext cx="4185617" cy="607317"/>
+              </a:xfrm>
+              <a:blipFill>
+                <a:blip r:embed="rId3"/>
+                <a:stretch>
+                  <a:fillRect l="-437"/>
+                </a:stretch>
+              </a:blipFill>
+            </p:spPr>
+            <p:txBody>
+              <a:bodyPr/>
+              <a:lstStyle/>
+              <a:p>
+                <a:r>
+                  <a:rPr lang="pt-PT">
+                    <a:noFill/>
+                  </a:rPr>
+                  <a:t> </a:t>
+                </a:r>
+              </a:p>
+            </p:txBody>
+          </p:sp>
+        </mc:Fallback>
+      </mc:AlternateContent>
+      <p:cxnSp>
+        <p:nvCxnSpPr>
+          <p:cNvPr id="9" name="Curved Connector 8"/>
+          <p:cNvCxnSpPr>
+            <a:stCxn id="5" idx="2"/>
+            <a:endCxn id="19" idx="0"/>
+          </p:cNvCxnSpPr>
+          <p:nvPr/>
+        </p:nvCxnSpPr>
+        <p:spPr>
+          <a:xfrm rot="16200000" flipH="1">
+            <a:off x="2830026" y="3283092"/>
+            <a:ext cx="2084173" cy="2207111"/>
+          </a:xfrm>
+          <a:prstGeom prst="curvedConnector3">
+            <a:avLst>
+              <a:gd name="adj1" fmla="val 50000"/>
+            </a:avLst>
+          </a:prstGeom>
+          <a:ln>
+            <a:tailEnd type="triangle"/>
+          </a:ln>
+        </p:spPr>
+        <p:style>
+          <a:lnRef idx="1">
+            <a:schemeClr val="accent5"/>
+          </a:lnRef>
+          <a:fillRef idx="0">
+            <a:schemeClr val="accent5"/>
+          </a:fillRef>
+          <a:effectRef idx="0">
+            <a:schemeClr val="accent5"/>
+          </a:effectRef>
+          <a:fontRef idx="minor">
+            <a:schemeClr val="tx1"/>
+          </a:fontRef>
+        </p:style>
+      </p:cxnSp>
+      <mc:AlternateContent xmlns:mc="http://schemas.openxmlformats.org/markup-compatibility/2006" xmlns:a14="http://schemas.microsoft.com/office/drawing/2010/main">
+        <mc:Choice Requires="a14">
+          <p:sp>
+            <p:nvSpPr>
+              <p:cNvPr id="19" name="TextBox 18"/>
+              <p:cNvSpPr txBox="1"/>
+              <p:nvPr/>
+            </p:nvSpPr>
+            <p:spPr>
+              <a:xfrm>
+                <a:off x="2092425" y="5428735"/>
+                <a:ext cx="5766486" cy="385105"/>
+              </a:xfrm>
+              <a:prstGeom prst="rect">
+                <a:avLst/>
+              </a:prstGeom>
+              <a:noFill/>
+            </p:spPr>
+            <p:txBody>
+              <a:bodyPr wrap="square" rtlCol="0">
+                <a:spAutoFit/>
+              </a:bodyPr>
+              <a:lstStyle/>
+              <a:p>
+                <a:pPr/>
+                <a14:m>
+                  <m:oMathPara xmlns:m="http://schemas.openxmlformats.org/officeDocument/2006/math">
+                    <m:oMathParaPr>
+                      <m:jc m:val="centerGroup"/>
+                    </m:oMathParaPr>
+                    <m:oMath xmlns:m="http://schemas.openxmlformats.org/officeDocument/2006/math">
+                      <m:sSup>
+                        <m:sSupPr>
+                          <m:ctrlPr>
+                            <a:rPr lang="pt-PT" b="1" i="1" smtClean="0">
+                              <a:latin typeface="Cambria Math" panose="02040503050406030204" pitchFamily="18" charset="0"/>
+                            </a:rPr>
+                          </m:ctrlPr>
+                        </m:sSupPr>
+                        <m:e>
+                          <m:r>
+                            <a:rPr lang="pt-PT">
+                              <a:latin typeface="Cambria Math" panose="02040503050406030204" pitchFamily="18" charset="0"/>
+                            </a:rPr>
+                            <m:t>[</m:t>
+                          </m:r>
+                          <m:r>
+                            <a:rPr lang="pt-PT" b="1">
+                              <a:latin typeface="Cambria Math" panose="02040503050406030204" pitchFamily="18" charset="0"/>
+                            </a:rPr>
+                            <m:t>𝐉</m:t>
+                          </m:r>
+                        </m:e>
+                        <m:sup>
+                          <m:r>
+                            <a:rPr lang="pt-PT" b="1" i="1">
+                              <a:latin typeface="Cambria Math" panose="02040503050406030204" pitchFamily="18" charset="0"/>
+                              <a:ea typeface="Cambria Math" panose="02040503050406030204" pitchFamily="18" charset="0"/>
+                            </a:rPr>
+                            <m:t>⊺</m:t>
+                          </m:r>
+                        </m:sup>
+                      </m:sSup>
+                      <m:r>
+                        <a:rPr lang="pt-PT" b="1" smtClean="0">
+                          <a:latin typeface="Cambria Math" panose="02040503050406030204" pitchFamily="18" charset="0"/>
+                        </a:rPr>
+                        <m:t>𝐖</m:t>
+                      </m:r>
+                      <m:r>
+                        <a:rPr lang="pt-PT" b="1">
+                          <a:latin typeface="Cambria Math" panose="02040503050406030204" pitchFamily="18" charset="0"/>
+                        </a:rPr>
+                        <m:t>𝐉</m:t>
+                      </m:r>
+                      <m:r>
+                        <a:rPr lang="pt-PT" b="0" i="0" smtClean="0">
+                          <a:latin typeface="Cambria Math" panose="02040503050406030204" pitchFamily="18" charset="0"/>
+                        </a:rPr>
+                        <m:t>+</m:t>
+                      </m:r>
+                      <m:r>
+                        <a:rPr lang="pt-PT" b="0" i="1" smtClean="0">
+                          <a:latin typeface="Cambria Math" panose="02040503050406030204" pitchFamily="18" charset="0"/>
+                        </a:rPr>
+                        <m:t>𝜆</m:t>
+                      </m:r>
+                      <m:r>
+                        <a:rPr lang="pt-PT" b="1" i="0" smtClean="0">
+                          <a:latin typeface="Cambria Math" panose="02040503050406030204" pitchFamily="18" charset="0"/>
+                        </a:rPr>
+                        <m:t> </m:t>
+                      </m:r>
+                      <m:r>
+                        <a:rPr lang="pt-PT" b="1" i="0" smtClean="0">
+                          <a:latin typeface="Cambria Math" panose="02040503050406030204" pitchFamily="18" charset="0"/>
+                        </a:rPr>
+                        <m:t>𝐈</m:t>
+                      </m:r>
+                      <m:r>
+                        <a:rPr lang="pt-PT">
+                          <a:latin typeface="Cambria Math" panose="02040503050406030204" pitchFamily="18" charset="0"/>
+                        </a:rPr>
+                        <m:t>]</m:t>
+                      </m:r>
+                      <m:r>
+                        <a:rPr lang="pt-PT" b="1" i="1">
+                          <a:latin typeface="Cambria Math" panose="02040503050406030204" pitchFamily="18" charset="0"/>
+                        </a:rPr>
+                        <m:t>𝒉</m:t>
+                      </m:r>
+                      <m:r>
+                        <a:rPr lang="pt-PT" b="1" i="1">
+                          <a:latin typeface="Cambria Math" panose="02040503050406030204" pitchFamily="18" charset="0"/>
+                        </a:rPr>
+                        <m:t>=</m:t>
+                      </m:r>
+                      <m:sSup>
+                        <m:sSupPr>
+                          <m:ctrlPr>
+                            <a:rPr lang="pt-PT" b="1" i="1">
+                              <a:latin typeface="Cambria Math" panose="02040503050406030204" pitchFamily="18" charset="0"/>
+                            </a:rPr>
+                          </m:ctrlPr>
+                        </m:sSupPr>
+                        <m:e>
+                          <m:r>
+                            <a:rPr lang="pt-PT" b="1">
+                              <a:latin typeface="Cambria Math" panose="02040503050406030204" pitchFamily="18" charset="0"/>
+                            </a:rPr>
+                            <m:t>𝐉</m:t>
+                          </m:r>
+                        </m:e>
+                        <m:sup>
+                          <m:r>
+                            <a:rPr lang="pt-PT" b="1" i="1">
+                              <a:latin typeface="Cambria Math" panose="02040503050406030204" pitchFamily="18" charset="0"/>
+                              <a:ea typeface="Cambria Math" panose="02040503050406030204" pitchFamily="18" charset="0"/>
+                            </a:rPr>
+                            <m:t>⊺</m:t>
+                          </m:r>
+                        </m:sup>
+                      </m:sSup>
+                      <m:r>
+                        <a:rPr lang="pt-PT" b="1">
+                          <a:latin typeface="Cambria Math" panose="02040503050406030204" pitchFamily="18" charset="0"/>
+                        </a:rPr>
+                        <m:t>𝐖</m:t>
+                      </m:r>
+                      <m:r>
+                        <a:rPr lang="pt-PT" b="1">
+                          <a:latin typeface="Cambria Math" panose="02040503050406030204" pitchFamily="18" charset="0"/>
+                        </a:rPr>
+                        <m:t>(</m:t>
+                      </m:r>
+                      <m:r>
+                        <a:rPr lang="pt-PT" b="1" i="1">
+                          <a:latin typeface="Cambria Math" panose="02040503050406030204" pitchFamily="18" charset="0"/>
+                        </a:rPr>
+                        <m:t>𝒇</m:t>
+                      </m:r>
+                      <m:r>
+                        <a:rPr lang="pt-PT" b="1" i="1">
+                          <a:latin typeface="Cambria Math" panose="02040503050406030204" pitchFamily="18" charset="0"/>
+                        </a:rPr>
+                        <m:t> − </m:t>
+                      </m:r>
+                      <m:acc>
+                        <m:accPr>
+                          <m:chr m:val="̂"/>
+                          <m:ctrlPr>
+                            <a:rPr lang="pt-PT" b="1" i="1">
+                              <a:latin typeface="Cambria Math" panose="02040503050406030204" pitchFamily="18" charset="0"/>
+                            </a:rPr>
+                          </m:ctrlPr>
+                        </m:accPr>
+                        <m:e>
+                          <m:r>
+                            <a:rPr lang="pt-PT" b="1" i="1">
+                              <a:latin typeface="Cambria Math" panose="02040503050406030204" pitchFamily="18" charset="0"/>
+                            </a:rPr>
+                            <m:t>𝒇</m:t>
+                          </m:r>
+                        </m:e>
+                      </m:acc>
+                      <m:r>
+                        <a:rPr lang="pt-PT" i="1">
+                          <a:latin typeface="Cambria Math" panose="02040503050406030204" pitchFamily="18" charset="0"/>
+                        </a:rPr>
+                        <m:t>)</m:t>
+                      </m:r>
+                    </m:oMath>
+                  </m:oMathPara>
+                </a14:m>
+                <a:endParaRPr lang="pt-PT" dirty="0"/>
+              </a:p>
+            </p:txBody>
+          </p:sp>
+        </mc:Choice>
+        <mc:Fallback xmlns="">
+          <p:sp>
+            <p:nvSpPr>
+              <p:cNvPr id="19" name="TextBox 18"/>
+              <p:cNvSpPr txBox="1">
+                <a:spLocks noRot="1" noChangeAspect="1" noMove="1" noResize="1" noEditPoints="1" noAdjustHandles="1" noChangeArrowheads="1" noChangeShapeType="1" noTextEdit="1"/>
+              </p:cNvSpPr>
+              <p:nvPr/>
+            </p:nvSpPr>
+            <p:spPr>
+              <a:xfrm>
+                <a:off x="2092425" y="5428735"/>
+                <a:ext cx="5766486" cy="385105"/>
+              </a:xfrm>
+              <a:prstGeom prst="rect">
+                <a:avLst/>
+              </a:prstGeom>
+              <a:blipFill>
+                <a:blip r:embed="rId4"/>
+                <a:stretch>
+                  <a:fillRect b="-17460"/>
+                </a:stretch>
+              </a:blipFill>
+            </p:spPr>
+            <p:txBody>
+              <a:bodyPr/>
+              <a:lstStyle/>
+              <a:p>
+                <a:r>
+                  <a:rPr lang="pt-PT">
+                    <a:noFill/>
+                  </a:rPr>
+                  <a:t> </a:t>
+                </a:r>
+              </a:p>
+            </p:txBody>
+          </p:sp>
+        </mc:Fallback>
+      </mc:AlternateContent>
+      <p:sp>
+        <p:nvSpPr>
+          <p:cNvPr id="20" name="Text Placeholder 5"/>
+          <p:cNvSpPr txBox="1">
+            <a:spLocks/>
+          </p:cNvSpPr>
+          <p:nvPr/>
+        </p:nvSpPr>
+        <p:spPr>
+          <a:xfrm>
+            <a:off x="2697707" y="5844506"/>
+            <a:ext cx="4555922" cy="576262"/>
+          </a:xfrm>
+          <a:prstGeom prst="rect">
+            <a:avLst/>
+          </a:prstGeom>
+        </p:spPr>
+        <p:txBody>
+          <a:bodyPr vert="horz" lIns="91440" tIns="45720" rIns="91440" bIns="45720" rtlCol="0" anchor="b">
+            <a:noAutofit/>
+          </a:bodyPr>
+          <a:lstStyle>
+            <a:lvl1pPr marL="0" indent="0" algn="l" defTabSz="457200" rtl="0" eaLnBrk="1" latinLnBrk="0" hangingPunct="1">
+              <a:spcBef>
+                <a:spcPts val="1000"/>
+              </a:spcBef>
+              <a:spcAft>
+                <a:spcPts val="0"/>
+              </a:spcAft>
+              <a:buClr>
+                <a:schemeClr val="accent1"/>
+              </a:buClr>
+              <a:buSzPct val="80000"/>
+              <a:buFont typeface="Wingdings 3" charset="2"/>
+              <a:buNone/>
+              <a:defRPr sz="2400" b="0" kern="1200">
+                <a:solidFill>
+                  <a:schemeClr val="tx1">
+                    <a:lumMod val="75000"/>
+                    <a:lumOff val="25000"/>
+                  </a:schemeClr>
+                </a:solidFill>
+                <a:latin typeface="+mn-lt"/>
+                <a:ea typeface="+mn-ea"/>
+                <a:cs typeface="+mn-cs"/>
+              </a:defRPr>
+            </a:lvl1pPr>
+            <a:lvl2pPr marL="457200" indent="0" algn="l" defTabSz="457200" rtl="0" eaLnBrk="1" latinLnBrk="0" hangingPunct="1">
+              <a:spcBef>
+                <a:spcPts val="1000"/>
+              </a:spcBef>
+              <a:spcAft>
+                <a:spcPts val="0"/>
+              </a:spcAft>
+              <a:buClr>
+                <a:schemeClr val="accent1"/>
+              </a:buClr>
+              <a:buSzPct val="80000"/>
+              <a:buFont typeface="Wingdings 3" charset="2"/>
+              <a:buNone/>
+              <a:defRPr sz="2000" b="1" kern="1200">
+                <a:solidFill>
+                  <a:schemeClr val="tx1">
+                    <a:lumMod val="75000"/>
+                    <a:lumOff val="25000"/>
+                  </a:schemeClr>
+                </a:solidFill>
+                <a:latin typeface="+mn-lt"/>
+                <a:ea typeface="+mn-ea"/>
+                <a:cs typeface="+mn-cs"/>
+              </a:defRPr>
+            </a:lvl2pPr>
+            <a:lvl3pPr marL="914400" indent="0" algn="l" defTabSz="457200" rtl="0" eaLnBrk="1" latinLnBrk="0" hangingPunct="1">
+              <a:spcBef>
+                <a:spcPts val="1000"/>
+              </a:spcBef>
+              <a:spcAft>
+                <a:spcPts val="0"/>
+              </a:spcAft>
+              <a:buClr>
+                <a:schemeClr val="accent1"/>
+              </a:buClr>
+              <a:buSzPct val="80000"/>
+              <a:buFont typeface="Wingdings 3" charset="2"/>
+              <a:buNone/>
+              <a:defRPr sz="1800" b="1" kern="1200">
+                <a:solidFill>
+                  <a:schemeClr val="tx1">
+                    <a:lumMod val="75000"/>
+                    <a:lumOff val="25000"/>
+                  </a:schemeClr>
+                </a:solidFill>
+                <a:latin typeface="+mn-lt"/>
+                <a:ea typeface="+mn-ea"/>
+                <a:cs typeface="+mn-cs"/>
+              </a:defRPr>
+            </a:lvl3pPr>
+            <a:lvl4pPr marL="1371600" indent="0" algn="l" defTabSz="457200" rtl="0" eaLnBrk="1" latinLnBrk="0" hangingPunct="1">
+              <a:spcBef>
+                <a:spcPts val="1000"/>
+              </a:spcBef>
+              <a:spcAft>
+                <a:spcPts val="0"/>
+              </a:spcAft>
+              <a:buClr>
+                <a:schemeClr val="accent1"/>
+              </a:buClr>
+              <a:buSzPct val="80000"/>
+              <a:buFont typeface="Wingdings 3" charset="2"/>
+              <a:buNone/>
+              <a:defRPr sz="1600" b="1" kern="1200">
+                <a:solidFill>
+                  <a:schemeClr val="tx1">
+                    <a:lumMod val="75000"/>
+                    <a:lumOff val="25000"/>
+                  </a:schemeClr>
+                </a:solidFill>
+                <a:latin typeface="+mn-lt"/>
+                <a:ea typeface="+mn-ea"/>
+                <a:cs typeface="+mn-cs"/>
+              </a:defRPr>
+            </a:lvl4pPr>
+            <a:lvl5pPr marL="1828800" indent="0" algn="l" defTabSz="457200" rtl="0" eaLnBrk="1" latinLnBrk="0" hangingPunct="1">
+              <a:spcBef>
+                <a:spcPts val="1000"/>
+              </a:spcBef>
+              <a:spcAft>
+                <a:spcPts val="0"/>
+              </a:spcAft>
+              <a:buClr>
+                <a:schemeClr val="accent1"/>
+              </a:buClr>
+              <a:buSzPct val="80000"/>
+              <a:buFont typeface="Wingdings 3" charset="2"/>
+              <a:buNone/>
+              <a:defRPr sz="1600" b="1" kern="1200">
+                <a:solidFill>
+                  <a:schemeClr val="tx1">
+                    <a:lumMod val="75000"/>
+                    <a:lumOff val="25000"/>
+                  </a:schemeClr>
+                </a:solidFill>
+                <a:latin typeface="+mn-lt"/>
+                <a:ea typeface="+mn-ea"/>
+                <a:cs typeface="+mn-cs"/>
+              </a:defRPr>
+            </a:lvl5pPr>
+            <a:lvl6pPr marL="2286000" indent="0" algn="l" defTabSz="457200" rtl="0" eaLnBrk="1" latinLnBrk="0" hangingPunct="1">
+              <a:spcBef>
+                <a:spcPts val="1000"/>
+              </a:spcBef>
+              <a:spcAft>
+                <a:spcPts val="0"/>
+              </a:spcAft>
+              <a:buClr>
+                <a:schemeClr val="accent1"/>
+              </a:buClr>
+              <a:buSzPct val="80000"/>
+              <a:buFont typeface="Wingdings 3" charset="2"/>
+              <a:buNone/>
+              <a:defRPr sz="1600" b="1" kern="1200">
+                <a:solidFill>
+                  <a:schemeClr val="tx1">
+                    <a:lumMod val="75000"/>
+                    <a:lumOff val="25000"/>
+                  </a:schemeClr>
+                </a:solidFill>
+                <a:latin typeface="+mn-lt"/>
+                <a:ea typeface="+mn-ea"/>
+                <a:cs typeface="+mn-cs"/>
+              </a:defRPr>
+            </a:lvl6pPr>
+            <a:lvl7pPr marL="2743200" indent="0" algn="l" defTabSz="457200" rtl="0" eaLnBrk="1" latinLnBrk="0" hangingPunct="1">
+              <a:spcBef>
+                <a:spcPts val="1000"/>
+              </a:spcBef>
+              <a:spcAft>
+                <a:spcPts val="0"/>
+              </a:spcAft>
+              <a:buClr>
+                <a:schemeClr val="accent1"/>
+              </a:buClr>
+              <a:buSzPct val="80000"/>
+              <a:buFont typeface="Wingdings 3" charset="2"/>
+              <a:buNone/>
+              <a:defRPr sz="1600" b="1" kern="1200">
+                <a:solidFill>
+                  <a:schemeClr val="tx1">
+                    <a:lumMod val="75000"/>
+                    <a:lumOff val="25000"/>
+                  </a:schemeClr>
+                </a:solidFill>
+                <a:latin typeface="+mn-lt"/>
+                <a:ea typeface="+mn-ea"/>
+                <a:cs typeface="+mn-cs"/>
+              </a:defRPr>
+            </a:lvl7pPr>
+            <a:lvl8pPr marL="3200400" indent="0" algn="l" defTabSz="457200" rtl="0" eaLnBrk="1" latinLnBrk="0" hangingPunct="1">
+              <a:spcBef>
+                <a:spcPts val="1000"/>
+              </a:spcBef>
+              <a:spcAft>
+                <a:spcPts val="0"/>
+              </a:spcAft>
+              <a:buClr>
+                <a:schemeClr val="accent1"/>
+              </a:buClr>
+              <a:buSzPct val="80000"/>
+              <a:buFont typeface="Wingdings 3" charset="2"/>
+              <a:buNone/>
+              <a:defRPr sz="1600" b="1" kern="1200">
+                <a:solidFill>
+                  <a:schemeClr val="tx1">
+                    <a:lumMod val="75000"/>
+                    <a:lumOff val="25000"/>
+                  </a:schemeClr>
+                </a:solidFill>
+                <a:latin typeface="+mn-lt"/>
+                <a:ea typeface="+mn-ea"/>
+                <a:cs typeface="+mn-cs"/>
+              </a:defRPr>
+            </a:lvl8pPr>
+            <a:lvl9pPr marL="3657600" indent="0" algn="l" defTabSz="457200" rtl="0" eaLnBrk="1" latinLnBrk="0" hangingPunct="1">
+              <a:spcBef>
+                <a:spcPts val="1000"/>
+              </a:spcBef>
+              <a:spcAft>
+                <a:spcPts val="0"/>
+              </a:spcAft>
+              <a:buClr>
+                <a:schemeClr val="accent1"/>
+              </a:buClr>
+              <a:buSzPct val="80000"/>
+              <a:buFont typeface="Wingdings 3" charset="2"/>
+              <a:buNone/>
+              <a:defRPr sz="1600" b="1" kern="1200">
+                <a:solidFill>
+                  <a:schemeClr val="tx1">
+                    <a:lumMod val="75000"/>
+                    <a:lumOff val="25000"/>
+                  </a:schemeClr>
+                </a:solidFill>
+                <a:latin typeface="+mn-lt"/>
+                <a:ea typeface="+mn-ea"/>
+                <a:cs typeface="+mn-cs"/>
+              </a:defRPr>
+            </a:lvl9pPr>
+          </a:lstStyle>
+          <a:p>
+            <a:r>
+              <a:rPr lang="pt-PT" dirty="0" smtClean="0"/>
+              <a:t>Marquat’s update relationship</a:t>
+            </a:r>
+            <a:endParaRPr lang="pt-PT" dirty="0"/>
+          </a:p>
+        </p:txBody>
+      </p:sp>
+      <p:cxnSp>
+        <p:nvCxnSpPr>
+          <p:cNvPr id="29" name="Curved Connector 28"/>
+          <p:cNvCxnSpPr>
+            <a:stCxn id="7" idx="2"/>
+            <a:endCxn id="19" idx="0"/>
+          </p:cNvCxnSpPr>
+          <p:nvPr/>
+        </p:nvCxnSpPr>
+        <p:spPr>
+          <a:xfrm rot="5400000">
+            <a:off x="5036345" y="3283886"/>
+            <a:ext cx="2084173" cy="2205525"/>
+          </a:xfrm>
+          <a:prstGeom prst="curvedConnector3">
+            <a:avLst>
+              <a:gd name="adj1" fmla="val 50000"/>
+            </a:avLst>
+          </a:prstGeom>
+          <a:ln>
+            <a:tailEnd type="triangle"/>
+          </a:ln>
+        </p:spPr>
+        <p:style>
+          <a:lnRef idx="1">
+            <a:schemeClr val="accent5"/>
+          </a:lnRef>
+          <a:fillRef idx="0">
+            <a:schemeClr val="accent5"/>
+          </a:fillRef>
+          <a:effectRef idx="0">
+            <a:schemeClr val="accent5"/>
+          </a:effectRef>
+          <a:fontRef idx="minor">
+            <a:schemeClr val="tx1"/>
+          </a:fontRef>
+        </p:style>
+      </p:cxnSp>
+    </p:spTree>
+    <p:extLst>
+      <p:ext uri="{BB962C8B-B14F-4D97-AF65-F5344CB8AC3E}">
+        <p14:creationId xmlns:p14="http://schemas.microsoft.com/office/powerpoint/2010/main" val="3158702514"/>
+      </p:ext>
+    </p:extLst>
+  </p:cSld>
+  <p:clrMapOvr>
+    <a:masterClrMapping/>
+  </p:clrMapOvr>
+</p:sld>
+</file>
+
+<file path=ppt/slides/slide5.xml><?xml version="1.0" encoding="utf-8"?>
+<p:sld xmlns:a="http://schemas.openxmlformats.org/drawingml/2006/main" xmlns:r="http://schemas.openxmlformats.org/officeDocument/2006/relationships" xmlns:p="http://schemas.openxmlformats.org/presentationml/2006/main">
+  <p:cSld>
+    <p:spTree>
+      <p:nvGrpSpPr>
+        <p:cNvPr id="1" name=""/>
+        <p:cNvGrpSpPr/>
+        <p:nvPr/>
+      </p:nvGrpSpPr>
+      <p:grpSpPr>
+        <a:xfrm>
+          <a:off x="0" y="0"/>
+          <a:ext cx="0" cy="0"/>
+          <a:chOff x="0" y="0"/>
+          <a:chExt cx="0" cy="0"/>
+        </a:xfrm>
+      </p:grpSpPr>
+      <p:sp>
+        <p:nvSpPr>
+          <p:cNvPr id="7" name="Title 6"/>
+          <p:cNvSpPr>
+            <a:spLocks noGrp="1"/>
+          </p:cNvSpPr>
+          <p:nvPr>
+            <p:ph type="title"/>
+          </p:nvPr>
+        </p:nvSpPr>
+        <p:spPr/>
+        <p:txBody>
+          <a:bodyPr/>
+          <a:lstStyle/>
+          <a:p>
+            <a:r>
+              <a:rPr lang="pt-PT" dirty="0"/>
+              <a:t>Levenberg Marquat Algorithm</a:t>
+            </a:r>
+          </a:p>
+        </p:txBody>
+      </p:sp>
+      <mc:AlternateContent xmlns:mc="http://schemas.openxmlformats.org/markup-compatibility/2006" xmlns:a14="http://schemas.microsoft.com/office/drawing/2010/main">
+        <mc:Choice Requires="a14">
+          <p:sp>
+            <p:nvSpPr>
+              <p:cNvPr id="8" name="Content Placeholder 7"/>
+              <p:cNvSpPr>
+                <a:spLocks noGrp="1"/>
+              </p:cNvSpPr>
+              <p:nvPr>
+                <p:ph idx="1"/>
+              </p:nvPr>
+            </p:nvSpPr>
+            <p:spPr/>
+            <p:txBody>
+              <a:bodyPr/>
+              <a:lstStyle/>
+              <a:p>
+                <a14:m>
+                  <m:oMath xmlns:m="http://schemas.openxmlformats.org/officeDocument/2006/math">
+                    <m:sSup>
+                      <m:sSupPr>
+                        <m:ctrlPr>
+                          <a:rPr lang="pt-PT" b="1" i="1" smtClean="0">
+                            <a:latin typeface="Cambria Math" panose="02040503050406030204" pitchFamily="18" charset="0"/>
+                          </a:rPr>
+                        </m:ctrlPr>
+                      </m:sSupPr>
+                      <m:e>
+                        <m:r>
+                          <a:rPr lang="pt-PT">
+                            <a:latin typeface="Cambria Math" panose="02040503050406030204" pitchFamily="18" charset="0"/>
+                          </a:rPr>
+                          <m:t>[</m:t>
+                        </m:r>
+                        <m:r>
+                          <a:rPr lang="pt-PT" b="1">
+                            <a:latin typeface="Cambria Math" panose="02040503050406030204" pitchFamily="18" charset="0"/>
+                          </a:rPr>
+                          <m:t>𝐉</m:t>
+                        </m:r>
+                      </m:e>
+                      <m:sup>
+                        <m:r>
+                          <a:rPr lang="pt-PT" b="1" i="1">
+                            <a:latin typeface="Cambria Math" panose="02040503050406030204" pitchFamily="18" charset="0"/>
+                            <a:ea typeface="Cambria Math" panose="02040503050406030204" pitchFamily="18" charset="0"/>
+                          </a:rPr>
+                          <m:t>⊺</m:t>
+                        </m:r>
+                      </m:sup>
+                    </m:sSup>
+                    <m:r>
+                      <a:rPr lang="pt-PT" b="1">
+                        <a:latin typeface="Cambria Math" panose="02040503050406030204" pitchFamily="18" charset="0"/>
+                      </a:rPr>
+                      <m:t>𝐖𝐉</m:t>
+                    </m:r>
+                    <m:r>
+                      <a:rPr lang="pt-PT">
+                        <a:latin typeface="Cambria Math" panose="02040503050406030204" pitchFamily="18" charset="0"/>
+                      </a:rPr>
+                      <m:t>+</m:t>
+                    </m:r>
+                    <m:r>
+                      <a:rPr lang="pt-PT" i="1">
+                        <a:latin typeface="Cambria Math" panose="02040503050406030204" pitchFamily="18" charset="0"/>
+                      </a:rPr>
+                      <m:t>𝜆</m:t>
+                    </m:r>
+                    <m:r>
+                      <a:rPr lang="pt-PT" b="1">
+                        <a:latin typeface="Cambria Math" panose="02040503050406030204" pitchFamily="18" charset="0"/>
+                      </a:rPr>
+                      <m:t> </m:t>
+                    </m:r>
+                    <m:r>
+                      <a:rPr lang="pt-PT" b="1">
+                        <a:latin typeface="Cambria Math" panose="02040503050406030204" pitchFamily="18" charset="0"/>
+                      </a:rPr>
+                      <m:t>𝐈</m:t>
+                    </m:r>
+                    <m:r>
+                      <a:rPr lang="pt-PT">
+                        <a:latin typeface="Cambria Math" panose="02040503050406030204" pitchFamily="18" charset="0"/>
+                      </a:rPr>
+                      <m:t>]</m:t>
+                    </m:r>
+                    <m:r>
+                      <a:rPr lang="pt-PT" b="1" i="1">
+                        <a:latin typeface="Cambria Math" panose="02040503050406030204" pitchFamily="18" charset="0"/>
+                      </a:rPr>
+                      <m:t>𝒉</m:t>
+                    </m:r>
+                    <m:r>
+                      <a:rPr lang="pt-PT" b="1" i="1">
+                        <a:latin typeface="Cambria Math" panose="02040503050406030204" pitchFamily="18" charset="0"/>
+                      </a:rPr>
+                      <m:t>=</m:t>
+                    </m:r>
+                    <m:sSup>
+                      <m:sSupPr>
+                        <m:ctrlPr>
+                          <a:rPr lang="pt-PT" b="1" i="1">
+                            <a:latin typeface="Cambria Math" panose="02040503050406030204" pitchFamily="18" charset="0"/>
+                          </a:rPr>
+                        </m:ctrlPr>
+                      </m:sSupPr>
+                      <m:e>
+                        <m:r>
+                          <a:rPr lang="pt-PT" b="1">
+                            <a:latin typeface="Cambria Math" panose="02040503050406030204" pitchFamily="18" charset="0"/>
+                          </a:rPr>
+                          <m:t>𝐉</m:t>
+                        </m:r>
+                      </m:e>
+                      <m:sup>
+                        <m:r>
+                          <a:rPr lang="pt-PT" b="1" i="1">
+                            <a:latin typeface="Cambria Math" panose="02040503050406030204" pitchFamily="18" charset="0"/>
+                            <a:ea typeface="Cambria Math" panose="02040503050406030204" pitchFamily="18" charset="0"/>
+                          </a:rPr>
+                          <m:t>⊺</m:t>
+                        </m:r>
+                      </m:sup>
+                    </m:sSup>
+                    <m:r>
+                      <a:rPr lang="pt-PT" b="1">
+                        <a:latin typeface="Cambria Math" panose="02040503050406030204" pitchFamily="18" charset="0"/>
+                      </a:rPr>
+                      <m:t>𝐖</m:t>
+                    </m:r>
+                    <m:r>
+                      <a:rPr lang="pt-PT" b="1">
+                        <a:latin typeface="Cambria Math" panose="02040503050406030204" pitchFamily="18" charset="0"/>
+                      </a:rPr>
+                      <m:t>(</m:t>
+                    </m:r>
+                    <m:r>
+                      <a:rPr lang="pt-PT" b="1" i="1">
+                        <a:latin typeface="Cambria Math" panose="02040503050406030204" pitchFamily="18" charset="0"/>
+                      </a:rPr>
+                      <m:t>𝒇</m:t>
+                    </m:r>
+                    <m:r>
+                      <a:rPr lang="pt-PT" b="1" i="1">
+                        <a:latin typeface="Cambria Math" panose="02040503050406030204" pitchFamily="18" charset="0"/>
+                      </a:rPr>
+                      <m:t> − </m:t>
+                    </m:r>
+                    <m:acc>
+                      <m:accPr>
+                        <m:chr m:val="̂"/>
+                        <m:ctrlPr>
+                          <a:rPr lang="pt-PT" b="1" i="1">
+                            <a:latin typeface="Cambria Math" panose="02040503050406030204" pitchFamily="18" charset="0"/>
+                          </a:rPr>
+                        </m:ctrlPr>
+                      </m:accPr>
+                      <m:e>
+                        <m:r>
+                          <a:rPr lang="pt-PT" b="1" i="1">
+                            <a:latin typeface="Cambria Math" panose="02040503050406030204" pitchFamily="18" charset="0"/>
+                          </a:rPr>
+                          <m:t>𝒇</m:t>
+                        </m:r>
+                      </m:e>
+                    </m:acc>
+                    <m:r>
+                      <a:rPr lang="pt-PT" i="1">
+                        <a:latin typeface="Cambria Math" panose="02040503050406030204" pitchFamily="18" charset="0"/>
+                      </a:rPr>
+                      <m:t>)</m:t>
+                    </m:r>
+                  </m:oMath>
+                </a14:m>
+                <a:endParaRPr lang="pt-PT" dirty="0"/>
+              </a:p>
+              <a:p>
+                <a:pPr marL="0" indent="0">
+                  <a:buNone/>
+                </a:pPr>
+                <a:endParaRPr lang="pt-PT" dirty="0" smtClean="0"/>
+              </a:p>
+              <a:p>
+                <a:r>
+                  <a:rPr lang="pt-PT" dirty="0" smtClean="0"/>
+                  <a:t>In our case </a:t>
+                </a:r>
+                <a14:m>
+                  <m:oMath xmlns:m="http://schemas.openxmlformats.org/officeDocument/2006/math">
+                    <m:r>
+                      <a:rPr lang="pt-PT" b="1">
+                        <a:latin typeface="Cambria Math" panose="02040503050406030204" pitchFamily="18" charset="0"/>
+                      </a:rPr>
+                      <m:t>𝐖</m:t>
+                    </m:r>
+                    <m:r>
+                      <a:rPr lang="pt-PT" b="1" i="0" smtClean="0">
+                        <a:latin typeface="Cambria Math" panose="02040503050406030204" pitchFamily="18" charset="0"/>
+                      </a:rPr>
+                      <m:t>=</m:t>
+                    </m:r>
+                    <m:r>
+                      <a:rPr lang="pt-PT" b="1" i="0" smtClean="0">
+                        <a:latin typeface="Cambria Math" panose="02040503050406030204" pitchFamily="18" charset="0"/>
+                      </a:rPr>
+                      <m:t>𝐈</m:t>
+                    </m:r>
+                  </m:oMath>
+                </a14:m>
+                <a:r>
+                  <a:rPr lang="pt-PT" dirty="0" smtClean="0"/>
+                  <a:t>, since we don’t have access to the measurments errors nor the covariance matrix.</a:t>
+                </a:r>
+              </a:p>
+              <a:p>
+                <a:endParaRPr lang="pt-PT" dirty="0"/>
+              </a:p>
+              <a:p>
+                <a:r>
+                  <a:rPr lang="pt-PT" dirty="0" smtClean="0"/>
+                  <a:t>And so:</a:t>
+                </a:r>
+              </a:p>
+              <a:p>
+                <a:pPr lvl="1"/>
+                <a14:m>
+                  <m:oMath xmlns:m="http://schemas.openxmlformats.org/officeDocument/2006/math">
+                    <m:r>
+                      <a:rPr lang="pt-PT" b="1" i="0" smtClean="0">
+                        <a:latin typeface="Cambria Math" panose="02040503050406030204" pitchFamily="18" charset="0"/>
+                      </a:rPr>
+                      <m:t>[</m:t>
+                    </m:r>
+                    <m:r>
+                      <a:rPr lang="pt-PT" b="1" i="0" smtClean="0">
+                        <a:latin typeface="Cambria Math" panose="02040503050406030204" pitchFamily="18" charset="0"/>
+                      </a:rPr>
+                      <m:t>𝐇</m:t>
+                    </m:r>
+                    <m:r>
+                      <a:rPr lang="pt-PT">
+                        <a:latin typeface="Cambria Math" panose="02040503050406030204" pitchFamily="18" charset="0"/>
+                      </a:rPr>
+                      <m:t>+</m:t>
+                    </m:r>
+                    <m:r>
+                      <a:rPr lang="pt-PT" i="1">
+                        <a:latin typeface="Cambria Math" panose="02040503050406030204" pitchFamily="18" charset="0"/>
+                      </a:rPr>
+                      <m:t>𝜆</m:t>
+                    </m:r>
+                    <m:r>
+                      <a:rPr lang="pt-PT" b="1">
+                        <a:latin typeface="Cambria Math" panose="02040503050406030204" pitchFamily="18" charset="0"/>
+                      </a:rPr>
+                      <m:t> </m:t>
+                    </m:r>
+                    <m:r>
+                      <a:rPr lang="pt-PT" b="1">
+                        <a:latin typeface="Cambria Math" panose="02040503050406030204" pitchFamily="18" charset="0"/>
+                      </a:rPr>
+                      <m:t>𝐈</m:t>
+                    </m:r>
+                    <m:r>
+                      <a:rPr lang="pt-PT">
+                        <a:latin typeface="Cambria Math" panose="02040503050406030204" pitchFamily="18" charset="0"/>
+                      </a:rPr>
+                      <m:t>]</m:t>
+                    </m:r>
+                    <m:r>
+                      <a:rPr lang="pt-PT" b="1" i="1">
+                        <a:latin typeface="Cambria Math" panose="02040503050406030204" pitchFamily="18" charset="0"/>
+                      </a:rPr>
+                      <m:t>𝒉</m:t>
+                    </m:r>
+                    <m:r>
+                      <a:rPr lang="pt-PT" b="1" i="1">
+                        <a:latin typeface="Cambria Math" panose="02040503050406030204" pitchFamily="18" charset="0"/>
+                      </a:rPr>
+                      <m:t>=</m:t>
+                    </m:r>
+                    <m:r>
+                      <a:rPr lang="pt-PT" b="1" i="0" smtClean="0">
+                        <a:latin typeface="Cambria Math" panose="02040503050406030204" pitchFamily="18" charset="0"/>
+                      </a:rPr>
+                      <m:t>𝐉</m:t>
+                    </m:r>
+                    <m:r>
+                      <a:rPr lang="pt-PT" b="1" i="1" smtClean="0">
+                        <a:latin typeface="Cambria Math" panose="02040503050406030204" pitchFamily="18" charset="0"/>
+                      </a:rPr>
+                      <m:t> </m:t>
+                    </m:r>
+                    <m:r>
+                      <a:rPr lang="pt-PT" b="1">
+                        <a:latin typeface="Cambria Math" panose="02040503050406030204" pitchFamily="18" charset="0"/>
+                      </a:rPr>
+                      <m:t>(</m:t>
+                    </m:r>
+                    <m:r>
+                      <a:rPr lang="pt-PT" b="1" i="1">
+                        <a:latin typeface="Cambria Math" panose="02040503050406030204" pitchFamily="18" charset="0"/>
+                      </a:rPr>
+                      <m:t>𝒇</m:t>
+                    </m:r>
+                    <m:r>
+                      <a:rPr lang="pt-PT" b="1" i="1">
+                        <a:latin typeface="Cambria Math" panose="02040503050406030204" pitchFamily="18" charset="0"/>
+                      </a:rPr>
+                      <m:t> − </m:t>
+                    </m:r>
+                    <m:acc>
+                      <m:accPr>
+                        <m:chr m:val="̂"/>
+                        <m:ctrlPr>
+                          <a:rPr lang="pt-PT" b="1" i="1">
+                            <a:latin typeface="Cambria Math" panose="02040503050406030204" pitchFamily="18" charset="0"/>
+                          </a:rPr>
+                        </m:ctrlPr>
+                      </m:accPr>
+                      <m:e>
+                        <m:r>
+                          <a:rPr lang="pt-PT" b="1" i="1">
+                            <a:latin typeface="Cambria Math" panose="02040503050406030204" pitchFamily="18" charset="0"/>
+                          </a:rPr>
+                          <m:t>𝒇</m:t>
+                        </m:r>
+                      </m:e>
+                    </m:acc>
+                    <m:r>
+                      <a:rPr lang="pt-PT" i="1">
+                        <a:latin typeface="Cambria Math" panose="02040503050406030204" pitchFamily="18" charset="0"/>
+                      </a:rPr>
+                      <m:t>)</m:t>
+                    </m:r>
+                  </m:oMath>
+                </a14:m>
+                <a:endParaRPr lang="pt-PT" dirty="0"/>
+              </a:p>
+              <a:p>
+                <a:pPr lvl="1"/>
+                <a:endParaRPr lang="pt-PT" dirty="0"/>
+              </a:p>
+            </p:txBody>
+          </p:sp>
+        </mc:Choice>
+        <mc:Fallback xmlns="">
+          <p:sp>
+            <p:nvSpPr>
+              <p:cNvPr id="8" name="Content Placeholder 7"/>
+              <p:cNvSpPr>
+                <a:spLocks noGrp="1" noRot="1" noChangeAspect="1" noMove="1" noResize="1" noEditPoints="1" noAdjustHandles="1" noChangeArrowheads="1" noChangeShapeType="1" noTextEdit="1"/>
+              </p:cNvSpPr>
+              <p:nvPr>
+                <p:ph idx="1"/>
+              </p:nvPr>
+            </p:nvSpPr>
+            <p:spPr>
+              <a:blipFill>
+                <a:blip r:embed="rId2"/>
+                <a:stretch>
+                  <a:fillRect l="-142"/>
+                </a:stretch>
+              </a:blipFill>
+            </p:spPr>
+            <p:txBody>
+              <a:bodyPr/>
+              <a:lstStyle/>
+              <a:p>
+                <a:r>
+                  <a:rPr lang="pt-PT">
+                    <a:noFill/>
+                  </a:rPr>
+                  <a:t> </a:t>
+                </a:r>
+              </a:p>
+            </p:txBody>
+          </p:sp>
+        </mc:Fallback>
+      </mc:AlternateContent>
+    </p:spTree>
+    <p:extLst>
+      <p:ext uri="{BB962C8B-B14F-4D97-AF65-F5344CB8AC3E}">
+        <p14:creationId xmlns:p14="http://schemas.microsoft.com/office/powerpoint/2010/main" val="429920528"/>
+      </p:ext>
+    </p:extLst>
+  </p:cSld>
+  <p:clrMapOvr>
+    <a:masterClrMapping/>
+  </p:clrMapOvr>
+</p:sld>
+</file>
+
+<file path=ppt/slides/slide6.xml><?xml version="1.0" encoding="utf-8"?>
+<p:sld xmlns:a="http://schemas.openxmlformats.org/drawingml/2006/main" xmlns:r="http://schemas.openxmlformats.org/officeDocument/2006/relationships" xmlns:p="http://schemas.openxmlformats.org/presentationml/2006/main">
+  <p:cSld>
+    <p:spTree>
+      <p:nvGrpSpPr>
+        <p:cNvPr id="1" name=""/>
+        <p:cNvGrpSpPr/>
+        <p:nvPr/>
+      </p:nvGrpSpPr>
+      <p:grpSpPr>
+        <a:xfrm>
+          <a:off x="0" y="0"/>
+          <a:ext cx="0" cy="0"/>
+          <a:chOff x="0" y="0"/>
+          <a:chExt cx="0" cy="0"/>
+        </a:xfrm>
+      </p:grpSpPr>
+      <p:sp>
+        <p:nvSpPr>
+          <p:cNvPr id="6" name="Title 6"/>
+          <p:cNvSpPr>
+            <a:spLocks noGrp="1"/>
+          </p:cNvSpPr>
+          <p:nvPr>
+            <p:ph type="title"/>
+          </p:nvPr>
+        </p:nvSpPr>
+        <p:spPr>
+          <a:xfrm>
+            <a:off x="471488" y="477838"/>
+            <a:ext cx="8596312" cy="1320800"/>
+          </a:xfrm>
+        </p:spPr>
+        <p:txBody>
+          <a:bodyPr/>
+          <a:lstStyle/>
+          <a:p>
+            <a:r>
+              <a:rPr lang="pt-PT" dirty="0"/>
+              <a:t>Levenberg Marquat Algorithm</a:t>
+            </a:r>
+          </a:p>
+        </p:txBody>
+      </p:sp>
+      <mc:AlternateContent xmlns:mc="http://schemas.openxmlformats.org/markup-compatibility/2006" xmlns:a14="http://schemas.microsoft.com/office/drawing/2010/main">
+        <mc:Choice Requires="a14">
+          <p:graphicFrame>
+            <p:nvGraphicFramePr>
+              <p:cNvPr id="8" name="Table 7"/>
+              <p:cNvGraphicFramePr>
+                <a:graphicFrameLocks noGrp="1"/>
+              </p:cNvGraphicFramePr>
+              <p:nvPr>
+                <p:extLst>
+                  <p:ext uri="{D42A27DB-BD31-4B8C-83A1-F6EECF244321}">
+                    <p14:modId xmlns:p14="http://schemas.microsoft.com/office/powerpoint/2010/main" val="710171250"/>
+                  </p:ext>
+                </p:extLst>
+              </p:nvPr>
+            </p:nvGraphicFramePr>
+            <p:xfrm>
+              <a:off x="7247646" y="1798638"/>
+              <a:ext cx="2011684" cy="3937860"/>
+            </p:xfrm>
+            <a:graphic>
+              <a:graphicData uri="http://schemas.openxmlformats.org/drawingml/2006/table">
+                <a:tbl>
+                  <a:tblPr firstRow="1" bandRow="1">
+                    <a:tableStyleId>{69012ECD-51FC-41F1-AA8D-1B2483CD663E}</a:tableStyleId>
+                  </a:tblPr>
+                  <a:tblGrid>
+                    <a:gridCol w="1339024">
+                      <a:extLst>
+                        <a:ext uri="{9D8B030D-6E8A-4147-A177-3AD203B41FA5}">
+                          <a16:colId xmlns:a16="http://schemas.microsoft.com/office/drawing/2014/main" val="4154438829"/>
+                        </a:ext>
+                      </a:extLst>
+                    </a:gridCol>
+                    <a:gridCol w="672660">
+                      <a:extLst>
+                        <a:ext uri="{9D8B030D-6E8A-4147-A177-3AD203B41FA5}">
+                          <a16:colId xmlns:a16="http://schemas.microsoft.com/office/drawing/2014/main" val="3224097022"/>
+                        </a:ext>
+                      </a:extLst>
+                    </a:gridCol>
+                  </a:tblGrid>
+                  <a:tr h="484430">
+                    <a:tc>
+                      <a:txBody>
+                        <a:bodyPr/>
+                        <a:lstStyle/>
+                        <a:p>
+                          <a:pPr algn="ctr"/>
+                          <a:r>
+                            <a:rPr lang="pt-PT" sz="1600" dirty="0" smtClean="0"/>
+                            <a:t>Parameter</a:t>
+                          </a:r>
+                          <a:endParaRPr lang="pt-PT" sz="1600" dirty="0"/>
+                        </a:p>
+                      </a:txBody>
+                      <a:tcPr anchor="ctr"/>
+                    </a:tc>
+                    <a:tc>
+                      <a:txBody>
+                        <a:bodyPr/>
+                        <a:lstStyle/>
+                        <a:p>
+                          <a:pPr algn="ctr"/>
+                          <a:r>
+                            <a:rPr lang="pt-PT" sz="1600" dirty="0" smtClean="0"/>
+                            <a:t>Gen.</a:t>
+                          </a:r>
+                          <a:endParaRPr lang="pt-PT" sz="1600" dirty="0"/>
+                        </a:p>
+                      </a:txBody>
+                      <a:tcPr anchor="ctr"/>
+                    </a:tc>
+                    <a:extLst>
+                      <a:ext uri="{0D108BD9-81ED-4DB2-BD59-A6C34878D82A}">
+                        <a16:rowId xmlns:a16="http://schemas.microsoft.com/office/drawing/2014/main" val="3903182838"/>
+                      </a:ext>
+                    </a:extLst>
+                  </a:tr>
+                  <a:tr h="690686">
+                    <a:tc>
+                      <a:txBody>
+                        <a:bodyPr/>
+                        <a:lstStyle/>
+                        <a:p>
+                          <a:pPr algn="ctr"/>
+                          <a14:m>
+                            <m:oMathPara xmlns:m="http://schemas.openxmlformats.org/officeDocument/2006/math">
+                              <m:oMathParaPr>
+                                <m:jc m:val="centerGroup"/>
+                              </m:oMathParaPr>
+                              <m:oMath xmlns:m="http://schemas.openxmlformats.org/officeDocument/2006/math">
+                                <m:r>
+                                  <m:rPr>
+                                    <m:sty m:val="p"/>
+                                  </m:rPr>
+                                  <a:rPr lang="pt-PT" sz="1600" b="0" i="1" smtClean="0">
+                                    <a:latin typeface="Cambria Math" panose="02040503050406030204" pitchFamily="18" charset="0"/>
+                                  </a:rPr>
+                                  <m:t>α</m:t>
+                                </m:r>
+                              </m:oMath>
+                            </m:oMathPara>
+                          </a14:m>
+                          <a:endParaRPr lang="pt-PT" sz="1600" b="0" dirty="0" smtClean="0"/>
+                        </a:p>
+                        <a:p>
+                          <a:pPr algn="ctr"/>
+                          <a:endParaRPr lang="pt-PT" sz="1600" dirty="0"/>
+                        </a:p>
+                      </a:txBody>
+                      <a:tcPr anchor="ctr"/>
+                    </a:tc>
+                    <a:tc>
+                      <a:txBody>
+                        <a:bodyPr/>
+                        <a:lstStyle/>
+                        <a:p>
+                          <a:pPr algn="ctr"/>
+                          <a:r>
+                            <a:rPr lang="pt-PT" sz="1600" dirty="0" smtClean="0"/>
+                            <a:t>0.05</a:t>
+                          </a:r>
+                          <a:endParaRPr lang="pt-PT" sz="1600" dirty="0"/>
+                        </a:p>
+                      </a:txBody>
+                      <a:tcPr anchor="ctr"/>
+                    </a:tc>
+                    <a:extLst>
+                      <a:ext uri="{0D108BD9-81ED-4DB2-BD59-A6C34878D82A}">
+                        <a16:rowId xmlns:a16="http://schemas.microsoft.com/office/drawing/2014/main" val="4034706123"/>
+                      </a:ext>
+                    </a:extLst>
+                  </a:tr>
+                  <a:tr h="690686">
+                    <a:tc>
+                      <a:txBody>
+                        <a:bodyPr/>
+                        <a:lstStyle/>
+                        <a:p>
+                          <a:pPr marL="0" marR="0" indent="0" algn="ctr" defTabSz="457200" rtl="0" eaLnBrk="1" fontAlgn="auto" latinLnBrk="0" hangingPunct="1">
+                            <a:lnSpc>
+                              <a:spcPct val="100000"/>
+                            </a:lnSpc>
+                            <a:spcBef>
+                              <a:spcPts val="0"/>
+                            </a:spcBef>
+                            <a:spcAft>
+                              <a:spcPts val="0"/>
+                            </a:spcAft>
+                            <a:buClrTx/>
+                            <a:buSzTx/>
+                            <a:buFontTx/>
+                            <a:buNone/>
+                            <a:tabLst/>
+                            <a:defRPr/>
+                          </a:pPr>
+                          <a14:m>
+                            <m:oMathPara xmlns:m="http://schemas.openxmlformats.org/officeDocument/2006/math">
+                              <m:oMathParaPr>
+                                <m:jc m:val="centerGroup"/>
+                              </m:oMathParaPr>
+                              <m:oMath xmlns:m="http://schemas.openxmlformats.org/officeDocument/2006/math">
+                                <m:r>
+                                  <a:rPr lang="pt-PT" sz="1600" b="0" i="1" smtClean="0">
+                                    <a:latin typeface="Cambria Math" panose="02040503050406030204" pitchFamily="18" charset="0"/>
+                                  </a:rPr>
+                                  <m:t>𝛽</m:t>
+                                </m:r>
+                              </m:oMath>
+                            </m:oMathPara>
+                          </a14:m>
+                          <a:endParaRPr lang="pt-PT" sz="1600" b="0" dirty="0" smtClean="0"/>
+                        </a:p>
+                        <a:p>
+                          <a:pPr algn="ctr"/>
+                          <a:endParaRPr lang="pt-PT" sz="1600" dirty="0"/>
+                        </a:p>
+                      </a:txBody>
+                      <a:tcPr anchor="ctr"/>
+                    </a:tc>
+                    <a:tc>
+                      <a:txBody>
+                        <a:bodyPr/>
+                        <a:lstStyle/>
+                        <a:p>
+                          <a:pPr algn="ctr"/>
+                          <a:r>
+                            <a:rPr lang="pt-PT" sz="1600" dirty="0" smtClean="0"/>
+                            <a:t>1</a:t>
+                          </a:r>
+                          <a:endParaRPr lang="pt-PT" sz="1600" dirty="0"/>
+                        </a:p>
+                      </a:txBody>
+                      <a:tcPr anchor="ctr"/>
+                    </a:tc>
+                    <a:extLst>
+                      <a:ext uri="{0D108BD9-81ED-4DB2-BD59-A6C34878D82A}">
+                        <a16:rowId xmlns:a16="http://schemas.microsoft.com/office/drawing/2014/main" val="1470569853"/>
+                      </a:ext>
+                    </a:extLst>
+                  </a:tr>
+                  <a:tr h="690686">
+                    <a:tc>
+                      <a:txBody>
+                        <a:bodyPr/>
+                        <a:lstStyle/>
+                        <a:p>
+                          <a:pPr marL="0" marR="0" indent="0" algn="ctr" defTabSz="457200" rtl="0" eaLnBrk="1" fontAlgn="auto" latinLnBrk="0" hangingPunct="1">
+                            <a:lnSpc>
+                              <a:spcPct val="100000"/>
+                            </a:lnSpc>
+                            <a:spcBef>
+                              <a:spcPts val="0"/>
+                            </a:spcBef>
+                            <a:spcAft>
+                              <a:spcPts val="0"/>
+                            </a:spcAft>
+                            <a:buClrTx/>
+                            <a:buSzTx/>
+                            <a:buFontTx/>
+                            <a:buNone/>
+                            <a:tabLst/>
+                            <a:defRPr/>
+                          </a:pPr>
+                          <a14:m>
+                            <m:oMathPara xmlns:m="http://schemas.openxmlformats.org/officeDocument/2006/math">
+                              <m:oMathParaPr>
+                                <m:jc m:val="centerGroup"/>
+                              </m:oMathParaPr>
+                              <m:oMath xmlns:m="http://schemas.openxmlformats.org/officeDocument/2006/math">
+                                <m:r>
+                                  <a:rPr lang="pt-PT" sz="1600" b="0" i="1" smtClean="0">
+                                    <a:latin typeface="Cambria Math" panose="02040503050406030204" pitchFamily="18" charset="0"/>
+                                  </a:rPr>
+                                  <m:t>𝜌</m:t>
+                                </m:r>
+                              </m:oMath>
+                            </m:oMathPara>
+                          </a14:m>
+                          <a:endParaRPr lang="pt-PT" sz="1600" b="0" dirty="0" smtClean="0"/>
+                        </a:p>
+                        <a:p>
+                          <a:pPr algn="ctr"/>
+                          <a:endParaRPr lang="pt-PT" sz="1600" dirty="0"/>
+                        </a:p>
+                      </a:txBody>
+                      <a:tcPr anchor="ctr"/>
+                    </a:tc>
+                    <a:tc>
+                      <a:txBody>
+                        <a:bodyPr/>
+                        <a:lstStyle/>
+                        <a:p>
+                          <a:pPr algn="ctr"/>
+                          <a:r>
+                            <a:rPr lang="pt-PT" sz="1600" dirty="0" smtClean="0"/>
+                            <a:t>-0.33</a:t>
+                          </a:r>
+                          <a:endParaRPr lang="pt-PT" sz="1600" dirty="0"/>
+                        </a:p>
+                      </a:txBody>
+                      <a:tcPr anchor="ctr"/>
+                    </a:tc>
+                    <a:extLst>
+                      <a:ext uri="{0D108BD9-81ED-4DB2-BD59-A6C34878D82A}">
+                        <a16:rowId xmlns:a16="http://schemas.microsoft.com/office/drawing/2014/main" val="1788996123"/>
+                      </a:ext>
+                    </a:extLst>
+                  </a:tr>
+                  <a:tr h="690686">
+                    <a:tc>
+                      <a:txBody>
+                        <a:bodyPr/>
+                        <a:lstStyle/>
+                        <a:p>
+                          <a:pPr marL="0" marR="0" indent="0" algn="ctr" defTabSz="457200" rtl="0" eaLnBrk="1" fontAlgn="auto" latinLnBrk="0" hangingPunct="1">
+                            <a:lnSpc>
+                              <a:spcPct val="100000"/>
+                            </a:lnSpc>
+                            <a:spcBef>
+                              <a:spcPts val="0"/>
+                            </a:spcBef>
+                            <a:spcAft>
+                              <a:spcPts val="0"/>
+                            </a:spcAft>
+                            <a:buClrTx/>
+                            <a:buSzTx/>
+                            <a:buFontTx/>
+                            <a:buNone/>
+                            <a:tabLst/>
+                            <a:defRPr/>
+                          </a:pPr>
+                          <a14:m>
+                            <m:oMathPara xmlns:m="http://schemas.openxmlformats.org/officeDocument/2006/math">
+                              <m:oMathParaPr>
+                                <m:jc m:val="centerGroup"/>
+                              </m:oMathParaPr>
+                              <m:oMath xmlns:m="http://schemas.openxmlformats.org/officeDocument/2006/math">
+                                <m:r>
+                                  <a:rPr lang="pt-PT" sz="1600" b="0" i="1" smtClean="0">
+                                    <a:latin typeface="Cambria Math" panose="02040503050406030204" pitchFamily="18" charset="0"/>
+                                  </a:rPr>
+                                  <m:t>𝜈</m:t>
+                                </m:r>
+                              </m:oMath>
+                            </m:oMathPara>
+                          </a14:m>
+                          <a:endParaRPr lang="pt-PT" sz="1600" b="0" dirty="0" smtClean="0"/>
+                        </a:p>
+                        <a:p>
+                          <a:pPr algn="ctr"/>
+                          <a:endParaRPr lang="pt-PT" sz="1600" dirty="0"/>
+                        </a:p>
+                      </a:txBody>
+                      <a:tcPr anchor="ctr"/>
+                    </a:tc>
+                    <a:tc>
+                      <a:txBody>
+                        <a:bodyPr/>
+                        <a:lstStyle/>
+                        <a:p>
+                          <a:pPr algn="ctr"/>
+                          <a:r>
+                            <a:rPr lang="pt-PT" sz="1600" dirty="0" smtClean="0"/>
+                            <a:t>0.25</a:t>
+                          </a:r>
+                          <a:endParaRPr lang="pt-PT" sz="1600" dirty="0"/>
+                        </a:p>
+                      </a:txBody>
+                      <a:tcPr anchor="ctr"/>
+                    </a:tc>
+                    <a:extLst>
+                      <a:ext uri="{0D108BD9-81ED-4DB2-BD59-A6C34878D82A}">
+                        <a16:rowId xmlns:a16="http://schemas.microsoft.com/office/drawing/2014/main" val="400963944"/>
+                      </a:ext>
+                    </a:extLst>
+                  </a:tr>
+                  <a:tr h="690686">
+                    <a:tc>
+                      <a:txBody>
+                        <a:bodyPr/>
+                        <a:lstStyle/>
+                        <a:p>
+                          <a:pPr algn="ctr"/>
+                          <a:r>
+                            <a:rPr lang="pt-PT" sz="1600" dirty="0" smtClean="0"/>
+                            <a:t>T</a:t>
+                          </a:r>
+                          <a:endParaRPr lang="pt-PT" sz="1600" dirty="0"/>
+                        </a:p>
+                      </a:txBody>
+                      <a:tcPr anchor="ctr"/>
+                    </a:tc>
+                    <a:tc>
+                      <a:txBody>
+                        <a:bodyPr/>
+                        <a:lstStyle/>
+                        <a:p>
+                          <a:pPr algn="ctr"/>
+                          <a:r>
+                            <a:rPr lang="pt-PT" sz="1600" dirty="0" smtClean="0"/>
+                            <a:t>15</a:t>
+                          </a:r>
+                          <a:endParaRPr lang="pt-PT" sz="1600" dirty="0"/>
+                        </a:p>
+                      </a:txBody>
+                      <a:tcPr anchor="ctr"/>
+                    </a:tc>
+                    <a:extLst>
+                      <a:ext uri="{0D108BD9-81ED-4DB2-BD59-A6C34878D82A}">
+                        <a16:rowId xmlns:a16="http://schemas.microsoft.com/office/drawing/2014/main" val="1624269119"/>
+                      </a:ext>
+                    </a:extLst>
+                  </a:tr>
+                </a:tbl>
+              </a:graphicData>
+            </a:graphic>
+          </p:graphicFrame>
+        </mc:Choice>
+        <mc:Fallback xmlns="">
+          <p:graphicFrame>
+            <p:nvGraphicFramePr>
+              <p:cNvPr id="8" name="Table 7"/>
+              <p:cNvGraphicFramePr>
+                <a:graphicFrameLocks noGrp="1"/>
+              </p:cNvGraphicFramePr>
+              <p:nvPr>
+                <p:extLst>
+                  <p:ext uri="{D42A27DB-BD31-4B8C-83A1-F6EECF244321}">
+                    <p14:modId xmlns:p14="http://schemas.microsoft.com/office/powerpoint/2010/main" val="710171250"/>
+                  </p:ext>
+                </p:extLst>
+              </p:nvPr>
+            </p:nvGraphicFramePr>
+            <p:xfrm>
+              <a:off x="7247646" y="1798638"/>
+              <a:ext cx="2011684" cy="3937860"/>
+            </p:xfrm>
+            <a:graphic>
+              <a:graphicData uri="http://schemas.openxmlformats.org/drawingml/2006/table">
+                <a:tbl>
+                  <a:tblPr firstRow="1" bandRow="1">
+                    <a:tableStyleId>{69012ECD-51FC-41F1-AA8D-1B2483CD663E}</a:tableStyleId>
+                  </a:tblPr>
+                  <a:tblGrid>
+                    <a:gridCol w="1339024">
+                      <a:extLst>
+                        <a:ext uri="{9D8B030D-6E8A-4147-A177-3AD203B41FA5}">
+                          <a16:colId xmlns:a16="http://schemas.microsoft.com/office/drawing/2014/main" val="4154438829"/>
+                        </a:ext>
+                      </a:extLst>
+                    </a:gridCol>
+                    <a:gridCol w="672660">
+                      <a:extLst>
+                        <a:ext uri="{9D8B030D-6E8A-4147-A177-3AD203B41FA5}">
+                          <a16:colId xmlns:a16="http://schemas.microsoft.com/office/drawing/2014/main" val="3224097022"/>
+                        </a:ext>
+                      </a:extLst>
+                    </a:gridCol>
+                  </a:tblGrid>
+                  <a:tr h="484430">
+                    <a:tc>
+                      <a:txBody>
+                        <a:bodyPr/>
+                        <a:lstStyle/>
+                        <a:p>
+                          <a:pPr algn="ctr"/>
+                          <a:r>
+                            <a:rPr lang="pt-PT" sz="1600" dirty="0" smtClean="0"/>
+                            <a:t>Parameter</a:t>
+                          </a:r>
+                          <a:endParaRPr lang="pt-PT" sz="1600" dirty="0"/>
+                        </a:p>
+                      </a:txBody>
+                      <a:tcPr anchor="ctr"/>
+                    </a:tc>
+                    <a:tc>
+                      <a:txBody>
+                        <a:bodyPr/>
+                        <a:lstStyle/>
+                        <a:p>
+                          <a:pPr algn="ctr"/>
+                          <a:r>
+                            <a:rPr lang="pt-PT" sz="1600" dirty="0" smtClean="0"/>
+                            <a:t>Gen.</a:t>
+                          </a:r>
+                          <a:endParaRPr lang="pt-PT" sz="1600" dirty="0"/>
+                        </a:p>
+                      </a:txBody>
+                      <a:tcPr anchor="ctr"/>
+                    </a:tc>
+                    <a:extLst>
+                      <a:ext uri="{0D108BD9-81ED-4DB2-BD59-A6C34878D82A}">
+                        <a16:rowId xmlns:a16="http://schemas.microsoft.com/office/drawing/2014/main" val="3903182838"/>
+                      </a:ext>
+                    </a:extLst>
+                  </a:tr>
+                  <a:tr h="690686">
+                    <a:tc>
+                      <a:txBody>
+                        <a:bodyPr/>
+                        <a:lstStyle/>
+                        <a:p>
+                          <a:endParaRPr lang="pt-PT"/>
+                        </a:p>
+                      </a:txBody>
+                      <a:tcPr anchor="ctr">
+                        <a:blipFill>
+                          <a:blip r:embed="rId2"/>
+                          <a:stretch>
+                            <a:fillRect l="-909" t="-73451" r="-51818" b="-403540"/>
+                          </a:stretch>
+                        </a:blipFill>
+                      </a:tcPr>
+                    </a:tc>
+                    <a:tc>
+                      <a:txBody>
+                        <a:bodyPr/>
+                        <a:lstStyle/>
+                        <a:p>
+                          <a:pPr algn="ctr"/>
+                          <a:r>
+                            <a:rPr lang="pt-PT" sz="1600" dirty="0" smtClean="0"/>
+                            <a:t>0.05</a:t>
+                          </a:r>
+                          <a:endParaRPr lang="pt-PT" sz="1600" dirty="0"/>
+                        </a:p>
+                      </a:txBody>
+                      <a:tcPr anchor="ctr"/>
+                    </a:tc>
+                    <a:extLst>
+                      <a:ext uri="{0D108BD9-81ED-4DB2-BD59-A6C34878D82A}">
+                        <a16:rowId xmlns:a16="http://schemas.microsoft.com/office/drawing/2014/main" val="4034706123"/>
+                      </a:ext>
+                    </a:extLst>
+                  </a:tr>
+                  <a:tr h="690686">
+                    <a:tc>
+                      <a:txBody>
+                        <a:bodyPr/>
+                        <a:lstStyle/>
+                        <a:p>
+                          <a:endParaRPr lang="pt-PT"/>
+                        </a:p>
+                      </a:txBody>
+                      <a:tcPr anchor="ctr">
+                        <a:blipFill>
+                          <a:blip r:embed="rId2"/>
+                          <a:stretch>
+                            <a:fillRect l="-909" t="-171930" r="-51818" b="-300000"/>
+                          </a:stretch>
+                        </a:blipFill>
+                      </a:tcPr>
+                    </a:tc>
+                    <a:tc>
+                      <a:txBody>
+                        <a:bodyPr/>
+                        <a:lstStyle/>
+                        <a:p>
+                          <a:pPr algn="ctr"/>
+                          <a:r>
+                            <a:rPr lang="pt-PT" sz="1600" dirty="0" smtClean="0"/>
+                            <a:t>1</a:t>
+                          </a:r>
+                          <a:endParaRPr lang="pt-PT" sz="1600" dirty="0"/>
+                        </a:p>
+                      </a:txBody>
+                      <a:tcPr anchor="ctr"/>
+                    </a:tc>
+                    <a:extLst>
+                      <a:ext uri="{0D108BD9-81ED-4DB2-BD59-A6C34878D82A}">
+                        <a16:rowId xmlns:a16="http://schemas.microsoft.com/office/drawing/2014/main" val="1470569853"/>
+                      </a:ext>
+                    </a:extLst>
+                  </a:tr>
+                  <a:tr h="690686">
+                    <a:tc>
+                      <a:txBody>
+                        <a:bodyPr/>
+                        <a:lstStyle/>
+                        <a:p>
+                          <a:endParaRPr lang="pt-PT"/>
+                        </a:p>
+                      </a:txBody>
+                      <a:tcPr anchor="ctr">
+                        <a:blipFill>
+                          <a:blip r:embed="rId2"/>
+                          <a:stretch>
+                            <a:fillRect l="-909" t="-274336" r="-51818" b="-202655"/>
+                          </a:stretch>
+                        </a:blipFill>
+                      </a:tcPr>
+                    </a:tc>
+                    <a:tc>
+                      <a:txBody>
+                        <a:bodyPr/>
+                        <a:lstStyle/>
+                        <a:p>
+                          <a:pPr algn="ctr"/>
+                          <a:r>
+                            <a:rPr lang="pt-PT" sz="1600" dirty="0" smtClean="0"/>
+                            <a:t>-</a:t>
+                          </a:r>
+                          <a:r>
+                            <a:rPr lang="pt-PT" sz="1600" dirty="0" smtClean="0"/>
+                            <a:t>0.33</a:t>
+                          </a:r>
+                          <a:endParaRPr lang="pt-PT" sz="1600" dirty="0"/>
+                        </a:p>
+                      </a:txBody>
+                      <a:tcPr anchor="ctr"/>
+                    </a:tc>
+                    <a:extLst>
+                      <a:ext uri="{0D108BD9-81ED-4DB2-BD59-A6C34878D82A}">
+                        <a16:rowId xmlns:a16="http://schemas.microsoft.com/office/drawing/2014/main" val="1788996123"/>
+                      </a:ext>
+                    </a:extLst>
+                  </a:tr>
+                  <a:tr h="690686">
+                    <a:tc>
+                      <a:txBody>
+                        <a:bodyPr/>
+                        <a:lstStyle/>
+                        <a:p>
+                          <a:endParaRPr lang="pt-PT"/>
+                        </a:p>
+                      </a:txBody>
+                      <a:tcPr anchor="ctr">
+                        <a:blipFill>
+                          <a:blip r:embed="rId2"/>
+                          <a:stretch>
+                            <a:fillRect l="-909" t="-371053" r="-51818" b="-100877"/>
+                          </a:stretch>
+                        </a:blipFill>
+                      </a:tcPr>
+                    </a:tc>
+                    <a:tc>
+                      <a:txBody>
+                        <a:bodyPr/>
+                        <a:lstStyle/>
+                        <a:p>
+                          <a:pPr algn="ctr"/>
+                          <a:r>
+                            <a:rPr lang="pt-PT" sz="1600" dirty="0" smtClean="0"/>
+                            <a:t>0.25</a:t>
+                          </a:r>
+                          <a:endParaRPr lang="pt-PT" sz="1600" dirty="0"/>
+                        </a:p>
+                      </a:txBody>
+                      <a:tcPr anchor="ctr"/>
+                    </a:tc>
+                    <a:extLst>
+                      <a:ext uri="{0D108BD9-81ED-4DB2-BD59-A6C34878D82A}">
+                        <a16:rowId xmlns:a16="http://schemas.microsoft.com/office/drawing/2014/main" val="400963944"/>
+                      </a:ext>
+                    </a:extLst>
+                  </a:tr>
+                  <a:tr h="690686">
+                    <a:tc>
+                      <a:txBody>
+                        <a:bodyPr/>
+                        <a:lstStyle/>
+                        <a:p>
+                          <a:pPr algn="ctr"/>
+                          <a:r>
+                            <a:rPr lang="pt-PT" sz="1600" dirty="0" smtClean="0"/>
+                            <a:t>T</a:t>
+                          </a:r>
+                          <a:endParaRPr lang="pt-PT" sz="1600" dirty="0"/>
+                        </a:p>
+                      </a:txBody>
+                      <a:tcPr anchor="ctr"/>
+                    </a:tc>
+                    <a:tc>
+                      <a:txBody>
+                        <a:bodyPr/>
+                        <a:lstStyle/>
+                        <a:p>
+                          <a:pPr algn="ctr"/>
+                          <a:r>
+                            <a:rPr lang="pt-PT" sz="1600" dirty="0" smtClean="0"/>
+                            <a:t>15</a:t>
+                          </a:r>
+                          <a:endParaRPr lang="pt-PT" sz="1600" dirty="0"/>
+                        </a:p>
+                      </a:txBody>
+                      <a:tcPr anchor="ctr"/>
+                    </a:tc>
+                    <a:extLst>
+                      <a:ext uri="{0D108BD9-81ED-4DB2-BD59-A6C34878D82A}">
+                        <a16:rowId xmlns:a16="http://schemas.microsoft.com/office/drawing/2014/main" val="1624269119"/>
+                      </a:ext>
+                    </a:extLst>
+                  </a:tr>
+                </a:tbl>
+              </a:graphicData>
+            </a:graphic>
+          </p:graphicFrame>
+        </mc:Fallback>
+      </mc:AlternateContent>
+      <p:pic>
+        <p:nvPicPr>
+          <p:cNvPr id="3" name="Content Placeholder 2"/>
+          <p:cNvPicPr>
+            <a:picLocks noGrp="1" noChangeAspect="1"/>
+          </p:cNvPicPr>
+          <p:nvPr>
+            <p:ph idx="1"/>
+          </p:nvPr>
+        </p:nvPicPr>
+        <p:blipFill>
+          <a:blip r:embed="rId3">
+            <a:extLst>
+              <a:ext uri="{28A0092B-C50C-407E-A947-70E740481C1C}">
+                <a14:useLocalDpi xmlns:a14="http://schemas.microsoft.com/office/drawing/2010/main" val="0"/>
+              </a:ext>
+            </a:extLst>
+          </a:blip>
+          <a:stretch>
+            <a:fillRect/>
+          </a:stretch>
+        </p:blipFill>
+        <p:spPr>
+          <a:xfrm>
+            <a:off x="471488" y="1268627"/>
+            <a:ext cx="6584206" cy="4938155"/>
+          </a:xfrm>
+        </p:spPr>
+      </p:pic>
+      <p:sp>
+        <p:nvSpPr>
+          <p:cNvPr id="9" name="Oval 8"/>
+          <p:cNvSpPr/>
+          <p:nvPr/>
+        </p:nvSpPr>
+        <p:spPr>
+          <a:xfrm>
+            <a:off x="4617257" y="2278346"/>
+            <a:ext cx="83372" cy="83372"/>
+          </a:xfrm>
+          <a:prstGeom prst="ellipse">
+            <a:avLst/>
+          </a:prstGeom>
+          <a:solidFill>
+            <a:srgbClr val="FF0000"/>
+          </a:solidFill>
+          <a:ln>
+            <a:noFill/>
+          </a:ln>
+        </p:spPr>
+        <p:style>
+          <a:lnRef idx="2">
+            <a:schemeClr val="accent1">
+              <a:shade val="50000"/>
+            </a:schemeClr>
+          </a:lnRef>
+          <a:fillRef idx="1">
+            <a:schemeClr val="accent1"/>
+          </a:fillRef>
+          <a:effectRef idx="0">
+            <a:schemeClr val="accent1"/>
+          </a:effectRef>
+          <a:fontRef idx="minor">
+            <a:schemeClr val="lt1"/>
+          </a:fontRef>
+        </p:style>
+        <p:txBody>
+          <a:bodyPr rtlCol="0" anchor="ctr"/>
+          <a:lstStyle/>
+          <a:p>
+            <a:pPr algn="ctr"/>
+            <a:endParaRPr lang="pt-PT"/>
+          </a:p>
+        </p:txBody>
+      </p:sp>
+      <p:sp>
+        <p:nvSpPr>
+          <p:cNvPr id="10" name="TextBox 9"/>
+          <p:cNvSpPr txBox="1"/>
+          <p:nvPr/>
+        </p:nvSpPr>
+        <p:spPr>
+          <a:xfrm>
+            <a:off x="4700629" y="2189227"/>
+            <a:ext cx="1152395" cy="261610"/>
+          </a:xfrm>
+          <a:prstGeom prst="rect">
+            <a:avLst/>
+          </a:prstGeom>
+          <a:noFill/>
+        </p:spPr>
+        <p:txBody>
+          <a:bodyPr wrap="square" rtlCol="0">
+            <a:spAutoFit/>
+          </a:bodyPr>
+          <a:lstStyle/>
+          <a:p>
+            <a:r>
+              <a:rPr lang="pt-PT" sz="1050" dirty="0" smtClean="0">
+                <a:latin typeface="Arial" panose="020B0604020202020204" pitchFamily="34" charset="0"/>
+                <a:cs typeface="Arial" panose="020B0604020202020204" pitchFamily="34" charset="0"/>
+              </a:rPr>
+              <a:t>European call</a:t>
+            </a:r>
+            <a:endParaRPr lang="pt-PT" sz="1050" dirty="0">
+              <a:latin typeface="Arial" panose="020B0604020202020204" pitchFamily="34" charset="0"/>
+              <a:cs typeface="Arial" panose="020B0604020202020204" pitchFamily="34" charset="0"/>
+            </a:endParaRPr>
+          </a:p>
+        </p:txBody>
+      </p:sp>
+      <p:sp>
+        <p:nvSpPr>
+          <p:cNvPr id="11" name="TextBox 10"/>
+          <p:cNvSpPr txBox="1"/>
+          <p:nvPr/>
+        </p:nvSpPr>
+        <p:spPr>
+          <a:xfrm>
+            <a:off x="4700629" y="2425134"/>
+            <a:ext cx="1152395" cy="261610"/>
+          </a:xfrm>
+          <a:prstGeom prst="rect">
+            <a:avLst/>
+          </a:prstGeom>
+          <a:noFill/>
+        </p:spPr>
+        <p:txBody>
+          <a:bodyPr wrap="square" rtlCol="0">
+            <a:spAutoFit/>
+          </a:bodyPr>
+          <a:lstStyle/>
+          <a:p>
+            <a:r>
+              <a:rPr lang="pt-PT" sz="1050" dirty="0" smtClean="0">
+                <a:latin typeface="Arial" panose="020B0604020202020204" pitchFamily="34" charset="0"/>
+                <a:cs typeface="Arial" panose="020B0604020202020204" pitchFamily="34" charset="0"/>
+              </a:rPr>
+              <a:t>European put</a:t>
+            </a:r>
+            <a:endParaRPr lang="pt-PT" sz="1050" dirty="0">
+              <a:latin typeface="Arial" panose="020B0604020202020204" pitchFamily="34" charset="0"/>
+              <a:cs typeface="Arial" panose="020B0604020202020204" pitchFamily="34" charset="0"/>
+            </a:endParaRPr>
+          </a:p>
+        </p:txBody>
+      </p:sp>
+      <mc:AlternateContent xmlns:mc="http://schemas.openxmlformats.org/markup-compatibility/2006" xmlns:a14="http://schemas.microsoft.com/office/drawing/2010/main">
+        <mc:Choice Requires="a14">
+          <p:sp>
+            <p:nvSpPr>
+              <p:cNvPr id="12" name="TextBox 11"/>
+              <p:cNvSpPr txBox="1"/>
+              <p:nvPr/>
+            </p:nvSpPr>
+            <p:spPr>
+              <a:xfrm>
+                <a:off x="3136459" y="5954076"/>
+                <a:ext cx="1480798" cy="341825"/>
+              </a:xfrm>
+              <a:prstGeom prst="rect">
+                <a:avLst/>
+              </a:prstGeom>
+              <a:noFill/>
+            </p:spPr>
+            <p:txBody>
+              <a:bodyPr wrap="square" rtlCol="0">
+                <a:spAutoFit/>
+              </a:bodyPr>
+              <a:lstStyle/>
+              <a:p>
+                <a:r>
+                  <a:rPr lang="pt-PT" sz="1050" dirty="0" smtClean="0">
+                    <a:latin typeface="Arial" panose="020B0604020202020204" pitchFamily="34" charset="0"/>
+                    <a:cs typeface="Arial" panose="020B0604020202020204" pitchFamily="34" charset="0"/>
+                  </a:rPr>
+                  <a:t>Normalized Strike (</a:t>
+                </a:r>
+                <a14:m>
+                  <m:oMath xmlns:m="http://schemas.openxmlformats.org/officeDocument/2006/math">
+                    <m:f>
+                      <m:fPr>
+                        <m:ctrlPr>
+                          <a:rPr lang="pt-PT" sz="1050" b="0" i="1" smtClean="0">
+                            <a:latin typeface="Cambria Math" panose="02040503050406030204" pitchFamily="18" charset="0"/>
+                            <a:cs typeface="Arial" panose="020B0604020202020204" pitchFamily="34" charset="0"/>
+                          </a:rPr>
+                        </m:ctrlPr>
+                      </m:fPr>
+                      <m:num>
+                        <m:r>
+                          <a:rPr lang="pt-PT" sz="1050" b="0" i="1" smtClean="0">
+                            <a:latin typeface="Cambria Math" panose="02040503050406030204" pitchFamily="18" charset="0"/>
+                            <a:cs typeface="Arial" panose="020B0604020202020204" pitchFamily="34" charset="0"/>
+                          </a:rPr>
+                          <m:t>𝐾</m:t>
+                        </m:r>
+                      </m:num>
+                      <m:den>
+                        <m:sSub>
+                          <m:sSubPr>
+                            <m:ctrlPr>
+                              <a:rPr lang="pt-PT" sz="1050" b="0" i="1" smtClean="0">
+                                <a:latin typeface="Cambria Math" panose="02040503050406030204" pitchFamily="18" charset="0"/>
+                                <a:cs typeface="Arial" panose="020B0604020202020204" pitchFamily="34" charset="0"/>
+                              </a:rPr>
+                            </m:ctrlPr>
+                          </m:sSubPr>
+                          <m:e>
+                            <m:r>
+                              <a:rPr lang="pt-PT" sz="1050" b="0" i="1" smtClean="0">
+                                <a:latin typeface="Cambria Math" panose="02040503050406030204" pitchFamily="18" charset="0"/>
+                                <a:cs typeface="Arial" panose="020B0604020202020204" pitchFamily="34" charset="0"/>
+                              </a:rPr>
+                              <m:t>𝑓</m:t>
+                            </m:r>
+                          </m:e>
+                          <m:sub>
+                            <m:r>
+                              <a:rPr lang="pt-PT" sz="1050" b="0" i="1" smtClean="0">
+                                <a:latin typeface="Cambria Math" panose="02040503050406030204" pitchFamily="18" charset="0"/>
+                                <a:cs typeface="Arial" panose="020B0604020202020204" pitchFamily="34" charset="0"/>
+                              </a:rPr>
+                              <m:t>0</m:t>
+                            </m:r>
+                          </m:sub>
+                        </m:sSub>
+                      </m:den>
+                    </m:f>
+                  </m:oMath>
+                </a14:m>
+                <a:r>
+                  <a:rPr lang="pt-PT" sz="1050" dirty="0" smtClean="0">
+                    <a:latin typeface="Arial" panose="020B0604020202020204" pitchFamily="34" charset="0"/>
+                    <a:cs typeface="Arial" panose="020B0604020202020204" pitchFamily="34" charset="0"/>
+                  </a:rPr>
+                  <a:t>)</a:t>
+                </a:r>
+                <a:endParaRPr lang="pt-PT" sz="1050" dirty="0">
+                  <a:latin typeface="Arial" panose="020B0604020202020204" pitchFamily="34" charset="0"/>
+                  <a:cs typeface="Arial" panose="020B0604020202020204" pitchFamily="34" charset="0"/>
+                </a:endParaRPr>
+              </a:p>
+            </p:txBody>
+          </p:sp>
+        </mc:Choice>
+        <mc:Fallback xmlns="">
+          <p:sp>
+            <p:nvSpPr>
+              <p:cNvPr id="12" name="TextBox 11"/>
+              <p:cNvSpPr txBox="1">
+                <a:spLocks noRot="1" noChangeAspect="1" noMove="1" noResize="1" noEditPoints="1" noAdjustHandles="1" noChangeArrowheads="1" noChangeShapeType="1" noTextEdit="1"/>
+              </p:cNvSpPr>
+              <p:nvPr/>
+            </p:nvSpPr>
+            <p:spPr>
+              <a:xfrm>
+                <a:off x="3136459" y="5954076"/>
+                <a:ext cx="1480798" cy="341825"/>
+              </a:xfrm>
+              <a:prstGeom prst="rect">
+                <a:avLst/>
+              </a:prstGeom>
+              <a:blipFill>
+                <a:blip r:embed="rId4"/>
+                <a:stretch>
+                  <a:fillRect/>
+                </a:stretch>
+              </a:blipFill>
+            </p:spPr>
+            <p:txBody>
+              <a:bodyPr/>
+              <a:lstStyle/>
+              <a:p>
+                <a:r>
+                  <a:rPr lang="pt-PT">
+                    <a:noFill/>
+                  </a:rPr>
+                  <a:t> </a:t>
+                </a:r>
+              </a:p>
+            </p:txBody>
+          </p:sp>
+        </mc:Fallback>
+      </mc:AlternateContent>
+      <mc:AlternateContent xmlns:mc="http://schemas.openxmlformats.org/markup-compatibility/2006" xmlns:a14="http://schemas.microsoft.com/office/drawing/2010/main">
+        <mc:Choice Requires="a14">
+          <p:sp>
+            <p:nvSpPr>
+              <p:cNvPr id="13" name="TextBox 12"/>
+              <p:cNvSpPr txBox="1"/>
+              <p:nvPr/>
+            </p:nvSpPr>
+            <p:spPr>
+              <a:xfrm rot="16200000">
+                <a:off x="-141953" y="3305764"/>
+                <a:ext cx="1480798" cy="253916"/>
+              </a:xfrm>
+              <a:prstGeom prst="rect">
+                <a:avLst/>
+              </a:prstGeom>
+              <a:noFill/>
+            </p:spPr>
+            <p:txBody>
+              <a:bodyPr wrap="square" rtlCol="0">
+                <a:spAutoFit/>
+              </a:bodyPr>
+              <a:lstStyle/>
+              <a:p>
+                <a:r>
+                  <a:rPr lang="pt-PT" sz="1050" dirty="0" smtClean="0">
+                    <a:latin typeface="Arial" panose="020B0604020202020204" pitchFamily="34" charset="0"/>
+                    <a:cs typeface="Arial" panose="020B0604020202020204" pitchFamily="34" charset="0"/>
+                  </a:rPr>
+                  <a:t>Volatility (</a:t>
+                </a:r>
+                <a14:m>
+                  <m:oMath xmlns:m="http://schemas.openxmlformats.org/officeDocument/2006/math">
+                    <m:r>
+                      <a:rPr lang="pt-PT" sz="1050" b="0" i="1" smtClean="0">
+                        <a:latin typeface="Cambria Math" panose="02040503050406030204" pitchFamily="18" charset="0"/>
+                        <a:cs typeface="Arial" panose="020B0604020202020204" pitchFamily="34" charset="0"/>
+                      </a:rPr>
+                      <m:t>𝜎</m:t>
+                    </m:r>
+                  </m:oMath>
+                </a14:m>
+                <a:r>
+                  <a:rPr lang="pt-PT" sz="1050" dirty="0" smtClean="0">
+                    <a:latin typeface="Arial" panose="020B0604020202020204" pitchFamily="34" charset="0"/>
+                    <a:cs typeface="Arial" panose="020B0604020202020204" pitchFamily="34" charset="0"/>
+                  </a:rPr>
+                  <a:t>)</a:t>
+                </a:r>
+                <a:endParaRPr lang="pt-PT" sz="1050" dirty="0">
+                  <a:latin typeface="Arial" panose="020B0604020202020204" pitchFamily="34" charset="0"/>
+                  <a:cs typeface="Arial" panose="020B0604020202020204" pitchFamily="34" charset="0"/>
+                </a:endParaRPr>
+              </a:p>
+            </p:txBody>
+          </p:sp>
+        </mc:Choice>
+        <mc:Fallback xmlns="">
+          <p:sp>
+            <p:nvSpPr>
+              <p:cNvPr id="13" name="TextBox 12"/>
+              <p:cNvSpPr txBox="1">
+                <a:spLocks noRot="1" noChangeAspect="1" noMove="1" noResize="1" noEditPoints="1" noAdjustHandles="1" noChangeArrowheads="1" noChangeShapeType="1" noTextEdit="1"/>
+              </p:cNvSpPr>
+              <p:nvPr/>
+            </p:nvSpPr>
+            <p:spPr>
+              <a:xfrm rot="16200000">
+                <a:off x="-141953" y="3305764"/>
+                <a:ext cx="1480798" cy="253916"/>
+              </a:xfrm>
+              <a:prstGeom prst="rect">
+                <a:avLst/>
+              </a:prstGeom>
+              <a:blipFill>
+                <a:blip r:embed="rId5"/>
+                <a:stretch>
+                  <a:fillRect r="-11905"/>
+                </a:stretch>
+              </a:blipFill>
+            </p:spPr>
+            <p:txBody>
+              <a:bodyPr/>
+              <a:lstStyle/>
+              <a:p>
+                <a:r>
+                  <a:rPr lang="pt-PT">
+                    <a:noFill/>
+                  </a:rPr>
+                  <a:t> </a:t>
+                </a:r>
+              </a:p>
+            </p:txBody>
+          </p:sp>
+        </mc:Fallback>
+      </mc:AlternateContent>
+      <p:sp>
+        <p:nvSpPr>
+          <p:cNvPr id="14" name="Isosceles Triangle 13"/>
+          <p:cNvSpPr/>
+          <p:nvPr/>
+        </p:nvSpPr>
+        <p:spPr>
+          <a:xfrm>
+            <a:off x="4617257" y="2498271"/>
+            <a:ext cx="115250" cy="99354"/>
+          </a:xfrm>
+          <a:prstGeom prst="triangle">
+            <a:avLst/>
+          </a:prstGeom>
+          <a:solidFill>
+            <a:srgbClr val="0000FF"/>
+          </a:solidFill>
+          <a:ln>
+            <a:noFill/>
+          </a:ln>
+        </p:spPr>
+        <p:style>
+          <a:lnRef idx="2">
+            <a:schemeClr val="accent1">
+              <a:shade val="50000"/>
+            </a:schemeClr>
+          </a:lnRef>
+          <a:fillRef idx="1">
+            <a:schemeClr val="accent1"/>
+          </a:fillRef>
+          <a:effectRef idx="0">
+            <a:schemeClr val="accent1"/>
+          </a:effectRef>
+          <a:fontRef idx="minor">
+            <a:schemeClr val="lt1"/>
+          </a:fontRef>
+        </p:style>
+        <p:txBody>
+          <a:bodyPr rtlCol="0" anchor="ctr"/>
+          <a:lstStyle/>
+          <a:p>
+            <a:pPr algn="ctr"/>
+            <a:endParaRPr lang="pt-PT"/>
+          </a:p>
+        </p:txBody>
+      </p:sp>
+      <p:cxnSp>
+        <p:nvCxnSpPr>
+          <p:cNvPr id="4" name="Straight Connector 3"/>
+          <p:cNvCxnSpPr/>
+          <p:nvPr/>
+        </p:nvCxnSpPr>
+        <p:spPr>
+          <a:xfrm>
+            <a:off x="4617257" y="5082746"/>
+            <a:ext cx="0" cy="871330"/>
+          </a:xfrm>
+          <a:prstGeom prst="line">
+            <a:avLst/>
+          </a:prstGeom>
+        </p:spPr>
+        <p:style>
+          <a:lnRef idx="1">
+            <a:schemeClr val="accent5"/>
+          </a:lnRef>
+          <a:fillRef idx="0">
+            <a:schemeClr val="accent5"/>
+          </a:fillRef>
+          <a:effectRef idx="0">
+            <a:schemeClr val="accent5"/>
+          </a:effectRef>
+          <a:fontRef idx="minor">
+            <a:schemeClr val="tx1"/>
+          </a:fontRef>
+        </p:style>
+      </p:cxnSp>
+      <p:cxnSp>
+        <p:nvCxnSpPr>
+          <p:cNvPr id="7" name="Straight Connector 6"/>
+          <p:cNvCxnSpPr/>
+          <p:nvPr/>
+        </p:nvCxnSpPr>
+        <p:spPr>
+          <a:xfrm>
+            <a:off x="4110681" y="5239265"/>
+            <a:ext cx="939114" cy="90616"/>
+          </a:xfrm>
+          <a:prstGeom prst="line">
+            <a:avLst/>
+          </a:prstGeom>
+        </p:spPr>
+        <p:style>
+          <a:lnRef idx="1">
+            <a:schemeClr val="accent5"/>
+          </a:lnRef>
+          <a:fillRef idx="0">
+            <a:schemeClr val="accent5"/>
+          </a:fillRef>
+          <a:effectRef idx="0">
+            <a:schemeClr val="accent5"/>
+          </a:effectRef>
+          <a:fontRef idx="minor">
+            <a:schemeClr val="tx1"/>
+          </a:fontRef>
+        </p:style>
+      </p:cxnSp>
+    </p:spTree>
+    <p:extLst>
+      <p:ext uri="{BB962C8B-B14F-4D97-AF65-F5344CB8AC3E}">
+        <p14:creationId xmlns:p14="http://schemas.microsoft.com/office/powerpoint/2010/main" val="852554054"/>
+      </p:ext>
+    </p:extLst>
+  </p:cSld>
+  <p:clrMapOvr>
+    <a:masterClrMapping/>
+  </p:clrMapOvr>
+</p:sld>
+</file>
+
+<file path=ppt/slides/slide7.xml><?xml version="1.0" encoding="utf-8"?>
+<p:sld xmlns:a="http://schemas.openxmlformats.org/drawingml/2006/main" xmlns:r="http://schemas.openxmlformats.org/officeDocument/2006/relationships" xmlns:p="http://schemas.openxmlformats.org/presentationml/2006/main">
+  <p:cSld>
+    <p:spTree>
+      <p:nvGrpSpPr>
+        <p:cNvPr id="1" name=""/>
+        <p:cNvGrpSpPr/>
+        <p:nvPr/>
+      </p:nvGrpSpPr>
+      <p:grpSpPr>
+        <a:xfrm>
+          <a:off x="0" y="0"/>
+          <a:ext cx="0" cy="0"/>
+          <a:chOff x="0" y="0"/>
+          <a:chExt cx="0" cy="0"/>
+        </a:xfrm>
+      </p:grpSpPr>
+      <p:pic>
+        <p:nvPicPr>
+          <p:cNvPr id="7" name="Content Placeholder 6"/>
+          <p:cNvPicPr>
+            <a:picLocks noGrp="1" noChangeAspect="1"/>
+          </p:cNvPicPr>
+          <p:nvPr>
+            <p:ph idx="1"/>
+          </p:nvPr>
+        </p:nvPicPr>
+        <p:blipFill>
+          <a:blip r:embed="rId2">
+            <a:extLst>
+              <a:ext uri="{28A0092B-C50C-407E-A947-70E740481C1C}">
+                <a14:useLocalDpi xmlns:a14="http://schemas.microsoft.com/office/drawing/2010/main" val="0"/>
+              </a:ext>
+            </a:extLst>
+          </a:blip>
+          <a:stretch>
+            <a:fillRect/>
+          </a:stretch>
+        </p:blipFill>
+        <p:spPr>
+          <a:xfrm>
+            <a:off x="471488" y="1257724"/>
+            <a:ext cx="6584628" cy="4938471"/>
+          </a:xfrm>
+        </p:spPr>
+      </p:pic>
+      <p:sp>
+        <p:nvSpPr>
+          <p:cNvPr id="6" name="Title 6"/>
+          <p:cNvSpPr>
+            <a:spLocks noGrp="1"/>
+          </p:cNvSpPr>
+          <p:nvPr>
+            <p:ph type="title"/>
+          </p:nvPr>
+        </p:nvSpPr>
+        <p:spPr>
+          <a:xfrm>
+            <a:off x="471488" y="477838"/>
+            <a:ext cx="8596312" cy="1320800"/>
+          </a:xfrm>
+        </p:spPr>
+        <p:txBody>
+          <a:bodyPr/>
+          <a:lstStyle/>
+          <a:p>
+            <a:r>
+              <a:rPr lang="pt-PT" dirty="0"/>
+              <a:t>Levenberg Marquat Algorithm</a:t>
+            </a:r>
+          </a:p>
+        </p:txBody>
+      </p:sp>
+      <mc:AlternateContent xmlns:mc="http://schemas.openxmlformats.org/markup-compatibility/2006" xmlns:a14="http://schemas.microsoft.com/office/drawing/2010/main">
+        <mc:Choice Requires="a14">
+          <p:graphicFrame>
+            <p:nvGraphicFramePr>
+              <p:cNvPr id="8" name="Table 7"/>
+              <p:cNvGraphicFramePr>
+                <a:graphicFrameLocks noGrp="1"/>
+              </p:cNvGraphicFramePr>
+              <p:nvPr>
+                <p:extLst>
+                  <p:ext uri="{D42A27DB-BD31-4B8C-83A1-F6EECF244321}">
+                    <p14:modId xmlns:p14="http://schemas.microsoft.com/office/powerpoint/2010/main" val="710171250"/>
+                  </p:ext>
+                </p:extLst>
+              </p:nvPr>
+            </p:nvGraphicFramePr>
+            <p:xfrm>
+              <a:off x="7247646" y="1798638"/>
+              <a:ext cx="2011684" cy="3937860"/>
+            </p:xfrm>
+            <a:graphic>
+              <a:graphicData uri="http://schemas.openxmlformats.org/drawingml/2006/table">
+                <a:tbl>
+                  <a:tblPr firstRow="1" bandRow="1">
+                    <a:tableStyleId>{69012ECD-51FC-41F1-AA8D-1B2483CD663E}</a:tableStyleId>
+                  </a:tblPr>
+                  <a:tblGrid>
+                    <a:gridCol w="1339024">
+                      <a:extLst>
+                        <a:ext uri="{9D8B030D-6E8A-4147-A177-3AD203B41FA5}">
+                          <a16:colId xmlns:a16="http://schemas.microsoft.com/office/drawing/2014/main" val="4154438829"/>
+                        </a:ext>
+                      </a:extLst>
+                    </a:gridCol>
+                    <a:gridCol w="672660">
+                      <a:extLst>
+                        <a:ext uri="{9D8B030D-6E8A-4147-A177-3AD203B41FA5}">
+                          <a16:colId xmlns:a16="http://schemas.microsoft.com/office/drawing/2014/main" val="3224097022"/>
+                        </a:ext>
+                      </a:extLst>
+                    </a:gridCol>
+                  </a:tblGrid>
+                  <a:tr h="484430">
+                    <a:tc>
+                      <a:txBody>
+                        <a:bodyPr/>
+                        <a:lstStyle/>
+                        <a:p>
+                          <a:pPr algn="ctr"/>
+                          <a:r>
+                            <a:rPr lang="pt-PT" sz="1600" dirty="0" smtClean="0"/>
+                            <a:t>Parameter</a:t>
+                          </a:r>
+                          <a:endParaRPr lang="pt-PT" sz="1600" dirty="0"/>
+                        </a:p>
+                      </a:txBody>
+                      <a:tcPr anchor="ctr"/>
+                    </a:tc>
+                    <a:tc>
+                      <a:txBody>
+                        <a:bodyPr/>
+                        <a:lstStyle/>
+                        <a:p>
+                          <a:pPr algn="ctr"/>
+                          <a:r>
+                            <a:rPr lang="pt-PT" sz="1600" dirty="0" smtClean="0"/>
+                            <a:t>Gen.</a:t>
+                          </a:r>
+                          <a:endParaRPr lang="pt-PT" sz="1600" dirty="0"/>
+                        </a:p>
+                      </a:txBody>
+                      <a:tcPr anchor="ctr"/>
+                    </a:tc>
+                    <a:extLst>
+                      <a:ext uri="{0D108BD9-81ED-4DB2-BD59-A6C34878D82A}">
+                        <a16:rowId xmlns:a16="http://schemas.microsoft.com/office/drawing/2014/main" val="3903182838"/>
+                      </a:ext>
+                    </a:extLst>
+                  </a:tr>
+                  <a:tr h="690686">
+                    <a:tc>
+                      <a:txBody>
+                        <a:bodyPr/>
+                        <a:lstStyle/>
+                        <a:p>
+                          <a:pPr algn="ctr"/>
+                          <a14:m>
+                            <m:oMathPara xmlns:m="http://schemas.openxmlformats.org/officeDocument/2006/math">
+                              <m:oMathParaPr>
+                                <m:jc m:val="centerGroup"/>
+                              </m:oMathParaPr>
+                              <m:oMath xmlns:m="http://schemas.openxmlformats.org/officeDocument/2006/math">
+                                <m:r>
+                                  <m:rPr>
+                                    <m:sty m:val="p"/>
+                                  </m:rPr>
+                                  <a:rPr lang="pt-PT" sz="1600" b="0" i="1" smtClean="0">
+                                    <a:latin typeface="Cambria Math" panose="02040503050406030204" pitchFamily="18" charset="0"/>
+                                  </a:rPr>
+                                  <m:t>α</m:t>
+                                </m:r>
+                              </m:oMath>
+                            </m:oMathPara>
+                          </a14:m>
+                          <a:endParaRPr lang="pt-PT" sz="1600" b="0" dirty="0" smtClean="0"/>
+                        </a:p>
+                        <a:p>
+                          <a:pPr algn="ctr"/>
+                          <a:endParaRPr lang="pt-PT" sz="1600" dirty="0"/>
+                        </a:p>
+                      </a:txBody>
+                      <a:tcPr anchor="ctr"/>
+                    </a:tc>
+                    <a:tc>
+                      <a:txBody>
+                        <a:bodyPr/>
+                        <a:lstStyle/>
+                        <a:p>
+                          <a:pPr algn="ctr"/>
+                          <a:r>
+                            <a:rPr lang="pt-PT" sz="1600" dirty="0" smtClean="0"/>
+                            <a:t>0.05</a:t>
+                          </a:r>
+                          <a:endParaRPr lang="pt-PT" sz="1600" dirty="0"/>
+                        </a:p>
+                      </a:txBody>
+                      <a:tcPr anchor="ctr"/>
+                    </a:tc>
+                    <a:extLst>
+                      <a:ext uri="{0D108BD9-81ED-4DB2-BD59-A6C34878D82A}">
+                        <a16:rowId xmlns:a16="http://schemas.microsoft.com/office/drawing/2014/main" val="4034706123"/>
+                      </a:ext>
+                    </a:extLst>
+                  </a:tr>
+                  <a:tr h="690686">
+                    <a:tc>
+                      <a:txBody>
+                        <a:bodyPr/>
+                        <a:lstStyle/>
+                        <a:p>
+                          <a:pPr marL="0" marR="0" indent="0" algn="ctr" defTabSz="457200" rtl="0" eaLnBrk="1" fontAlgn="auto" latinLnBrk="0" hangingPunct="1">
+                            <a:lnSpc>
+                              <a:spcPct val="100000"/>
+                            </a:lnSpc>
+                            <a:spcBef>
+                              <a:spcPts val="0"/>
+                            </a:spcBef>
+                            <a:spcAft>
+                              <a:spcPts val="0"/>
+                            </a:spcAft>
+                            <a:buClrTx/>
+                            <a:buSzTx/>
+                            <a:buFontTx/>
+                            <a:buNone/>
+                            <a:tabLst/>
+                            <a:defRPr/>
+                          </a:pPr>
+                          <a14:m>
+                            <m:oMathPara xmlns:m="http://schemas.openxmlformats.org/officeDocument/2006/math">
+                              <m:oMathParaPr>
+                                <m:jc m:val="centerGroup"/>
+                              </m:oMathParaPr>
+                              <m:oMath xmlns:m="http://schemas.openxmlformats.org/officeDocument/2006/math">
+                                <m:r>
+                                  <a:rPr lang="pt-PT" sz="1600" b="0" i="1" smtClean="0">
+                                    <a:latin typeface="Cambria Math" panose="02040503050406030204" pitchFamily="18" charset="0"/>
+                                  </a:rPr>
+                                  <m:t>𝛽</m:t>
+                                </m:r>
+                              </m:oMath>
+                            </m:oMathPara>
+                          </a14:m>
+                          <a:endParaRPr lang="pt-PT" sz="1600" b="0" dirty="0" smtClean="0"/>
+                        </a:p>
+                        <a:p>
+                          <a:pPr algn="ctr"/>
+                          <a:endParaRPr lang="pt-PT" sz="1600" dirty="0"/>
+                        </a:p>
+                      </a:txBody>
+                      <a:tcPr anchor="ctr"/>
+                    </a:tc>
+                    <a:tc>
+                      <a:txBody>
+                        <a:bodyPr/>
+                        <a:lstStyle/>
+                        <a:p>
+                          <a:pPr algn="ctr"/>
+                          <a:r>
+                            <a:rPr lang="pt-PT" sz="1600" dirty="0" smtClean="0"/>
+                            <a:t>1</a:t>
+                          </a:r>
+                          <a:endParaRPr lang="pt-PT" sz="1600" dirty="0"/>
+                        </a:p>
+                      </a:txBody>
+                      <a:tcPr anchor="ctr"/>
+                    </a:tc>
+                    <a:extLst>
+                      <a:ext uri="{0D108BD9-81ED-4DB2-BD59-A6C34878D82A}">
+                        <a16:rowId xmlns:a16="http://schemas.microsoft.com/office/drawing/2014/main" val="1470569853"/>
+                      </a:ext>
+                    </a:extLst>
+                  </a:tr>
+                  <a:tr h="690686">
+                    <a:tc>
+                      <a:txBody>
+                        <a:bodyPr/>
+                        <a:lstStyle/>
+                        <a:p>
+                          <a:pPr marL="0" marR="0" indent="0" algn="ctr" defTabSz="457200" rtl="0" eaLnBrk="1" fontAlgn="auto" latinLnBrk="0" hangingPunct="1">
+                            <a:lnSpc>
+                              <a:spcPct val="100000"/>
+                            </a:lnSpc>
+                            <a:spcBef>
+                              <a:spcPts val="0"/>
+                            </a:spcBef>
+                            <a:spcAft>
+                              <a:spcPts val="0"/>
+                            </a:spcAft>
+                            <a:buClrTx/>
+                            <a:buSzTx/>
+                            <a:buFontTx/>
+                            <a:buNone/>
+                            <a:tabLst/>
+                            <a:defRPr/>
+                          </a:pPr>
+                          <a14:m>
+                            <m:oMathPara xmlns:m="http://schemas.openxmlformats.org/officeDocument/2006/math">
+                              <m:oMathParaPr>
+                                <m:jc m:val="centerGroup"/>
+                              </m:oMathParaPr>
+                              <m:oMath xmlns:m="http://schemas.openxmlformats.org/officeDocument/2006/math">
+                                <m:r>
+                                  <a:rPr lang="pt-PT" sz="1600" b="0" i="1" smtClean="0">
+                                    <a:latin typeface="Cambria Math" panose="02040503050406030204" pitchFamily="18" charset="0"/>
+                                  </a:rPr>
+                                  <m:t>𝜌</m:t>
+                                </m:r>
+                              </m:oMath>
+                            </m:oMathPara>
+                          </a14:m>
+                          <a:endParaRPr lang="pt-PT" sz="1600" b="0" dirty="0" smtClean="0"/>
+                        </a:p>
+                        <a:p>
+                          <a:pPr algn="ctr"/>
+                          <a:endParaRPr lang="pt-PT" sz="1600" dirty="0"/>
+                        </a:p>
+                      </a:txBody>
+                      <a:tcPr anchor="ctr"/>
+                    </a:tc>
+                    <a:tc>
+                      <a:txBody>
+                        <a:bodyPr/>
+                        <a:lstStyle/>
+                        <a:p>
+                          <a:pPr algn="ctr"/>
+                          <a:r>
+                            <a:rPr lang="pt-PT" sz="1600" dirty="0" smtClean="0"/>
+                            <a:t>-0.33</a:t>
+                          </a:r>
+                          <a:endParaRPr lang="pt-PT" sz="1600" dirty="0"/>
+                        </a:p>
+                      </a:txBody>
+                      <a:tcPr anchor="ctr"/>
+                    </a:tc>
+                    <a:extLst>
+                      <a:ext uri="{0D108BD9-81ED-4DB2-BD59-A6C34878D82A}">
+                        <a16:rowId xmlns:a16="http://schemas.microsoft.com/office/drawing/2014/main" val="1788996123"/>
+                      </a:ext>
+                    </a:extLst>
+                  </a:tr>
+                  <a:tr h="690686">
+                    <a:tc>
+                      <a:txBody>
+                        <a:bodyPr/>
+                        <a:lstStyle/>
+                        <a:p>
+                          <a:pPr marL="0" marR="0" indent="0" algn="ctr" defTabSz="457200" rtl="0" eaLnBrk="1" fontAlgn="auto" latinLnBrk="0" hangingPunct="1">
+                            <a:lnSpc>
+                              <a:spcPct val="100000"/>
+                            </a:lnSpc>
+                            <a:spcBef>
+                              <a:spcPts val="0"/>
+                            </a:spcBef>
+                            <a:spcAft>
+                              <a:spcPts val="0"/>
+                            </a:spcAft>
+                            <a:buClrTx/>
+                            <a:buSzTx/>
+                            <a:buFontTx/>
+                            <a:buNone/>
+                            <a:tabLst/>
+                            <a:defRPr/>
+                          </a:pPr>
+                          <a14:m>
+                            <m:oMathPara xmlns:m="http://schemas.openxmlformats.org/officeDocument/2006/math">
+                              <m:oMathParaPr>
+                                <m:jc m:val="centerGroup"/>
+                              </m:oMathParaPr>
+                              <m:oMath xmlns:m="http://schemas.openxmlformats.org/officeDocument/2006/math">
+                                <m:r>
+                                  <a:rPr lang="pt-PT" sz="1600" b="0" i="1" smtClean="0">
+                                    <a:latin typeface="Cambria Math" panose="02040503050406030204" pitchFamily="18" charset="0"/>
+                                  </a:rPr>
+                                  <m:t>𝜈</m:t>
+                                </m:r>
+                              </m:oMath>
+                            </m:oMathPara>
+                          </a14:m>
+                          <a:endParaRPr lang="pt-PT" sz="1600" b="0" dirty="0" smtClean="0"/>
+                        </a:p>
+                        <a:p>
+                          <a:pPr algn="ctr"/>
+                          <a:endParaRPr lang="pt-PT" sz="1600" dirty="0"/>
+                        </a:p>
+                      </a:txBody>
+                      <a:tcPr anchor="ctr"/>
+                    </a:tc>
+                    <a:tc>
+                      <a:txBody>
+                        <a:bodyPr/>
+                        <a:lstStyle/>
+                        <a:p>
+                          <a:pPr algn="ctr"/>
+                          <a:r>
+                            <a:rPr lang="pt-PT" sz="1600" dirty="0" smtClean="0"/>
+                            <a:t>0.25</a:t>
+                          </a:r>
+                          <a:endParaRPr lang="pt-PT" sz="1600" dirty="0"/>
+                        </a:p>
+                      </a:txBody>
+                      <a:tcPr anchor="ctr"/>
+                    </a:tc>
+                    <a:extLst>
+                      <a:ext uri="{0D108BD9-81ED-4DB2-BD59-A6C34878D82A}">
+                        <a16:rowId xmlns:a16="http://schemas.microsoft.com/office/drawing/2014/main" val="400963944"/>
+                      </a:ext>
+                    </a:extLst>
+                  </a:tr>
+                  <a:tr h="690686">
+                    <a:tc>
+                      <a:txBody>
+                        <a:bodyPr/>
+                        <a:lstStyle/>
+                        <a:p>
+                          <a:pPr algn="ctr"/>
+                          <a:r>
+                            <a:rPr lang="pt-PT" sz="1600" dirty="0" smtClean="0"/>
+                            <a:t>T</a:t>
+                          </a:r>
+                          <a:endParaRPr lang="pt-PT" sz="1600" dirty="0"/>
+                        </a:p>
+                      </a:txBody>
+                      <a:tcPr anchor="ctr"/>
+                    </a:tc>
+                    <a:tc>
+                      <a:txBody>
+                        <a:bodyPr/>
+                        <a:lstStyle/>
+                        <a:p>
+                          <a:pPr algn="ctr"/>
+                          <a:r>
+                            <a:rPr lang="pt-PT" sz="1600" dirty="0" smtClean="0"/>
+                            <a:t>15</a:t>
+                          </a:r>
+                          <a:endParaRPr lang="pt-PT" sz="1600" dirty="0"/>
+                        </a:p>
+                      </a:txBody>
+                      <a:tcPr anchor="ctr"/>
+                    </a:tc>
+                    <a:extLst>
+                      <a:ext uri="{0D108BD9-81ED-4DB2-BD59-A6C34878D82A}">
+                        <a16:rowId xmlns:a16="http://schemas.microsoft.com/office/drawing/2014/main" val="1624269119"/>
+                      </a:ext>
+                    </a:extLst>
+                  </a:tr>
+                </a:tbl>
+              </a:graphicData>
+            </a:graphic>
+          </p:graphicFrame>
+        </mc:Choice>
+        <mc:Fallback xmlns="">
+          <p:graphicFrame>
+            <p:nvGraphicFramePr>
+              <p:cNvPr id="8" name="Table 7"/>
+              <p:cNvGraphicFramePr>
+                <a:graphicFrameLocks noGrp="1"/>
+              </p:cNvGraphicFramePr>
+              <p:nvPr>
+                <p:extLst>
+                  <p:ext uri="{D42A27DB-BD31-4B8C-83A1-F6EECF244321}">
+                    <p14:modId xmlns:p14="http://schemas.microsoft.com/office/powerpoint/2010/main" val="710171250"/>
+                  </p:ext>
+                </p:extLst>
+              </p:nvPr>
+            </p:nvGraphicFramePr>
+            <p:xfrm>
+              <a:off x="7247646" y="1798638"/>
+              <a:ext cx="2011684" cy="3937860"/>
+            </p:xfrm>
+            <a:graphic>
+              <a:graphicData uri="http://schemas.openxmlformats.org/drawingml/2006/table">
+                <a:tbl>
+                  <a:tblPr firstRow="1" bandRow="1">
+                    <a:tableStyleId>{69012ECD-51FC-41F1-AA8D-1B2483CD663E}</a:tableStyleId>
+                  </a:tblPr>
+                  <a:tblGrid>
+                    <a:gridCol w="1339024">
+                      <a:extLst>
+                        <a:ext uri="{9D8B030D-6E8A-4147-A177-3AD203B41FA5}">
+                          <a16:colId xmlns:a16="http://schemas.microsoft.com/office/drawing/2014/main" val="4154438829"/>
+                        </a:ext>
+                      </a:extLst>
+                    </a:gridCol>
+                    <a:gridCol w="672660">
+                      <a:extLst>
+                        <a:ext uri="{9D8B030D-6E8A-4147-A177-3AD203B41FA5}">
+                          <a16:colId xmlns:a16="http://schemas.microsoft.com/office/drawing/2014/main" val="3224097022"/>
+                        </a:ext>
+                      </a:extLst>
+                    </a:gridCol>
+                  </a:tblGrid>
+                  <a:tr h="484430">
+                    <a:tc>
+                      <a:txBody>
+                        <a:bodyPr/>
+                        <a:lstStyle/>
+                        <a:p>
+                          <a:pPr algn="ctr"/>
+                          <a:r>
+                            <a:rPr lang="pt-PT" sz="1600" dirty="0" smtClean="0"/>
+                            <a:t>Parameter</a:t>
+                          </a:r>
+                          <a:endParaRPr lang="pt-PT" sz="1600" dirty="0"/>
+                        </a:p>
+                      </a:txBody>
+                      <a:tcPr anchor="ctr"/>
+                    </a:tc>
+                    <a:tc>
+                      <a:txBody>
+                        <a:bodyPr/>
+                        <a:lstStyle/>
+                        <a:p>
+                          <a:pPr algn="ctr"/>
+                          <a:r>
+                            <a:rPr lang="pt-PT" sz="1600" dirty="0" smtClean="0"/>
+                            <a:t>Gen.</a:t>
+                          </a:r>
+                          <a:endParaRPr lang="pt-PT" sz="1600" dirty="0"/>
+                        </a:p>
+                      </a:txBody>
+                      <a:tcPr anchor="ctr"/>
+                    </a:tc>
+                    <a:extLst>
+                      <a:ext uri="{0D108BD9-81ED-4DB2-BD59-A6C34878D82A}">
+                        <a16:rowId xmlns:a16="http://schemas.microsoft.com/office/drawing/2014/main" val="3903182838"/>
+                      </a:ext>
+                    </a:extLst>
+                  </a:tr>
+                  <a:tr h="690686">
+                    <a:tc>
+                      <a:txBody>
+                        <a:bodyPr/>
+                        <a:lstStyle/>
+                        <a:p>
+                          <a:endParaRPr lang="pt-PT"/>
+                        </a:p>
+                      </a:txBody>
+                      <a:tcPr anchor="ctr">
+                        <a:blipFill>
+                          <a:blip r:embed="rId3"/>
+                          <a:stretch>
+                            <a:fillRect l="-909" t="-73451" r="-51818" b="-403540"/>
+                          </a:stretch>
+                        </a:blipFill>
+                      </a:tcPr>
+                    </a:tc>
+                    <a:tc>
+                      <a:txBody>
+                        <a:bodyPr/>
+                        <a:lstStyle/>
+                        <a:p>
+                          <a:pPr algn="ctr"/>
+                          <a:r>
+                            <a:rPr lang="pt-PT" sz="1600" dirty="0" smtClean="0"/>
+                            <a:t>0.05</a:t>
+                          </a:r>
+                          <a:endParaRPr lang="pt-PT" sz="1600" dirty="0"/>
+                        </a:p>
+                      </a:txBody>
+                      <a:tcPr anchor="ctr"/>
+                    </a:tc>
+                    <a:extLst>
+                      <a:ext uri="{0D108BD9-81ED-4DB2-BD59-A6C34878D82A}">
+                        <a16:rowId xmlns:a16="http://schemas.microsoft.com/office/drawing/2014/main" val="4034706123"/>
+                      </a:ext>
+                    </a:extLst>
+                  </a:tr>
+                  <a:tr h="690686">
+                    <a:tc>
+                      <a:txBody>
+                        <a:bodyPr/>
+                        <a:lstStyle/>
+                        <a:p>
+                          <a:endParaRPr lang="pt-PT"/>
+                        </a:p>
+                      </a:txBody>
+                      <a:tcPr anchor="ctr">
+                        <a:blipFill>
+                          <a:blip r:embed="rId3"/>
+                          <a:stretch>
+                            <a:fillRect l="-909" t="-171930" r="-51818" b="-300000"/>
+                          </a:stretch>
+                        </a:blipFill>
+                      </a:tcPr>
+                    </a:tc>
+                    <a:tc>
+                      <a:txBody>
+                        <a:bodyPr/>
+                        <a:lstStyle/>
+                        <a:p>
+                          <a:pPr algn="ctr"/>
+                          <a:r>
+                            <a:rPr lang="pt-PT" sz="1600" dirty="0" smtClean="0"/>
+                            <a:t>1</a:t>
+                          </a:r>
+                          <a:endParaRPr lang="pt-PT" sz="1600" dirty="0"/>
+                        </a:p>
+                      </a:txBody>
+                      <a:tcPr anchor="ctr"/>
+                    </a:tc>
+                    <a:extLst>
+                      <a:ext uri="{0D108BD9-81ED-4DB2-BD59-A6C34878D82A}">
+                        <a16:rowId xmlns:a16="http://schemas.microsoft.com/office/drawing/2014/main" val="1470569853"/>
+                      </a:ext>
+                    </a:extLst>
+                  </a:tr>
+                  <a:tr h="690686">
+                    <a:tc>
+                      <a:txBody>
+                        <a:bodyPr/>
+                        <a:lstStyle/>
+                        <a:p>
+                          <a:endParaRPr lang="pt-PT"/>
+                        </a:p>
+                      </a:txBody>
+                      <a:tcPr anchor="ctr">
+                        <a:blipFill>
+                          <a:blip r:embed="rId3"/>
+                          <a:stretch>
+                            <a:fillRect l="-909" t="-274336" r="-51818" b="-202655"/>
+                          </a:stretch>
+                        </a:blipFill>
+                      </a:tcPr>
+                    </a:tc>
+                    <a:tc>
+                      <a:txBody>
+                        <a:bodyPr/>
+                        <a:lstStyle/>
+                        <a:p>
+                          <a:pPr algn="ctr"/>
+                          <a:r>
+                            <a:rPr lang="pt-PT" sz="1600" dirty="0" smtClean="0"/>
+                            <a:t>-</a:t>
+                          </a:r>
+                          <a:r>
+                            <a:rPr lang="pt-PT" sz="1600" dirty="0" smtClean="0"/>
+                            <a:t>0.33</a:t>
+                          </a:r>
+                          <a:endParaRPr lang="pt-PT" sz="1600" dirty="0"/>
+                        </a:p>
+                      </a:txBody>
+                      <a:tcPr anchor="ctr"/>
+                    </a:tc>
+                    <a:extLst>
+                      <a:ext uri="{0D108BD9-81ED-4DB2-BD59-A6C34878D82A}">
+                        <a16:rowId xmlns:a16="http://schemas.microsoft.com/office/drawing/2014/main" val="1788996123"/>
+                      </a:ext>
+                    </a:extLst>
+                  </a:tr>
+                  <a:tr h="690686">
+                    <a:tc>
+                      <a:txBody>
+                        <a:bodyPr/>
+                        <a:lstStyle/>
+                        <a:p>
+                          <a:endParaRPr lang="pt-PT"/>
+                        </a:p>
+                      </a:txBody>
+                      <a:tcPr anchor="ctr">
+                        <a:blipFill>
+                          <a:blip r:embed="rId3"/>
+                          <a:stretch>
+                            <a:fillRect l="-909" t="-371053" r="-51818" b="-100877"/>
+                          </a:stretch>
+                        </a:blipFill>
+                      </a:tcPr>
+                    </a:tc>
+                    <a:tc>
+                      <a:txBody>
+                        <a:bodyPr/>
+                        <a:lstStyle/>
+                        <a:p>
+                          <a:pPr algn="ctr"/>
+                          <a:r>
+                            <a:rPr lang="pt-PT" sz="1600" dirty="0" smtClean="0"/>
+                            <a:t>0.25</a:t>
+                          </a:r>
+                          <a:endParaRPr lang="pt-PT" sz="1600" dirty="0"/>
+                        </a:p>
+                      </a:txBody>
+                      <a:tcPr anchor="ctr"/>
+                    </a:tc>
+                    <a:extLst>
+                      <a:ext uri="{0D108BD9-81ED-4DB2-BD59-A6C34878D82A}">
+                        <a16:rowId xmlns:a16="http://schemas.microsoft.com/office/drawing/2014/main" val="400963944"/>
+                      </a:ext>
+                    </a:extLst>
+                  </a:tr>
+                  <a:tr h="690686">
+                    <a:tc>
+                      <a:txBody>
+                        <a:bodyPr/>
+                        <a:lstStyle/>
+                        <a:p>
+                          <a:pPr algn="ctr"/>
+                          <a:r>
+                            <a:rPr lang="pt-PT" sz="1600" dirty="0" smtClean="0"/>
+                            <a:t>T</a:t>
+                          </a:r>
+                          <a:endParaRPr lang="pt-PT" sz="1600" dirty="0"/>
+                        </a:p>
+                      </a:txBody>
+                      <a:tcPr anchor="ctr"/>
+                    </a:tc>
+                    <a:tc>
+                      <a:txBody>
+                        <a:bodyPr/>
+                        <a:lstStyle/>
+                        <a:p>
+                          <a:pPr algn="ctr"/>
+                          <a:r>
+                            <a:rPr lang="pt-PT" sz="1600" dirty="0" smtClean="0"/>
+                            <a:t>15</a:t>
+                          </a:r>
+                          <a:endParaRPr lang="pt-PT" sz="1600" dirty="0"/>
+                        </a:p>
+                      </a:txBody>
+                      <a:tcPr anchor="ctr"/>
+                    </a:tc>
+                    <a:extLst>
+                      <a:ext uri="{0D108BD9-81ED-4DB2-BD59-A6C34878D82A}">
+                        <a16:rowId xmlns:a16="http://schemas.microsoft.com/office/drawing/2014/main" val="1624269119"/>
+                      </a:ext>
+                    </a:extLst>
+                  </a:tr>
+                </a:tbl>
+              </a:graphicData>
+            </a:graphic>
+          </p:graphicFrame>
+        </mc:Fallback>
+      </mc:AlternateContent>
+      <p:sp>
+        <p:nvSpPr>
+          <p:cNvPr id="15" name="Oval 14"/>
+          <p:cNvSpPr/>
+          <p:nvPr/>
+        </p:nvSpPr>
+        <p:spPr>
+          <a:xfrm>
+            <a:off x="4905582" y="2781442"/>
+            <a:ext cx="83372" cy="83372"/>
+          </a:xfrm>
+          <a:prstGeom prst="ellipse">
+            <a:avLst/>
+          </a:prstGeom>
+          <a:solidFill>
+            <a:srgbClr val="FF0000"/>
+          </a:solidFill>
+          <a:ln>
+            <a:noFill/>
+          </a:ln>
+        </p:spPr>
+        <p:style>
+          <a:lnRef idx="2">
+            <a:schemeClr val="accent1">
+              <a:shade val="50000"/>
+            </a:schemeClr>
+          </a:lnRef>
+          <a:fillRef idx="1">
+            <a:schemeClr val="accent1"/>
+          </a:fillRef>
+          <a:effectRef idx="0">
+            <a:schemeClr val="accent1"/>
+          </a:effectRef>
+          <a:fontRef idx="minor">
+            <a:schemeClr val="lt1"/>
+          </a:fontRef>
+        </p:style>
+        <p:txBody>
+          <a:bodyPr rtlCol="0" anchor="ctr"/>
+          <a:lstStyle/>
+          <a:p>
+            <a:pPr algn="ctr"/>
+            <a:endParaRPr lang="pt-PT"/>
+          </a:p>
+        </p:txBody>
+      </p:sp>
+      <p:sp>
+        <p:nvSpPr>
+          <p:cNvPr id="16" name="TextBox 15"/>
+          <p:cNvSpPr txBox="1"/>
+          <p:nvPr/>
+        </p:nvSpPr>
+        <p:spPr>
+          <a:xfrm>
+            <a:off x="4988954" y="2692323"/>
+            <a:ext cx="1152395" cy="261610"/>
+          </a:xfrm>
+          <a:prstGeom prst="rect">
+            <a:avLst/>
+          </a:prstGeom>
+          <a:noFill/>
+        </p:spPr>
+        <p:txBody>
+          <a:bodyPr wrap="square" rtlCol="0">
+            <a:spAutoFit/>
+          </a:bodyPr>
+          <a:lstStyle/>
+          <a:p>
+            <a:r>
+              <a:rPr lang="pt-PT" sz="1050" dirty="0" smtClean="0">
+                <a:latin typeface="Arial" panose="020B0604020202020204" pitchFamily="34" charset="0"/>
+                <a:cs typeface="Arial" panose="020B0604020202020204" pitchFamily="34" charset="0"/>
+              </a:rPr>
+              <a:t>European call</a:t>
+            </a:r>
+            <a:endParaRPr lang="pt-PT" sz="1050" dirty="0">
+              <a:latin typeface="Arial" panose="020B0604020202020204" pitchFamily="34" charset="0"/>
+              <a:cs typeface="Arial" panose="020B0604020202020204" pitchFamily="34" charset="0"/>
+            </a:endParaRPr>
+          </a:p>
+        </p:txBody>
+      </p:sp>
+      <p:sp>
+        <p:nvSpPr>
+          <p:cNvPr id="17" name="TextBox 16"/>
+          <p:cNvSpPr txBox="1"/>
+          <p:nvPr/>
+        </p:nvSpPr>
+        <p:spPr>
+          <a:xfrm>
+            <a:off x="4988954" y="2928230"/>
+            <a:ext cx="1152395" cy="261610"/>
+          </a:xfrm>
+          <a:prstGeom prst="rect">
+            <a:avLst/>
+          </a:prstGeom>
+          <a:noFill/>
+        </p:spPr>
+        <p:txBody>
+          <a:bodyPr wrap="square" rtlCol="0">
+            <a:spAutoFit/>
+          </a:bodyPr>
+          <a:lstStyle/>
+          <a:p>
+            <a:r>
+              <a:rPr lang="pt-PT" sz="1050" dirty="0" smtClean="0">
+                <a:latin typeface="Arial" panose="020B0604020202020204" pitchFamily="34" charset="0"/>
+                <a:cs typeface="Arial" panose="020B0604020202020204" pitchFamily="34" charset="0"/>
+              </a:rPr>
+              <a:t>European put</a:t>
+            </a:r>
+            <a:endParaRPr lang="pt-PT" sz="1050" dirty="0">
+              <a:latin typeface="Arial" panose="020B0604020202020204" pitchFamily="34" charset="0"/>
+              <a:cs typeface="Arial" panose="020B0604020202020204" pitchFamily="34" charset="0"/>
+            </a:endParaRPr>
+          </a:p>
+        </p:txBody>
+      </p:sp>
+      <mc:AlternateContent xmlns:mc="http://schemas.openxmlformats.org/markup-compatibility/2006" xmlns:a14="http://schemas.microsoft.com/office/drawing/2010/main">
+        <mc:Choice Requires="a14">
+          <p:sp>
+            <p:nvSpPr>
+              <p:cNvPr id="18" name="TextBox 17"/>
+              <p:cNvSpPr txBox="1"/>
+              <p:nvPr/>
+            </p:nvSpPr>
+            <p:spPr>
+              <a:xfrm>
+                <a:off x="3136459" y="5954076"/>
+                <a:ext cx="1480798" cy="341825"/>
+              </a:xfrm>
+              <a:prstGeom prst="rect">
+                <a:avLst/>
+              </a:prstGeom>
+              <a:noFill/>
+            </p:spPr>
+            <p:txBody>
+              <a:bodyPr wrap="square" rtlCol="0">
+                <a:spAutoFit/>
+              </a:bodyPr>
+              <a:lstStyle/>
+              <a:p>
+                <a:r>
+                  <a:rPr lang="pt-PT" sz="1050" dirty="0" smtClean="0">
+                    <a:latin typeface="Arial" panose="020B0604020202020204" pitchFamily="34" charset="0"/>
+                    <a:cs typeface="Arial" panose="020B0604020202020204" pitchFamily="34" charset="0"/>
+                  </a:rPr>
+                  <a:t>Normalized Strike (</a:t>
+                </a:r>
+                <a14:m>
+                  <m:oMath xmlns:m="http://schemas.openxmlformats.org/officeDocument/2006/math">
+                    <m:f>
+                      <m:fPr>
+                        <m:ctrlPr>
+                          <a:rPr lang="pt-PT" sz="1050" b="0" i="1" smtClean="0">
+                            <a:latin typeface="Cambria Math" panose="02040503050406030204" pitchFamily="18" charset="0"/>
+                            <a:cs typeface="Arial" panose="020B0604020202020204" pitchFamily="34" charset="0"/>
+                          </a:rPr>
+                        </m:ctrlPr>
+                      </m:fPr>
+                      <m:num>
+                        <m:r>
+                          <a:rPr lang="pt-PT" sz="1050" b="0" i="1" smtClean="0">
+                            <a:latin typeface="Cambria Math" panose="02040503050406030204" pitchFamily="18" charset="0"/>
+                            <a:cs typeface="Arial" panose="020B0604020202020204" pitchFamily="34" charset="0"/>
+                          </a:rPr>
+                          <m:t>𝐾</m:t>
+                        </m:r>
+                      </m:num>
+                      <m:den>
+                        <m:sSub>
+                          <m:sSubPr>
+                            <m:ctrlPr>
+                              <a:rPr lang="pt-PT" sz="1050" b="0" i="1" smtClean="0">
+                                <a:latin typeface="Cambria Math" panose="02040503050406030204" pitchFamily="18" charset="0"/>
+                                <a:cs typeface="Arial" panose="020B0604020202020204" pitchFamily="34" charset="0"/>
+                              </a:rPr>
+                            </m:ctrlPr>
+                          </m:sSubPr>
+                          <m:e>
+                            <m:r>
+                              <a:rPr lang="pt-PT" sz="1050" b="0" i="1" smtClean="0">
+                                <a:latin typeface="Cambria Math" panose="02040503050406030204" pitchFamily="18" charset="0"/>
+                                <a:cs typeface="Arial" panose="020B0604020202020204" pitchFamily="34" charset="0"/>
+                              </a:rPr>
+                              <m:t>𝑓</m:t>
+                            </m:r>
+                          </m:e>
+                          <m:sub>
+                            <m:r>
+                              <a:rPr lang="pt-PT" sz="1050" b="0" i="1" smtClean="0">
+                                <a:latin typeface="Cambria Math" panose="02040503050406030204" pitchFamily="18" charset="0"/>
+                                <a:cs typeface="Arial" panose="020B0604020202020204" pitchFamily="34" charset="0"/>
+                              </a:rPr>
+                              <m:t>0</m:t>
+                            </m:r>
+                          </m:sub>
+                        </m:sSub>
+                      </m:den>
+                    </m:f>
+                  </m:oMath>
+                </a14:m>
+                <a:r>
+                  <a:rPr lang="pt-PT" sz="1050" dirty="0" smtClean="0">
+                    <a:latin typeface="Arial" panose="020B0604020202020204" pitchFamily="34" charset="0"/>
+                    <a:cs typeface="Arial" panose="020B0604020202020204" pitchFamily="34" charset="0"/>
+                  </a:rPr>
+                  <a:t>)</a:t>
+                </a:r>
+                <a:endParaRPr lang="pt-PT" sz="1050" dirty="0">
+                  <a:latin typeface="Arial" panose="020B0604020202020204" pitchFamily="34" charset="0"/>
+                  <a:cs typeface="Arial" panose="020B0604020202020204" pitchFamily="34" charset="0"/>
+                </a:endParaRPr>
+              </a:p>
+            </p:txBody>
+          </p:sp>
+        </mc:Choice>
+        <mc:Fallback xmlns="">
+          <p:sp>
+            <p:nvSpPr>
+              <p:cNvPr id="18" name="TextBox 17"/>
+              <p:cNvSpPr txBox="1">
+                <a:spLocks noRot="1" noChangeAspect="1" noMove="1" noResize="1" noEditPoints="1" noAdjustHandles="1" noChangeArrowheads="1" noChangeShapeType="1" noTextEdit="1"/>
+              </p:cNvSpPr>
+              <p:nvPr/>
+            </p:nvSpPr>
+            <p:spPr>
+              <a:xfrm>
+                <a:off x="3136459" y="5954076"/>
+                <a:ext cx="1480798" cy="341825"/>
+              </a:xfrm>
+              <a:prstGeom prst="rect">
+                <a:avLst/>
+              </a:prstGeom>
+              <a:blipFill>
+                <a:blip r:embed="rId4"/>
+                <a:stretch>
+                  <a:fillRect/>
+                </a:stretch>
+              </a:blipFill>
+            </p:spPr>
+            <p:txBody>
+              <a:bodyPr/>
+              <a:lstStyle/>
+              <a:p>
+                <a:r>
+                  <a:rPr lang="pt-PT">
+                    <a:noFill/>
+                  </a:rPr>
+                  <a:t> </a:t>
+                </a:r>
+              </a:p>
+            </p:txBody>
+          </p:sp>
+        </mc:Fallback>
+      </mc:AlternateContent>
+      <mc:AlternateContent xmlns:mc="http://schemas.openxmlformats.org/markup-compatibility/2006" xmlns:a14="http://schemas.microsoft.com/office/drawing/2010/main">
+        <mc:Choice Requires="a14">
+          <p:sp>
+            <p:nvSpPr>
+              <p:cNvPr id="19" name="TextBox 18"/>
+              <p:cNvSpPr txBox="1"/>
+              <p:nvPr/>
+            </p:nvSpPr>
+            <p:spPr>
+              <a:xfrm rot="16200000">
+                <a:off x="-141953" y="3305764"/>
+                <a:ext cx="1480798" cy="253916"/>
+              </a:xfrm>
+              <a:prstGeom prst="rect">
+                <a:avLst/>
+              </a:prstGeom>
+              <a:noFill/>
+            </p:spPr>
+            <p:txBody>
+              <a:bodyPr wrap="square" rtlCol="0">
+                <a:spAutoFit/>
+              </a:bodyPr>
+              <a:lstStyle/>
+              <a:p>
+                <a:r>
+                  <a:rPr lang="pt-PT" sz="1050" dirty="0" smtClean="0">
+                    <a:latin typeface="Arial" panose="020B0604020202020204" pitchFamily="34" charset="0"/>
+                    <a:cs typeface="Arial" panose="020B0604020202020204" pitchFamily="34" charset="0"/>
+                  </a:rPr>
+                  <a:t>Volatility (</a:t>
+                </a:r>
+                <a14:m>
+                  <m:oMath xmlns:m="http://schemas.openxmlformats.org/officeDocument/2006/math">
+                    <m:r>
+                      <a:rPr lang="pt-PT" sz="1050" b="0" i="1" smtClean="0">
+                        <a:latin typeface="Cambria Math" panose="02040503050406030204" pitchFamily="18" charset="0"/>
+                        <a:cs typeface="Arial" panose="020B0604020202020204" pitchFamily="34" charset="0"/>
+                      </a:rPr>
+                      <m:t>𝜎</m:t>
+                    </m:r>
+                  </m:oMath>
+                </a14:m>
+                <a:r>
+                  <a:rPr lang="pt-PT" sz="1050" dirty="0" smtClean="0">
+                    <a:latin typeface="Arial" panose="020B0604020202020204" pitchFamily="34" charset="0"/>
+                    <a:cs typeface="Arial" panose="020B0604020202020204" pitchFamily="34" charset="0"/>
+                  </a:rPr>
+                  <a:t>)</a:t>
+                </a:r>
+                <a:endParaRPr lang="pt-PT" sz="1050" dirty="0">
+                  <a:latin typeface="Arial" panose="020B0604020202020204" pitchFamily="34" charset="0"/>
+                  <a:cs typeface="Arial" panose="020B0604020202020204" pitchFamily="34" charset="0"/>
+                </a:endParaRPr>
+              </a:p>
+            </p:txBody>
+          </p:sp>
+        </mc:Choice>
+        <mc:Fallback xmlns="">
+          <p:sp>
+            <p:nvSpPr>
+              <p:cNvPr id="19" name="TextBox 18"/>
+              <p:cNvSpPr txBox="1">
+                <a:spLocks noRot="1" noChangeAspect="1" noMove="1" noResize="1" noEditPoints="1" noAdjustHandles="1" noChangeArrowheads="1" noChangeShapeType="1" noTextEdit="1"/>
+              </p:cNvSpPr>
+              <p:nvPr/>
+            </p:nvSpPr>
+            <p:spPr>
+              <a:xfrm rot="16200000">
+                <a:off x="-141953" y="3305764"/>
+                <a:ext cx="1480798" cy="253916"/>
+              </a:xfrm>
+              <a:prstGeom prst="rect">
+                <a:avLst/>
+              </a:prstGeom>
+              <a:blipFill>
+                <a:blip r:embed="rId5"/>
+                <a:stretch>
+                  <a:fillRect r="-11905"/>
+                </a:stretch>
+              </a:blipFill>
+            </p:spPr>
+            <p:txBody>
+              <a:bodyPr/>
+              <a:lstStyle/>
+              <a:p>
+                <a:r>
+                  <a:rPr lang="pt-PT">
+                    <a:noFill/>
+                  </a:rPr>
+                  <a:t> </a:t>
+                </a:r>
+              </a:p>
+            </p:txBody>
+          </p:sp>
+        </mc:Fallback>
+      </mc:AlternateContent>
+      <p:sp>
+        <p:nvSpPr>
+          <p:cNvPr id="20" name="Isosceles Triangle 19"/>
+          <p:cNvSpPr/>
+          <p:nvPr/>
+        </p:nvSpPr>
+        <p:spPr>
+          <a:xfrm>
+            <a:off x="4905582" y="3001367"/>
+            <a:ext cx="115250" cy="99354"/>
+          </a:xfrm>
+          <a:prstGeom prst="triangle">
+            <a:avLst/>
+          </a:prstGeom>
+          <a:solidFill>
+            <a:srgbClr val="0000FF"/>
+          </a:solidFill>
+          <a:ln>
+            <a:noFill/>
+          </a:ln>
+        </p:spPr>
+        <p:style>
+          <a:lnRef idx="2">
+            <a:schemeClr val="accent1">
+              <a:shade val="50000"/>
+            </a:schemeClr>
+          </a:lnRef>
+          <a:fillRef idx="1">
+            <a:schemeClr val="accent1"/>
+          </a:fillRef>
+          <a:effectRef idx="0">
+            <a:schemeClr val="accent1"/>
+          </a:effectRef>
+          <a:fontRef idx="minor">
+            <a:schemeClr val="lt1"/>
+          </a:fontRef>
+        </p:style>
+        <p:txBody>
+          <a:bodyPr rtlCol="0" anchor="ctr"/>
+          <a:lstStyle/>
+          <a:p>
+            <a:pPr algn="ctr"/>
+            <a:endParaRPr lang="pt-PT"/>
+          </a:p>
+        </p:txBody>
+      </p:sp>
+    </p:spTree>
+    <p:extLst>
+      <p:ext uri="{BB962C8B-B14F-4D97-AF65-F5344CB8AC3E}">
+        <p14:creationId xmlns:p14="http://schemas.microsoft.com/office/powerpoint/2010/main" val="261013524"/>
+      </p:ext>
+    </p:extLst>
+  </p:cSld>
+  <p:clrMapOvr>
+    <a:masterClrMapping/>
+  </p:clrMapOvr>
+</p:sld>
+</file>
+
+<file path=ppt/slides/slide8.xml><?xml version="1.0" encoding="utf-8"?>
+<p:sld xmlns:a="http://schemas.openxmlformats.org/drawingml/2006/main" xmlns:r="http://schemas.openxmlformats.org/officeDocument/2006/relationships" xmlns:p="http://schemas.openxmlformats.org/presentationml/2006/main">
+  <p:cSld>
+    <p:spTree>
+      <p:nvGrpSpPr>
+        <p:cNvPr id="1" name=""/>
+        <p:cNvGrpSpPr/>
+        <p:nvPr/>
+      </p:nvGrpSpPr>
+      <p:grpSpPr>
+        <a:xfrm>
+          <a:off x="0" y="0"/>
+          <a:ext cx="0" cy="0"/>
+          <a:chOff x="0" y="0"/>
+          <a:chExt cx="0" cy="0"/>
+        </a:xfrm>
+      </p:grpSpPr>
+      <p:pic>
+        <p:nvPicPr>
+          <p:cNvPr id="7" name="Content Placeholder 6"/>
+          <p:cNvPicPr>
+            <a:picLocks noGrp="1" noChangeAspect="1"/>
+          </p:cNvPicPr>
+          <p:nvPr>
+            <p:ph idx="1"/>
+          </p:nvPr>
+        </p:nvPicPr>
+        <p:blipFill>
+          <a:blip r:embed="rId2">
+            <a:extLst>
+              <a:ext uri="{28A0092B-C50C-407E-A947-70E740481C1C}">
+                <a14:useLocalDpi xmlns:a14="http://schemas.microsoft.com/office/drawing/2010/main" val="0"/>
+              </a:ext>
+            </a:extLst>
+          </a:blip>
+          <a:stretch>
+            <a:fillRect/>
+          </a:stretch>
+        </p:blipFill>
+        <p:spPr>
+          <a:xfrm>
+            <a:off x="471488" y="1257724"/>
+            <a:ext cx="6584628" cy="4938471"/>
+          </a:xfrm>
+        </p:spPr>
+      </p:pic>
+      <p:sp>
+        <p:nvSpPr>
+          <p:cNvPr id="6" name="Title 6"/>
+          <p:cNvSpPr>
+            <a:spLocks noGrp="1"/>
+          </p:cNvSpPr>
+          <p:nvPr>
+            <p:ph type="title"/>
+          </p:nvPr>
+        </p:nvSpPr>
+        <p:spPr>
+          <a:xfrm>
+            <a:off x="471488" y="477838"/>
+            <a:ext cx="8596312" cy="1320800"/>
+          </a:xfrm>
+        </p:spPr>
+        <p:txBody>
+          <a:bodyPr/>
+          <a:lstStyle/>
+          <a:p>
+            <a:r>
+              <a:rPr lang="pt-PT" dirty="0"/>
+              <a:t>Levenberg Marquat Algorithm</a:t>
+            </a:r>
+          </a:p>
+        </p:txBody>
+      </p:sp>
+      <mc:AlternateContent xmlns:mc="http://schemas.openxmlformats.org/markup-compatibility/2006" xmlns:a14="http://schemas.microsoft.com/office/drawing/2010/main">
+        <mc:Choice Requires="a14">
+          <p:graphicFrame>
+            <p:nvGraphicFramePr>
+              <p:cNvPr id="8" name="Table 7"/>
+              <p:cNvGraphicFramePr>
+                <a:graphicFrameLocks noGrp="1"/>
+              </p:cNvGraphicFramePr>
+              <p:nvPr>
+                <p:extLst>
+                  <p:ext uri="{D42A27DB-BD31-4B8C-83A1-F6EECF244321}">
+                    <p14:modId xmlns:p14="http://schemas.microsoft.com/office/powerpoint/2010/main" val="1454262328"/>
+                  </p:ext>
+                </p:extLst>
+              </p:nvPr>
+            </p:nvGraphicFramePr>
+            <p:xfrm>
+              <a:off x="7247645" y="1798638"/>
+              <a:ext cx="3881673" cy="4032550"/>
+            </p:xfrm>
+            <a:graphic>
+              <a:graphicData uri="http://schemas.openxmlformats.org/drawingml/2006/table">
+                <a:tbl>
+                  <a:tblPr firstRow="1" bandRow="1">
+                    <a:tableStyleId>{69012ECD-51FC-41F1-AA8D-1B2483CD663E}</a:tableStyleId>
+                  </a:tblPr>
+                  <a:tblGrid>
+                    <a:gridCol w="1336182">
+                      <a:extLst>
+                        <a:ext uri="{9D8B030D-6E8A-4147-A177-3AD203B41FA5}">
+                          <a16:colId xmlns:a16="http://schemas.microsoft.com/office/drawing/2014/main" val="4154438829"/>
+                        </a:ext>
+                      </a:extLst>
+                    </a:gridCol>
+                    <a:gridCol w="840259">
+                      <a:extLst>
+                        <a:ext uri="{9D8B030D-6E8A-4147-A177-3AD203B41FA5}">
+                          <a16:colId xmlns:a16="http://schemas.microsoft.com/office/drawing/2014/main" val="3224097022"/>
+                        </a:ext>
+                      </a:extLst>
+                    </a:gridCol>
+                    <a:gridCol w="807309">
+                      <a:extLst>
+                        <a:ext uri="{9D8B030D-6E8A-4147-A177-3AD203B41FA5}">
+                          <a16:colId xmlns:a16="http://schemas.microsoft.com/office/drawing/2014/main" val="2964180576"/>
+                        </a:ext>
+                      </a:extLst>
+                    </a:gridCol>
+                    <a:gridCol w="897923">
+                      <a:extLst>
+                        <a:ext uri="{9D8B030D-6E8A-4147-A177-3AD203B41FA5}">
+                          <a16:colId xmlns:a16="http://schemas.microsoft.com/office/drawing/2014/main" val="3101926529"/>
+                        </a:ext>
+                      </a:extLst>
+                    </a:gridCol>
+                  </a:tblGrid>
+                  <a:tr h="484430">
+                    <a:tc>
+                      <a:txBody>
+                        <a:bodyPr/>
+                        <a:lstStyle/>
+                        <a:p>
+                          <a:pPr algn="ctr"/>
+                          <a:r>
+                            <a:rPr lang="pt-PT" sz="1600" dirty="0" smtClean="0"/>
+                            <a:t>Parameter</a:t>
+                          </a:r>
+                          <a:endParaRPr lang="pt-PT" sz="1600" dirty="0"/>
+                        </a:p>
+                      </a:txBody>
+                      <a:tcPr anchor="ctr"/>
+                    </a:tc>
+                    <a:tc>
+                      <a:txBody>
+                        <a:bodyPr/>
+                        <a:lstStyle/>
+                        <a:p>
+                          <a:pPr algn="ctr"/>
+                          <a:r>
+                            <a:rPr lang="pt-PT" sz="1600" dirty="0" smtClean="0"/>
+                            <a:t>Gen.</a:t>
+                          </a:r>
+                          <a:endParaRPr lang="pt-PT" sz="1600" dirty="0"/>
+                        </a:p>
+                      </a:txBody>
+                      <a:tcPr anchor="ctr"/>
+                    </a:tc>
+                    <a:tc>
+                      <a:txBody>
+                        <a:bodyPr/>
+                        <a:lstStyle/>
+                        <a:p>
+                          <a:pPr algn="ctr"/>
+                          <a:r>
+                            <a:rPr lang="pt-PT" sz="1600" dirty="0" smtClean="0"/>
+                            <a:t>Est.</a:t>
+                          </a:r>
+                        </a:p>
+                        <a:p>
+                          <a:pPr algn="ctr"/>
+                          <a:r>
+                            <a:rPr lang="pt-PT" sz="1600" dirty="0" smtClean="0"/>
+                            <a:t>LMA</a:t>
+                          </a:r>
+                          <a:endParaRPr lang="pt-PT" sz="1600" dirty="0"/>
+                        </a:p>
+                      </a:txBody>
+                      <a:tcPr anchor="ctr"/>
+                    </a:tc>
+                    <a:tc>
+                      <a:txBody>
+                        <a:bodyPr/>
+                        <a:lstStyle/>
+                        <a:p>
+                          <a:pPr algn="ctr"/>
+                          <a:r>
+                            <a:rPr lang="pt-PT" sz="1600" dirty="0" smtClean="0"/>
+                            <a:t>Est.</a:t>
+                          </a:r>
+                          <a:br>
+                            <a:rPr lang="pt-PT" sz="1600" dirty="0" smtClean="0"/>
+                          </a:br>
+                          <a:r>
+                            <a:rPr lang="pt-PT" sz="1600" dirty="0" smtClean="0"/>
+                            <a:t>Grid</a:t>
+                          </a:r>
+                          <a:endParaRPr lang="pt-PT" sz="1600" dirty="0"/>
+                        </a:p>
+                      </a:txBody>
+                      <a:tcPr anchor="ctr"/>
+                    </a:tc>
+                    <a:extLst>
+                      <a:ext uri="{0D108BD9-81ED-4DB2-BD59-A6C34878D82A}">
+                        <a16:rowId xmlns:a16="http://schemas.microsoft.com/office/drawing/2014/main" val="3903182838"/>
+                      </a:ext>
+                    </a:extLst>
+                  </a:tr>
+                  <a:tr h="690686">
+                    <a:tc>
+                      <a:txBody>
+                        <a:bodyPr/>
+                        <a:lstStyle/>
+                        <a:p>
+                          <a:pPr algn="ctr"/>
+                          <a14:m>
+                            <m:oMathPara xmlns:m="http://schemas.openxmlformats.org/officeDocument/2006/math">
+                              <m:oMathParaPr>
+                                <m:jc m:val="centerGroup"/>
+                              </m:oMathParaPr>
+                              <m:oMath xmlns:m="http://schemas.openxmlformats.org/officeDocument/2006/math">
+                                <m:r>
+                                  <m:rPr>
+                                    <m:sty m:val="p"/>
+                                  </m:rPr>
+                                  <a:rPr lang="pt-PT" sz="1600" b="0" i="1" smtClean="0">
+                                    <a:latin typeface="Cambria Math" panose="02040503050406030204" pitchFamily="18" charset="0"/>
+                                  </a:rPr>
+                                  <m:t>α</m:t>
+                                </m:r>
+                              </m:oMath>
+                            </m:oMathPara>
+                          </a14:m>
+                          <a:endParaRPr lang="pt-PT" sz="1600" b="0" dirty="0" smtClean="0"/>
+                        </a:p>
+                        <a:p>
+                          <a:pPr algn="ctr"/>
+                          <a:endParaRPr lang="pt-PT" sz="1600" dirty="0"/>
+                        </a:p>
+                      </a:txBody>
+                      <a:tcPr anchor="ctr"/>
+                    </a:tc>
+                    <a:tc>
+                      <a:txBody>
+                        <a:bodyPr/>
+                        <a:lstStyle/>
+                        <a:p>
+                          <a:pPr algn="ctr"/>
+                          <a:r>
+                            <a:rPr lang="pt-PT" sz="1600" dirty="0" smtClean="0"/>
+                            <a:t>0.05</a:t>
+                          </a:r>
+                          <a:endParaRPr lang="pt-PT" sz="1600" dirty="0"/>
+                        </a:p>
+                      </a:txBody>
+                      <a:tcPr anchor="ctr"/>
+                    </a:tc>
+                    <a:tc>
+                      <a:txBody>
+                        <a:bodyPr/>
+                        <a:lstStyle/>
+                        <a:p>
+                          <a:pPr marL="0" marR="0" indent="0" algn="ctr" defTabSz="457200" rtl="0" eaLnBrk="1" fontAlgn="auto" latinLnBrk="0" hangingPunct="1">
+                            <a:lnSpc>
+                              <a:spcPct val="100000"/>
+                            </a:lnSpc>
+                            <a:spcBef>
+                              <a:spcPts val="0"/>
+                            </a:spcBef>
+                            <a:spcAft>
+                              <a:spcPts val="0"/>
+                            </a:spcAft>
+                            <a:buClrTx/>
+                            <a:buSzTx/>
+                            <a:buFontTx/>
+                            <a:buNone/>
+                            <a:tabLst/>
+                            <a:defRPr/>
+                          </a:pPr>
+                          <a:r>
+                            <a:rPr lang="pt-PT" sz="1600" dirty="0" smtClean="0"/>
+                            <a:t>0.044</a:t>
+                          </a:r>
+                        </a:p>
+                      </a:txBody>
+                      <a:tcPr anchor="ctr"/>
+                    </a:tc>
+                    <a:tc>
+                      <a:txBody>
+                        <a:bodyPr/>
+                        <a:lstStyle/>
+                        <a:p>
+                          <a:pPr algn="ctr"/>
+                          <a:r>
+                            <a:rPr lang="pt-PT" sz="1600" dirty="0" smtClean="0"/>
+                            <a:t>0.05</a:t>
+                          </a:r>
+                          <a:endParaRPr lang="pt-PT" sz="1600" dirty="0"/>
+                        </a:p>
+                      </a:txBody>
+                      <a:tcPr anchor="ctr"/>
+                    </a:tc>
+                    <a:extLst>
+                      <a:ext uri="{0D108BD9-81ED-4DB2-BD59-A6C34878D82A}">
+                        <a16:rowId xmlns:a16="http://schemas.microsoft.com/office/drawing/2014/main" val="4034706123"/>
+                      </a:ext>
+                    </a:extLst>
+                  </a:tr>
+                  <a:tr h="690686">
+                    <a:tc>
+                      <a:txBody>
+                        <a:bodyPr/>
+                        <a:lstStyle/>
+                        <a:p>
+                          <a:pPr marL="0" marR="0" indent="0" algn="ctr" defTabSz="457200" rtl="0" eaLnBrk="1" fontAlgn="auto" latinLnBrk="0" hangingPunct="1">
+                            <a:lnSpc>
+                              <a:spcPct val="100000"/>
+                            </a:lnSpc>
+                            <a:spcBef>
+                              <a:spcPts val="0"/>
+                            </a:spcBef>
+                            <a:spcAft>
+                              <a:spcPts val="0"/>
+                            </a:spcAft>
+                            <a:buClrTx/>
+                            <a:buSzTx/>
+                            <a:buFontTx/>
+                            <a:buNone/>
+                            <a:tabLst/>
+                            <a:defRPr/>
+                          </a:pPr>
+                          <a14:m>
+                            <m:oMathPara xmlns:m="http://schemas.openxmlformats.org/officeDocument/2006/math">
+                              <m:oMathParaPr>
+                                <m:jc m:val="centerGroup"/>
+                              </m:oMathParaPr>
+                              <m:oMath xmlns:m="http://schemas.openxmlformats.org/officeDocument/2006/math">
+                                <m:r>
+                                  <a:rPr lang="pt-PT" sz="1600" b="0" i="1" smtClean="0">
+                                    <a:latin typeface="Cambria Math" panose="02040503050406030204" pitchFamily="18" charset="0"/>
+                                  </a:rPr>
+                                  <m:t>𝛽</m:t>
+                                </m:r>
+                              </m:oMath>
+                            </m:oMathPara>
+                          </a14:m>
+                          <a:endParaRPr lang="pt-PT" sz="1600" b="0" dirty="0" smtClean="0"/>
+                        </a:p>
+                        <a:p>
+                          <a:pPr algn="ctr"/>
+                          <a:endParaRPr lang="pt-PT" sz="1600" dirty="0"/>
+                        </a:p>
+                      </a:txBody>
+                      <a:tcPr anchor="ctr"/>
+                    </a:tc>
+                    <a:tc>
+                      <a:txBody>
+                        <a:bodyPr/>
+                        <a:lstStyle/>
+                        <a:p>
+                          <a:pPr algn="ctr"/>
+                          <a:r>
+                            <a:rPr lang="pt-PT" sz="1600" dirty="0" smtClean="0"/>
+                            <a:t>1</a:t>
+                          </a:r>
+                          <a:endParaRPr lang="pt-PT" sz="1600" dirty="0"/>
+                        </a:p>
+                      </a:txBody>
+                      <a:tcPr anchor="ctr"/>
+                    </a:tc>
+                    <a:tc>
+                      <a:txBody>
+                        <a:bodyPr/>
+                        <a:lstStyle/>
+                        <a:p>
+                          <a:pPr algn="ctr"/>
+                          <a:r>
+                            <a:rPr lang="pt-PT" sz="1600" dirty="0" smtClean="0"/>
+                            <a:t>-</a:t>
+                          </a:r>
+                          <a:endParaRPr lang="pt-PT" sz="1600" dirty="0"/>
+                        </a:p>
+                      </a:txBody>
+                      <a:tcPr anchor="ctr"/>
+                    </a:tc>
+                    <a:tc>
+                      <a:txBody>
+                        <a:bodyPr/>
+                        <a:lstStyle/>
+                        <a:p>
+                          <a:pPr algn="ctr"/>
+                          <a:r>
+                            <a:rPr lang="pt-PT" sz="1600" dirty="0" smtClean="0"/>
+                            <a:t>-</a:t>
+                          </a:r>
+                          <a:endParaRPr lang="pt-PT" sz="1600" dirty="0"/>
+                        </a:p>
+                      </a:txBody>
+                      <a:tcPr anchor="ctr"/>
+                    </a:tc>
+                    <a:extLst>
+                      <a:ext uri="{0D108BD9-81ED-4DB2-BD59-A6C34878D82A}">
+                        <a16:rowId xmlns:a16="http://schemas.microsoft.com/office/drawing/2014/main" val="1470569853"/>
+                      </a:ext>
+                    </a:extLst>
+                  </a:tr>
+                  <a:tr h="690686">
+                    <a:tc>
+                      <a:txBody>
+                        <a:bodyPr/>
+                        <a:lstStyle/>
+                        <a:p>
+                          <a:pPr marL="0" marR="0" indent="0" algn="ctr" defTabSz="457200" rtl="0" eaLnBrk="1" fontAlgn="auto" latinLnBrk="0" hangingPunct="1">
+                            <a:lnSpc>
+                              <a:spcPct val="100000"/>
+                            </a:lnSpc>
+                            <a:spcBef>
+                              <a:spcPts val="0"/>
+                            </a:spcBef>
+                            <a:spcAft>
+                              <a:spcPts val="0"/>
+                            </a:spcAft>
+                            <a:buClrTx/>
+                            <a:buSzTx/>
+                            <a:buFontTx/>
+                            <a:buNone/>
+                            <a:tabLst/>
+                            <a:defRPr/>
+                          </a:pPr>
+                          <a14:m>
+                            <m:oMathPara xmlns:m="http://schemas.openxmlformats.org/officeDocument/2006/math">
+                              <m:oMathParaPr>
+                                <m:jc m:val="centerGroup"/>
+                              </m:oMathParaPr>
+                              <m:oMath xmlns:m="http://schemas.openxmlformats.org/officeDocument/2006/math">
+                                <m:r>
+                                  <a:rPr lang="pt-PT" sz="1600" b="0" i="1" smtClean="0">
+                                    <a:latin typeface="Cambria Math" panose="02040503050406030204" pitchFamily="18" charset="0"/>
+                                  </a:rPr>
+                                  <m:t>𝜌</m:t>
+                                </m:r>
+                              </m:oMath>
+                            </m:oMathPara>
+                          </a14:m>
+                          <a:endParaRPr lang="pt-PT" sz="1600" b="0" dirty="0" smtClean="0"/>
+                        </a:p>
+                        <a:p>
+                          <a:pPr algn="ctr"/>
+                          <a:endParaRPr lang="pt-PT" sz="1600" dirty="0"/>
+                        </a:p>
+                      </a:txBody>
+                      <a:tcPr anchor="ctr"/>
+                    </a:tc>
+                    <a:tc>
+                      <a:txBody>
+                        <a:bodyPr/>
+                        <a:lstStyle/>
+                        <a:p>
+                          <a:pPr algn="ctr"/>
+                          <a:r>
+                            <a:rPr lang="pt-PT" sz="1600" dirty="0" smtClean="0"/>
+                            <a:t>-0.33</a:t>
+                          </a:r>
+                          <a:endParaRPr lang="pt-PT" sz="1600" dirty="0"/>
+                        </a:p>
+                      </a:txBody>
+                      <a:tcPr anchor="ctr"/>
+                    </a:tc>
+                    <a:tc>
+                      <a:txBody>
+                        <a:bodyPr/>
+                        <a:lstStyle/>
+                        <a:p>
+                          <a:pPr algn="ctr"/>
+                          <a:r>
+                            <a:rPr lang="pt-PT" sz="1600" dirty="0" smtClean="0"/>
+                            <a:t>-0.30</a:t>
+                          </a:r>
+                          <a:endParaRPr lang="pt-PT" sz="1600" dirty="0"/>
+                        </a:p>
+                      </a:txBody>
+                      <a:tcPr anchor="ctr"/>
+                    </a:tc>
+                    <a:tc>
+                      <a:txBody>
+                        <a:bodyPr/>
+                        <a:lstStyle/>
+                        <a:p>
+                          <a:pPr algn="ctr"/>
+                          <a:r>
+                            <a:rPr lang="pt-PT" sz="1600" dirty="0" smtClean="0"/>
+                            <a:t>-0.30</a:t>
+                          </a:r>
+                          <a:endParaRPr lang="pt-PT" sz="1600" dirty="0"/>
+                        </a:p>
+                      </a:txBody>
+                      <a:tcPr anchor="ctr"/>
+                    </a:tc>
+                    <a:extLst>
+                      <a:ext uri="{0D108BD9-81ED-4DB2-BD59-A6C34878D82A}">
+                        <a16:rowId xmlns:a16="http://schemas.microsoft.com/office/drawing/2014/main" val="1788996123"/>
+                      </a:ext>
+                    </a:extLst>
+                  </a:tr>
+                  <a:tr h="690686">
+                    <a:tc>
+                      <a:txBody>
+                        <a:bodyPr/>
+                        <a:lstStyle/>
+                        <a:p>
+                          <a:pPr marL="0" marR="0" indent="0" algn="ctr" defTabSz="457200" rtl="0" eaLnBrk="1" fontAlgn="auto" latinLnBrk="0" hangingPunct="1">
+                            <a:lnSpc>
+                              <a:spcPct val="100000"/>
+                            </a:lnSpc>
+                            <a:spcBef>
+                              <a:spcPts val="0"/>
+                            </a:spcBef>
+                            <a:spcAft>
+                              <a:spcPts val="0"/>
+                            </a:spcAft>
+                            <a:buClrTx/>
+                            <a:buSzTx/>
+                            <a:buFontTx/>
+                            <a:buNone/>
+                            <a:tabLst/>
+                            <a:defRPr/>
+                          </a:pPr>
+                          <a14:m>
+                            <m:oMathPara xmlns:m="http://schemas.openxmlformats.org/officeDocument/2006/math">
+                              <m:oMathParaPr>
+                                <m:jc m:val="centerGroup"/>
+                              </m:oMathParaPr>
+                              <m:oMath xmlns:m="http://schemas.openxmlformats.org/officeDocument/2006/math">
+                                <m:r>
+                                  <a:rPr lang="pt-PT" sz="1600" b="0" i="1" smtClean="0">
+                                    <a:latin typeface="Cambria Math" panose="02040503050406030204" pitchFamily="18" charset="0"/>
+                                  </a:rPr>
+                                  <m:t>𝜈</m:t>
+                                </m:r>
+                              </m:oMath>
+                            </m:oMathPara>
+                          </a14:m>
+                          <a:endParaRPr lang="pt-PT" sz="1600" b="0" dirty="0" smtClean="0"/>
+                        </a:p>
+                        <a:p>
+                          <a:pPr algn="ctr"/>
+                          <a:endParaRPr lang="pt-PT" sz="1600" dirty="0"/>
+                        </a:p>
+                      </a:txBody>
+                      <a:tcPr anchor="ctr"/>
+                    </a:tc>
+                    <a:tc>
+                      <a:txBody>
+                        <a:bodyPr/>
+                        <a:lstStyle/>
+                        <a:p>
+                          <a:pPr algn="ctr"/>
+                          <a:r>
+                            <a:rPr lang="pt-PT" sz="1600" dirty="0" smtClean="0"/>
+                            <a:t>0.25</a:t>
+                          </a:r>
+                          <a:endParaRPr lang="pt-PT" sz="1600" dirty="0"/>
+                        </a:p>
+                      </a:txBody>
+                      <a:tcPr anchor="ctr"/>
+                    </a:tc>
+                    <a:tc>
+                      <a:txBody>
+                        <a:bodyPr/>
+                        <a:lstStyle/>
+                        <a:p>
+                          <a:pPr algn="ctr"/>
+                          <a:r>
+                            <a:rPr lang="pt-PT" sz="1600" dirty="0" smtClean="0"/>
+                            <a:t>0.29</a:t>
+                          </a:r>
+                          <a:endParaRPr lang="pt-PT" sz="1600" dirty="0"/>
+                        </a:p>
+                      </a:txBody>
+                      <a:tcPr anchor="ctr"/>
+                    </a:tc>
+                    <a:tc>
+                      <a:txBody>
+                        <a:bodyPr/>
+                        <a:lstStyle/>
+                        <a:p>
+                          <a:pPr algn="ctr"/>
+                          <a:r>
+                            <a:rPr lang="pt-PT" sz="1600" dirty="0" smtClean="0"/>
+                            <a:t>0.21</a:t>
+                          </a:r>
+                          <a:endParaRPr lang="pt-PT" sz="1600" dirty="0"/>
+                        </a:p>
+                      </a:txBody>
+                      <a:tcPr anchor="ctr"/>
+                    </a:tc>
+                    <a:extLst>
+                      <a:ext uri="{0D108BD9-81ED-4DB2-BD59-A6C34878D82A}">
+                        <a16:rowId xmlns:a16="http://schemas.microsoft.com/office/drawing/2014/main" val="400963944"/>
+                      </a:ext>
+                    </a:extLst>
+                  </a:tr>
+                  <a:tr h="690686">
+                    <a:tc>
+                      <a:txBody>
+                        <a:bodyPr/>
+                        <a:lstStyle/>
+                        <a:p>
+                          <a:pPr algn="ctr"/>
+                          <a:r>
+                            <a:rPr lang="pt-PT" sz="1600" dirty="0" smtClean="0"/>
+                            <a:t>T</a:t>
+                          </a:r>
+                          <a:endParaRPr lang="pt-PT" sz="1600" dirty="0"/>
+                        </a:p>
+                      </a:txBody>
+                      <a:tcPr anchor="ctr"/>
+                    </a:tc>
+                    <a:tc>
+                      <a:txBody>
+                        <a:bodyPr/>
+                        <a:lstStyle/>
+                        <a:p>
+                          <a:pPr algn="ctr"/>
+                          <a:r>
+                            <a:rPr lang="pt-PT" sz="1600" dirty="0" smtClean="0"/>
+                            <a:t>15</a:t>
+                          </a:r>
+                          <a:endParaRPr lang="pt-PT" sz="1600" dirty="0"/>
+                        </a:p>
+                      </a:txBody>
+                      <a:tcPr anchor="ctr"/>
+                    </a:tc>
+                    <a:tc>
+                      <a:txBody>
+                        <a:bodyPr/>
+                        <a:lstStyle/>
+                        <a:p>
+                          <a:pPr algn="ctr"/>
+                          <a:r>
+                            <a:rPr lang="pt-PT" sz="1600" dirty="0" smtClean="0"/>
+                            <a:t>-</a:t>
+                          </a:r>
+                          <a:endParaRPr lang="pt-PT" sz="1600" dirty="0"/>
+                        </a:p>
+                      </a:txBody>
+                      <a:tcPr anchor="ctr"/>
+                    </a:tc>
+                    <a:tc>
+                      <a:txBody>
+                        <a:bodyPr/>
+                        <a:lstStyle/>
+                        <a:p>
+                          <a:pPr algn="ctr"/>
+                          <a:r>
+                            <a:rPr lang="pt-PT" sz="1600" dirty="0" smtClean="0"/>
+                            <a:t>-</a:t>
+                          </a:r>
+                          <a:endParaRPr lang="pt-PT" sz="1600" dirty="0"/>
+                        </a:p>
+                      </a:txBody>
+                      <a:tcPr anchor="ctr"/>
+                    </a:tc>
+                    <a:extLst>
+                      <a:ext uri="{0D108BD9-81ED-4DB2-BD59-A6C34878D82A}">
+                        <a16:rowId xmlns:a16="http://schemas.microsoft.com/office/drawing/2014/main" val="1624269119"/>
+                      </a:ext>
+                    </a:extLst>
+                  </a:tr>
+                </a:tbl>
+              </a:graphicData>
+            </a:graphic>
+          </p:graphicFrame>
+        </mc:Choice>
+        <mc:Fallback xmlns="">
+          <p:graphicFrame>
+            <p:nvGraphicFramePr>
+              <p:cNvPr id="8" name="Table 7"/>
+              <p:cNvGraphicFramePr>
+                <a:graphicFrameLocks noGrp="1"/>
+              </p:cNvGraphicFramePr>
+              <p:nvPr>
+                <p:extLst>
+                  <p:ext uri="{D42A27DB-BD31-4B8C-83A1-F6EECF244321}">
+                    <p14:modId xmlns:p14="http://schemas.microsoft.com/office/powerpoint/2010/main" val="1454262328"/>
+                  </p:ext>
+                </p:extLst>
+              </p:nvPr>
+            </p:nvGraphicFramePr>
+            <p:xfrm>
+              <a:off x="7247645" y="1798638"/>
+              <a:ext cx="3881673" cy="4032550"/>
+            </p:xfrm>
+            <a:graphic>
+              <a:graphicData uri="http://schemas.openxmlformats.org/drawingml/2006/table">
+                <a:tbl>
+                  <a:tblPr firstRow="1" bandRow="1">
+                    <a:tableStyleId>{69012ECD-51FC-41F1-AA8D-1B2483CD663E}</a:tableStyleId>
+                  </a:tblPr>
+                  <a:tblGrid>
+                    <a:gridCol w="1336182">
+                      <a:extLst>
+                        <a:ext uri="{9D8B030D-6E8A-4147-A177-3AD203B41FA5}">
+                          <a16:colId xmlns:a16="http://schemas.microsoft.com/office/drawing/2014/main" val="4154438829"/>
+                        </a:ext>
+                      </a:extLst>
+                    </a:gridCol>
+                    <a:gridCol w="840259">
+                      <a:extLst>
+                        <a:ext uri="{9D8B030D-6E8A-4147-A177-3AD203B41FA5}">
+                          <a16:colId xmlns:a16="http://schemas.microsoft.com/office/drawing/2014/main" val="3224097022"/>
+                        </a:ext>
+                      </a:extLst>
+                    </a:gridCol>
+                    <a:gridCol w="807309">
+                      <a:extLst>
+                        <a:ext uri="{9D8B030D-6E8A-4147-A177-3AD203B41FA5}">
+                          <a16:colId xmlns:a16="http://schemas.microsoft.com/office/drawing/2014/main" val="2964180576"/>
+                        </a:ext>
+                      </a:extLst>
+                    </a:gridCol>
+                    <a:gridCol w="897923">
+                      <a:extLst>
+                        <a:ext uri="{9D8B030D-6E8A-4147-A177-3AD203B41FA5}">
+                          <a16:colId xmlns:a16="http://schemas.microsoft.com/office/drawing/2014/main" val="3101926529"/>
+                        </a:ext>
+                      </a:extLst>
+                    </a:gridCol>
+                  </a:tblGrid>
+                  <a:tr h="579120">
+                    <a:tc>
+                      <a:txBody>
+                        <a:bodyPr/>
+                        <a:lstStyle/>
+                        <a:p>
+                          <a:pPr algn="ctr"/>
+                          <a:r>
+                            <a:rPr lang="pt-PT" sz="1600" dirty="0" smtClean="0"/>
+                            <a:t>Parameter</a:t>
+                          </a:r>
+                          <a:endParaRPr lang="pt-PT" sz="1600" dirty="0"/>
+                        </a:p>
+                      </a:txBody>
+                      <a:tcPr anchor="ctr"/>
+                    </a:tc>
+                    <a:tc>
+                      <a:txBody>
+                        <a:bodyPr/>
+                        <a:lstStyle/>
+                        <a:p>
+                          <a:pPr algn="ctr"/>
+                          <a:r>
+                            <a:rPr lang="pt-PT" sz="1600" dirty="0" smtClean="0"/>
+                            <a:t>Gen.</a:t>
+                          </a:r>
+                          <a:endParaRPr lang="pt-PT" sz="1600" dirty="0"/>
+                        </a:p>
+                      </a:txBody>
+                      <a:tcPr anchor="ctr"/>
+                    </a:tc>
+                    <a:tc>
+                      <a:txBody>
+                        <a:bodyPr/>
+                        <a:lstStyle/>
+                        <a:p>
+                          <a:pPr algn="ctr"/>
+                          <a:r>
+                            <a:rPr lang="pt-PT" sz="1600" dirty="0" smtClean="0"/>
+                            <a:t>Est.</a:t>
+                          </a:r>
+                        </a:p>
+                        <a:p>
+                          <a:pPr algn="ctr"/>
+                          <a:r>
+                            <a:rPr lang="pt-PT" sz="1600" dirty="0" smtClean="0"/>
+                            <a:t>LMA</a:t>
+                          </a:r>
+                          <a:endParaRPr lang="pt-PT" sz="1600" dirty="0"/>
+                        </a:p>
+                      </a:txBody>
+                      <a:tcPr anchor="ctr"/>
+                    </a:tc>
+                    <a:tc>
+                      <a:txBody>
+                        <a:bodyPr/>
+                        <a:lstStyle/>
+                        <a:p>
+                          <a:pPr algn="ctr"/>
+                          <a:r>
+                            <a:rPr lang="pt-PT" sz="1600" dirty="0" smtClean="0"/>
+                            <a:t>Est.</a:t>
+                          </a:r>
+                          <a:br>
+                            <a:rPr lang="pt-PT" sz="1600" dirty="0" smtClean="0"/>
+                          </a:br>
+                          <a:r>
+                            <a:rPr lang="pt-PT" sz="1600" dirty="0" smtClean="0"/>
+                            <a:t>Grid</a:t>
+                          </a:r>
+                          <a:endParaRPr lang="pt-PT" sz="1600" dirty="0"/>
+                        </a:p>
+                      </a:txBody>
+                      <a:tcPr anchor="ctr"/>
+                    </a:tc>
+                    <a:extLst>
+                      <a:ext uri="{0D108BD9-81ED-4DB2-BD59-A6C34878D82A}">
+                        <a16:rowId xmlns:a16="http://schemas.microsoft.com/office/drawing/2014/main" val="3903182838"/>
+                      </a:ext>
+                    </a:extLst>
+                  </a:tr>
+                  <a:tr h="690686">
+                    <a:tc>
+                      <a:txBody>
+                        <a:bodyPr/>
+                        <a:lstStyle/>
+                        <a:p>
+                          <a:endParaRPr lang="pt-PT"/>
+                        </a:p>
+                      </a:txBody>
+                      <a:tcPr anchor="ctr">
+                        <a:blipFill>
+                          <a:blip r:embed="rId3"/>
+                          <a:stretch>
+                            <a:fillRect l="-909" t="-87611" r="-190909" b="-403540"/>
+                          </a:stretch>
+                        </a:blipFill>
+                      </a:tcPr>
+                    </a:tc>
+                    <a:tc>
+                      <a:txBody>
+                        <a:bodyPr/>
+                        <a:lstStyle/>
+                        <a:p>
+                          <a:pPr algn="ctr"/>
+                          <a:r>
+                            <a:rPr lang="pt-PT" sz="1600" dirty="0" smtClean="0"/>
+                            <a:t>0.05</a:t>
+                          </a:r>
+                          <a:endParaRPr lang="pt-PT" sz="1600" dirty="0"/>
+                        </a:p>
+                      </a:txBody>
+                      <a:tcPr anchor="ctr"/>
+                    </a:tc>
+                    <a:tc>
+                      <a:txBody>
+                        <a:bodyPr/>
+                        <a:lstStyle/>
+                        <a:p>
+                          <a:pPr marL="0" marR="0" indent="0" algn="ctr" defTabSz="457200" rtl="0" eaLnBrk="1" fontAlgn="auto" latinLnBrk="0" hangingPunct="1">
+                            <a:lnSpc>
+                              <a:spcPct val="100000"/>
+                            </a:lnSpc>
+                            <a:spcBef>
+                              <a:spcPts val="0"/>
+                            </a:spcBef>
+                            <a:spcAft>
+                              <a:spcPts val="0"/>
+                            </a:spcAft>
+                            <a:buClrTx/>
+                            <a:buSzTx/>
+                            <a:buFontTx/>
+                            <a:buNone/>
+                            <a:tabLst/>
+                            <a:defRPr/>
+                          </a:pPr>
+                          <a:r>
+                            <a:rPr lang="pt-PT" sz="1600" dirty="0" smtClean="0"/>
+                            <a:t>0.044</a:t>
+                          </a:r>
+                        </a:p>
+                      </a:txBody>
+                      <a:tcPr anchor="ctr"/>
+                    </a:tc>
+                    <a:tc>
+                      <a:txBody>
+                        <a:bodyPr/>
+                        <a:lstStyle/>
+                        <a:p>
+                          <a:pPr algn="ctr"/>
+                          <a:r>
+                            <a:rPr lang="pt-PT" sz="1600" dirty="0" smtClean="0"/>
+                            <a:t>0.05</a:t>
+                          </a:r>
+                          <a:endParaRPr lang="pt-PT" sz="1600" dirty="0"/>
+                        </a:p>
+                      </a:txBody>
+                      <a:tcPr anchor="ctr"/>
+                    </a:tc>
+                    <a:extLst>
+                      <a:ext uri="{0D108BD9-81ED-4DB2-BD59-A6C34878D82A}">
+                        <a16:rowId xmlns:a16="http://schemas.microsoft.com/office/drawing/2014/main" val="4034706123"/>
+                      </a:ext>
+                    </a:extLst>
+                  </a:tr>
+                  <a:tr h="690686">
+                    <a:tc>
+                      <a:txBody>
+                        <a:bodyPr/>
+                        <a:lstStyle/>
+                        <a:p>
+                          <a:endParaRPr lang="pt-PT"/>
+                        </a:p>
+                      </a:txBody>
+                      <a:tcPr anchor="ctr">
+                        <a:blipFill>
+                          <a:blip r:embed="rId3"/>
+                          <a:stretch>
+                            <a:fillRect l="-909" t="-185965" r="-190909" b="-300000"/>
+                          </a:stretch>
+                        </a:blipFill>
+                      </a:tcPr>
+                    </a:tc>
+                    <a:tc>
+                      <a:txBody>
+                        <a:bodyPr/>
+                        <a:lstStyle/>
+                        <a:p>
+                          <a:pPr algn="ctr"/>
+                          <a:r>
+                            <a:rPr lang="pt-PT" sz="1600" dirty="0" smtClean="0"/>
+                            <a:t>1</a:t>
+                          </a:r>
+                          <a:endParaRPr lang="pt-PT" sz="1600" dirty="0"/>
+                        </a:p>
+                      </a:txBody>
+                      <a:tcPr anchor="ctr"/>
+                    </a:tc>
+                    <a:tc>
+                      <a:txBody>
+                        <a:bodyPr/>
+                        <a:lstStyle/>
+                        <a:p>
+                          <a:pPr algn="ctr"/>
+                          <a:r>
+                            <a:rPr lang="pt-PT" sz="1600" dirty="0" smtClean="0"/>
+                            <a:t>-</a:t>
+                          </a:r>
+                          <a:endParaRPr lang="pt-PT" sz="1600" dirty="0"/>
+                        </a:p>
+                      </a:txBody>
+                      <a:tcPr anchor="ctr"/>
+                    </a:tc>
+                    <a:tc>
+                      <a:txBody>
+                        <a:bodyPr/>
+                        <a:lstStyle/>
+                        <a:p>
+                          <a:pPr algn="ctr"/>
+                          <a:r>
+                            <a:rPr lang="pt-PT" sz="1600" dirty="0" smtClean="0"/>
+                            <a:t>-</a:t>
+                          </a:r>
+                          <a:endParaRPr lang="pt-PT" sz="1600" dirty="0"/>
+                        </a:p>
+                      </a:txBody>
+                      <a:tcPr anchor="ctr"/>
+                    </a:tc>
+                    <a:extLst>
+                      <a:ext uri="{0D108BD9-81ED-4DB2-BD59-A6C34878D82A}">
+                        <a16:rowId xmlns:a16="http://schemas.microsoft.com/office/drawing/2014/main" val="1470569853"/>
+                      </a:ext>
+                    </a:extLst>
+                  </a:tr>
+                  <a:tr h="690686">
+                    <a:tc>
+                      <a:txBody>
+                        <a:bodyPr/>
+                        <a:lstStyle/>
+                        <a:p>
+                          <a:endParaRPr lang="pt-PT"/>
+                        </a:p>
+                      </a:txBody>
+                      <a:tcPr anchor="ctr">
+                        <a:blipFill>
+                          <a:blip r:embed="rId3"/>
+                          <a:stretch>
+                            <a:fillRect l="-909" t="-288496" r="-190909" b="-202655"/>
+                          </a:stretch>
+                        </a:blipFill>
+                      </a:tcPr>
+                    </a:tc>
+                    <a:tc>
+                      <a:txBody>
+                        <a:bodyPr/>
+                        <a:lstStyle/>
+                        <a:p>
+                          <a:pPr algn="ctr"/>
+                          <a:r>
+                            <a:rPr lang="pt-PT" sz="1600" dirty="0" smtClean="0"/>
+                            <a:t>-</a:t>
+                          </a:r>
+                          <a:r>
+                            <a:rPr lang="pt-PT" sz="1600" dirty="0" smtClean="0"/>
+                            <a:t>0.33</a:t>
+                          </a:r>
+                          <a:endParaRPr lang="pt-PT" sz="1600" dirty="0"/>
+                        </a:p>
+                      </a:txBody>
+                      <a:tcPr anchor="ctr"/>
+                    </a:tc>
+                    <a:tc>
+                      <a:txBody>
+                        <a:bodyPr/>
+                        <a:lstStyle/>
+                        <a:p>
+                          <a:pPr algn="ctr"/>
+                          <a:r>
+                            <a:rPr lang="pt-PT" sz="1600" dirty="0" smtClean="0"/>
+                            <a:t>-0.30</a:t>
+                          </a:r>
+                          <a:endParaRPr lang="pt-PT" sz="1600" dirty="0"/>
+                        </a:p>
+                      </a:txBody>
+                      <a:tcPr anchor="ctr"/>
+                    </a:tc>
+                    <a:tc>
+                      <a:txBody>
+                        <a:bodyPr/>
+                        <a:lstStyle/>
+                        <a:p>
+                          <a:pPr algn="ctr"/>
+                          <a:r>
+                            <a:rPr lang="pt-PT" sz="1600" dirty="0" smtClean="0"/>
+                            <a:t>-0.30</a:t>
+                          </a:r>
+                          <a:endParaRPr lang="pt-PT" sz="1600" dirty="0"/>
+                        </a:p>
+                      </a:txBody>
+                      <a:tcPr anchor="ctr"/>
+                    </a:tc>
+                    <a:extLst>
+                      <a:ext uri="{0D108BD9-81ED-4DB2-BD59-A6C34878D82A}">
+                        <a16:rowId xmlns:a16="http://schemas.microsoft.com/office/drawing/2014/main" val="1788996123"/>
+                      </a:ext>
+                    </a:extLst>
+                  </a:tr>
+                  <a:tr h="690686">
+                    <a:tc>
+                      <a:txBody>
+                        <a:bodyPr/>
+                        <a:lstStyle/>
+                        <a:p>
+                          <a:endParaRPr lang="pt-PT"/>
+                        </a:p>
+                      </a:txBody>
+                      <a:tcPr anchor="ctr">
+                        <a:blipFill>
+                          <a:blip r:embed="rId3"/>
+                          <a:stretch>
+                            <a:fillRect l="-909" t="-385088" r="-190909" b="-100877"/>
+                          </a:stretch>
+                        </a:blipFill>
+                      </a:tcPr>
+                    </a:tc>
+                    <a:tc>
+                      <a:txBody>
+                        <a:bodyPr/>
+                        <a:lstStyle/>
+                        <a:p>
+                          <a:pPr algn="ctr"/>
+                          <a:r>
+                            <a:rPr lang="pt-PT" sz="1600" dirty="0" smtClean="0"/>
+                            <a:t>0.25</a:t>
+                          </a:r>
+                          <a:endParaRPr lang="pt-PT" sz="1600" dirty="0"/>
+                        </a:p>
+                      </a:txBody>
+                      <a:tcPr anchor="ctr"/>
+                    </a:tc>
+                    <a:tc>
+                      <a:txBody>
+                        <a:bodyPr/>
+                        <a:lstStyle/>
+                        <a:p>
+                          <a:pPr algn="ctr"/>
+                          <a:r>
+                            <a:rPr lang="pt-PT" sz="1600" dirty="0" smtClean="0"/>
+                            <a:t>0.29</a:t>
+                          </a:r>
+                          <a:endParaRPr lang="pt-PT" sz="1600" dirty="0"/>
+                        </a:p>
+                      </a:txBody>
+                      <a:tcPr anchor="ctr"/>
+                    </a:tc>
+                    <a:tc>
+                      <a:txBody>
+                        <a:bodyPr/>
+                        <a:lstStyle/>
+                        <a:p>
+                          <a:pPr algn="ctr"/>
+                          <a:r>
+                            <a:rPr lang="pt-PT" sz="1600" dirty="0" smtClean="0"/>
+                            <a:t>0.21</a:t>
+                          </a:r>
+                          <a:endParaRPr lang="pt-PT" sz="1600" dirty="0"/>
+                        </a:p>
+                      </a:txBody>
+                      <a:tcPr anchor="ctr"/>
+                    </a:tc>
+                    <a:extLst>
+                      <a:ext uri="{0D108BD9-81ED-4DB2-BD59-A6C34878D82A}">
+                        <a16:rowId xmlns:a16="http://schemas.microsoft.com/office/drawing/2014/main" val="400963944"/>
+                      </a:ext>
+                    </a:extLst>
+                  </a:tr>
+                  <a:tr h="690686">
+                    <a:tc>
+                      <a:txBody>
+                        <a:bodyPr/>
+                        <a:lstStyle/>
+                        <a:p>
+                          <a:pPr algn="ctr"/>
+                          <a:r>
+                            <a:rPr lang="pt-PT" sz="1600" dirty="0" smtClean="0"/>
+                            <a:t>T</a:t>
+                          </a:r>
+                          <a:endParaRPr lang="pt-PT" sz="1600" dirty="0"/>
+                        </a:p>
+                      </a:txBody>
+                      <a:tcPr anchor="ctr"/>
+                    </a:tc>
+                    <a:tc>
+                      <a:txBody>
+                        <a:bodyPr/>
+                        <a:lstStyle/>
+                        <a:p>
+                          <a:pPr algn="ctr"/>
+                          <a:r>
+                            <a:rPr lang="pt-PT" sz="1600" dirty="0" smtClean="0"/>
+                            <a:t>15</a:t>
+                          </a:r>
+                          <a:endParaRPr lang="pt-PT" sz="1600" dirty="0"/>
+                        </a:p>
+                      </a:txBody>
+                      <a:tcPr anchor="ctr"/>
+                    </a:tc>
+                    <a:tc>
+                      <a:txBody>
+                        <a:bodyPr/>
+                        <a:lstStyle/>
+                        <a:p>
+                          <a:pPr algn="ctr"/>
+                          <a:r>
+                            <a:rPr lang="pt-PT" sz="1600" dirty="0" smtClean="0"/>
+                            <a:t>-</a:t>
+                          </a:r>
+                          <a:endParaRPr lang="pt-PT" sz="1600" dirty="0"/>
+                        </a:p>
+                      </a:txBody>
+                      <a:tcPr anchor="ctr"/>
+                    </a:tc>
+                    <a:tc>
+                      <a:txBody>
+                        <a:bodyPr/>
+                        <a:lstStyle/>
+                        <a:p>
+                          <a:pPr algn="ctr"/>
+                          <a:r>
+                            <a:rPr lang="pt-PT" sz="1600" dirty="0" smtClean="0"/>
+                            <a:t>-</a:t>
+                          </a:r>
+                          <a:endParaRPr lang="pt-PT" sz="1600" dirty="0"/>
+                        </a:p>
+                      </a:txBody>
+                      <a:tcPr anchor="ctr"/>
+                    </a:tc>
+                    <a:extLst>
+                      <a:ext uri="{0D108BD9-81ED-4DB2-BD59-A6C34878D82A}">
+                        <a16:rowId xmlns:a16="http://schemas.microsoft.com/office/drawing/2014/main" val="1624269119"/>
+                      </a:ext>
+                    </a:extLst>
+                  </a:tr>
+                </a:tbl>
+              </a:graphicData>
+            </a:graphic>
+          </p:graphicFrame>
+        </mc:Fallback>
+      </mc:AlternateContent>
+      <p:sp>
+        <p:nvSpPr>
+          <p:cNvPr id="18" name="Oval 17"/>
+          <p:cNvSpPr/>
+          <p:nvPr/>
+        </p:nvSpPr>
+        <p:spPr>
+          <a:xfrm>
+            <a:off x="4905582" y="2781442"/>
+            <a:ext cx="83372" cy="83372"/>
+          </a:xfrm>
+          <a:prstGeom prst="ellipse">
+            <a:avLst/>
+          </a:prstGeom>
+          <a:solidFill>
+            <a:srgbClr val="FF0000"/>
+          </a:solidFill>
+          <a:ln>
+            <a:noFill/>
+          </a:ln>
+        </p:spPr>
+        <p:style>
+          <a:lnRef idx="2">
+            <a:schemeClr val="accent1">
+              <a:shade val="50000"/>
+            </a:schemeClr>
+          </a:lnRef>
+          <a:fillRef idx="1">
+            <a:schemeClr val="accent1"/>
+          </a:fillRef>
+          <a:effectRef idx="0">
+            <a:schemeClr val="accent1"/>
+          </a:effectRef>
+          <a:fontRef idx="minor">
+            <a:schemeClr val="lt1"/>
+          </a:fontRef>
+        </p:style>
+        <p:txBody>
+          <a:bodyPr rtlCol="0" anchor="ctr"/>
+          <a:lstStyle/>
+          <a:p>
+            <a:pPr algn="ctr"/>
+            <a:endParaRPr lang="pt-PT"/>
+          </a:p>
+        </p:txBody>
+      </p:sp>
+      <p:sp>
+        <p:nvSpPr>
+          <p:cNvPr id="19" name="TextBox 18"/>
+          <p:cNvSpPr txBox="1"/>
+          <p:nvPr/>
+        </p:nvSpPr>
+        <p:spPr>
+          <a:xfrm>
+            <a:off x="4988954" y="2692323"/>
+            <a:ext cx="1152395" cy="261610"/>
+          </a:xfrm>
+          <a:prstGeom prst="rect">
+            <a:avLst/>
+          </a:prstGeom>
+          <a:noFill/>
+        </p:spPr>
+        <p:txBody>
+          <a:bodyPr wrap="square" rtlCol="0">
+            <a:spAutoFit/>
+          </a:bodyPr>
+          <a:lstStyle/>
+          <a:p>
+            <a:r>
+              <a:rPr lang="pt-PT" sz="1050" dirty="0" smtClean="0">
+                <a:latin typeface="Arial" panose="020B0604020202020204" pitchFamily="34" charset="0"/>
+                <a:cs typeface="Arial" panose="020B0604020202020204" pitchFamily="34" charset="0"/>
+              </a:rPr>
+              <a:t>European call</a:t>
+            </a:r>
+            <a:endParaRPr lang="pt-PT" sz="1050" dirty="0">
+              <a:latin typeface="Arial" panose="020B0604020202020204" pitchFamily="34" charset="0"/>
+              <a:cs typeface="Arial" panose="020B0604020202020204" pitchFamily="34" charset="0"/>
+            </a:endParaRPr>
+          </a:p>
+        </p:txBody>
+      </p:sp>
+      <p:sp>
+        <p:nvSpPr>
+          <p:cNvPr id="20" name="TextBox 19"/>
+          <p:cNvSpPr txBox="1"/>
+          <p:nvPr/>
+        </p:nvSpPr>
+        <p:spPr>
+          <a:xfrm>
+            <a:off x="4988954" y="2928230"/>
+            <a:ext cx="1152395" cy="261610"/>
+          </a:xfrm>
+          <a:prstGeom prst="rect">
+            <a:avLst/>
+          </a:prstGeom>
+          <a:noFill/>
+        </p:spPr>
+        <p:txBody>
+          <a:bodyPr wrap="square" rtlCol="0">
+            <a:spAutoFit/>
+          </a:bodyPr>
+          <a:lstStyle/>
+          <a:p>
+            <a:r>
+              <a:rPr lang="pt-PT" sz="1050" dirty="0" smtClean="0">
+                <a:latin typeface="Arial" panose="020B0604020202020204" pitchFamily="34" charset="0"/>
+                <a:cs typeface="Arial" panose="020B0604020202020204" pitchFamily="34" charset="0"/>
+              </a:rPr>
+              <a:t>European put</a:t>
+            </a:r>
+            <a:endParaRPr lang="pt-PT" sz="1050" dirty="0">
+              <a:latin typeface="Arial" panose="020B0604020202020204" pitchFamily="34" charset="0"/>
+              <a:cs typeface="Arial" panose="020B0604020202020204" pitchFamily="34" charset="0"/>
+            </a:endParaRPr>
+          </a:p>
+        </p:txBody>
+      </p:sp>
+      <p:sp>
+        <p:nvSpPr>
+          <p:cNvPr id="21" name="Isosceles Triangle 20"/>
+          <p:cNvSpPr/>
+          <p:nvPr/>
+        </p:nvSpPr>
+        <p:spPr>
+          <a:xfrm>
+            <a:off x="4905582" y="3001367"/>
+            <a:ext cx="115250" cy="99354"/>
+          </a:xfrm>
+          <a:prstGeom prst="triangle">
+            <a:avLst/>
+          </a:prstGeom>
+          <a:solidFill>
+            <a:srgbClr val="0000FF"/>
+          </a:solidFill>
+          <a:ln>
+            <a:noFill/>
+          </a:ln>
+        </p:spPr>
+        <p:style>
+          <a:lnRef idx="2">
+            <a:schemeClr val="accent1">
+              <a:shade val="50000"/>
+            </a:schemeClr>
+          </a:lnRef>
+          <a:fillRef idx="1">
+            <a:schemeClr val="accent1"/>
+          </a:fillRef>
+          <a:effectRef idx="0">
+            <a:schemeClr val="accent1"/>
+          </a:effectRef>
+          <a:fontRef idx="minor">
+            <a:schemeClr val="lt1"/>
+          </a:fontRef>
+        </p:style>
+        <p:txBody>
+          <a:bodyPr rtlCol="0" anchor="ctr"/>
+          <a:lstStyle/>
+          <a:p>
+            <a:pPr algn="ctr"/>
+            <a:endParaRPr lang="pt-PT"/>
+          </a:p>
+        </p:txBody>
+      </p:sp>
+      <mc:AlternateContent xmlns:mc="http://schemas.openxmlformats.org/markup-compatibility/2006" xmlns:a14="http://schemas.microsoft.com/office/drawing/2010/main">
+        <mc:Choice Requires="a14">
+          <p:sp>
+            <p:nvSpPr>
+              <p:cNvPr id="22" name="TextBox 21"/>
+              <p:cNvSpPr txBox="1"/>
+              <p:nvPr/>
+            </p:nvSpPr>
+            <p:spPr>
+              <a:xfrm>
+                <a:off x="3136459" y="5954076"/>
+                <a:ext cx="1480798" cy="341825"/>
+              </a:xfrm>
+              <a:prstGeom prst="rect">
+                <a:avLst/>
+              </a:prstGeom>
+              <a:noFill/>
+            </p:spPr>
+            <p:txBody>
+              <a:bodyPr wrap="square" rtlCol="0">
+                <a:spAutoFit/>
+              </a:bodyPr>
+              <a:lstStyle/>
+              <a:p>
+                <a:r>
+                  <a:rPr lang="pt-PT" sz="1050" dirty="0" smtClean="0">
+                    <a:latin typeface="Arial" panose="020B0604020202020204" pitchFamily="34" charset="0"/>
+                    <a:cs typeface="Arial" panose="020B0604020202020204" pitchFamily="34" charset="0"/>
+                  </a:rPr>
+                  <a:t>Normalized Strike (</a:t>
+                </a:r>
+                <a14:m>
+                  <m:oMath xmlns:m="http://schemas.openxmlformats.org/officeDocument/2006/math">
+                    <m:f>
+                      <m:fPr>
+                        <m:ctrlPr>
+                          <a:rPr lang="pt-PT" sz="1050" b="0" i="1" smtClean="0">
+                            <a:latin typeface="Cambria Math" panose="02040503050406030204" pitchFamily="18" charset="0"/>
+                            <a:cs typeface="Arial" panose="020B0604020202020204" pitchFamily="34" charset="0"/>
+                          </a:rPr>
+                        </m:ctrlPr>
+                      </m:fPr>
+                      <m:num>
+                        <m:r>
+                          <a:rPr lang="pt-PT" sz="1050" b="0" i="1" smtClean="0">
+                            <a:latin typeface="Cambria Math" panose="02040503050406030204" pitchFamily="18" charset="0"/>
+                            <a:cs typeface="Arial" panose="020B0604020202020204" pitchFamily="34" charset="0"/>
+                          </a:rPr>
+                          <m:t>𝐾</m:t>
+                        </m:r>
+                      </m:num>
+                      <m:den>
+                        <m:sSub>
+                          <m:sSubPr>
+                            <m:ctrlPr>
+                              <a:rPr lang="pt-PT" sz="1050" b="0" i="1" smtClean="0">
+                                <a:latin typeface="Cambria Math" panose="02040503050406030204" pitchFamily="18" charset="0"/>
+                                <a:cs typeface="Arial" panose="020B0604020202020204" pitchFamily="34" charset="0"/>
+                              </a:rPr>
+                            </m:ctrlPr>
+                          </m:sSubPr>
+                          <m:e>
+                            <m:r>
+                              <a:rPr lang="pt-PT" sz="1050" b="0" i="1" smtClean="0">
+                                <a:latin typeface="Cambria Math" panose="02040503050406030204" pitchFamily="18" charset="0"/>
+                                <a:cs typeface="Arial" panose="020B0604020202020204" pitchFamily="34" charset="0"/>
+                              </a:rPr>
+                              <m:t>𝑓</m:t>
+                            </m:r>
+                          </m:e>
+                          <m:sub>
+                            <m:r>
+                              <a:rPr lang="pt-PT" sz="1050" b="0" i="1" smtClean="0">
+                                <a:latin typeface="Cambria Math" panose="02040503050406030204" pitchFamily="18" charset="0"/>
+                                <a:cs typeface="Arial" panose="020B0604020202020204" pitchFamily="34" charset="0"/>
+                              </a:rPr>
+                              <m:t>0</m:t>
+                            </m:r>
+                          </m:sub>
+                        </m:sSub>
+                      </m:den>
+                    </m:f>
+                  </m:oMath>
+                </a14:m>
+                <a:r>
+                  <a:rPr lang="pt-PT" sz="1050" dirty="0" smtClean="0">
+                    <a:latin typeface="Arial" panose="020B0604020202020204" pitchFamily="34" charset="0"/>
+                    <a:cs typeface="Arial" panose="020B0604020202020204" pitchFamily="34" charset="0"/>
+                  </a:rPr>
+                  <a:t>)</a:t>
+                </a:r>
+                <a:endParaRPr lang="pt-PT" sz="1050" dirty="0">
+                  <a:latin typeface="Arial" panose="020B0604020202020204" pitchFamily="34" charset="0"/>
+                  <a:cs typeface="Arial" panose="020B0604020202020204" pitchFamily="34" charset="0"/>
+                </a:endParaRPr>
+              </a:p>
+            </p:txBody>
+          </p:sp>
+        </mc:Choice>
+        <mc:Fallback xmlns="">
+          <p:sp>
+            <p:nvSpPr>
+              <p:cNvPr id="22" name="TextBox 21"/>
+              <p:cNvSpPr txBox="1">
+                <a:spLocks noRot="1" noChangeAspect="1" noMove="1" noResize="1" noEditPoints="1" noAdjustHandles="1" noChangeArrowheads="1" noChangeShapeType="1" noTextEdit="1"/>
+              </p:cNvSpPr>
+              <p:nvPr/>
+            </p:nvSpPr>
+            <p:spPr>
+              <a:xfrm>
+                <a:off x="3136459" y="5954076"/>
+                <a:ext cx="1480798" cy="341825"/>
+              </a:xfrm>
+              <a:prstGeom prst="rect">
+                <a:avLst/>
+              </a:prstGeom>
+              <a:blipFill>
+                <a:blip r:embed="rId4"/>
+                <a:stretch>
+                  <a:fillRect/>
+                </a:stretch>
+              </a:blipFill>
+            </p:spPr>
+            <p:txBody>
+              <a:bodyPr/>
+              <a:lstStyle/>
+              <a:p>
+                <a:r>
+                  <a:rPr lang="pt-PT">
+                    <a:noFill/>
+                  </a:rPr>
+                  <a:t> </a:t>
+                </a:r>
+              </a:p>
+            </p:txBody>
+          </p:sp>
+        </mc:Fallback>
+      </mc:AlternateContent>
+      <mc:AlternateContent xmlns:mc="http://schemas.openxmlformats.org/markup-compatibility/2006" xmlns:a14="http://schemas.microsoft.com/office/drawing/2010/main">
+        <mc:Choice Requires="a14">
+          <p:sp>
+            <p:nvSpPr>
+              <p:cNvPr id="23" name="TextBox 22"/>
+              <p:cNvSpPr txBox="1"/>
+              <p:nvPr/>
+            </p:nvSpPr>
+            <p:spPr>
+              <a:xfrm rot="16200000">
+                <a:off x="-141953" y="3305764"/>
+                <a:ext cx="1480798" cy="253916"/>
+              </a:xfrm>
+              <a:prstGeom prst="rect">
+                <a:avLst/>
+              </a:prstGeom>
+              <a:noFill/>
+            </p:spPr>
+            <p:txBody>
+              <a:bodyPr wrap="square" rtlCol="0">
+                <a:spAutoFit/>
+              </a:bodyPr>
+              <a:lstStyle/>
+              <a:p>
+                <a:r>
+                  <a:rPr lang="pt-PT" sz="1050" dirty="0" smtClean="0">
+                    <a:latin typeface="Arial" panose="020B0604020202020204" pitchFamily="34" charset="0"/>
+                    <a:cs typeface="Arial" panose="020B0604020202020204" pitchFamily="34" charset="0"/>
+                  </a:rPr>
+                  <a:t>Volatility (</a:t>
+                </a:r>
+                <a14:m>
+                  <m:oMath xmlns:m="http://schemas.openxmlformats.org/officeDocument/2006/math">
+                    <m:r>
+                      <a:rPr lang="pt-PT" sz="1050" b="0" i="1" smtClean="0">
+                        <a:latin typeface="Cambria Math" panose="02040503050406030204" pitchFamily="18" charset="0"/>
+                        <a:cs typeface="Arial" panose="020B0604020202020204" pitchFamily="34" charset="0"/>
+                      </a:rPr>
+                      <m:t>𝜎</m:t>
+                    </m:r>
+                  </m:oMath>
+                </a14:m>
+                <a:r>
+                  <a:rPr lang="pt-PT" sz="1050" dirty="0" smtClean="0">
+                    <a:latin typeface="Arial" panose="020B0604020202020204" pitchFamily="34" charset="0"/>
+                    <a:cs typeface="Arial" panose="020B0604020202020204" pitchFamily="34" charset="0"/>
+                  </a:rPr>
+                  <a:t>)</a:t>
+                </a:r>
+                <a:endParaRPr lang="pt-PT" sz="1050" dirty="0">
+                  <a:latin typeface="Arial" panose="020B0604020202020204" pitchFamily="34" charset="0"/>
+                  <a:cs typeface="Arial" panose="020B0604020202020204" pitchFamily="34" charset="0"/>
+                </a:endParaRPr>
+              </a:p>
+            </p:txBody>
+          </p:sp>
+        </mc:Choice>
+        <mc:Fallback xmlns="">
+          <p:sp>
+            <p:nvSpPr>
+              <p:cNvPr id="23" name="TextBox 22"/>
+              <p:cNvSpPr txBox="1">
+                <a:spLocks noRot="1" noChangeAspect="1" noMove="1" noResize="1" noEditPoints="1" noAdjustHandles="1" noChangeArrowheads="1" noChangeShapeType="1" noTextEdit="1"/>
+              </p:cNvSpPr>
+              <p:nvPr/>
+            </p:nvSpPr>
+            <p:spPr>
+              <a:xfrm rot="16200000">
+                <a:off x="-141953" y="3305764"/>
+                <a:ext cx="1480798" cy="253916"/>
+              </a:xfrm>
+              <a:prstGeom prst="rect">
+                <a:avLst/>
+              </a:prstGeom>
+              <a:blipFill>
+                <a:blip r:embed="rId5"/>
+                <a:stretch>
+                  <a:fillRect r="-11905"/>
+                </a:stretch>
+              </a:blipFill>
+            </p:spPr>
+            <p:txBody>
+              <a:bodyPr/>
+              <a:lstStyle/>
+              <a:p>
+                <a:r>
+                  <a:rPr lang="pt-PT">
+                    <a:noFill/>
+                  </a:rPr>
+                  <a:t> </a:t>
+                </a:r>
+              </a:p>
+            </p:txBody>
+          </p:sp>
+        </mc:Fallback>
+      </mc:AlternateContent>
+    </p:spTree>
+    <p:extLst>
+      <p:ext uri="{BB962C8B-B14F-4D97-AF65-F5344CB8AC3E}">
+        <p14:creationId xmlns:p14="http://schemas.microsoft.com/office/powerpoint/2010/main" val="2970727599"/>
+      </p:ext>
+    </p:extLst>
+  </p:cSld>
+  <p:clrMapOvr>
+    <a:masterClrMapping/>
+  </p:clrMapOvr>
+</p:sld>
+</file>
+
+<file path=ppt/slides/slide9.xml><?xml version="1.0" encoding="utf-8"?>
+<p:sld xmlns:a="http://schemas.openxmlformats.org/drawingml/2006/main" xmlns:r="http://schemas.openxmlformats.org/officeDocument/2006/relationships" xmlns:p="http://schemas.openxmlformats.org/presentationml/2006/main">
+  <p:cSld>
+    <p:spTree>
+      <p:nvGrpSpPr>
+        <p:cNvPr id="1" name=""/>
+        <p:cNvGrpSpPr/>
+        <p:nvPr/>
+      </p:nvGrpSpPr>
+      <p:grpSpPr>
+        <a:xfrm>
+          <a:off x="0" y="0"/>
+          <a:ext cx="0" cy="0"/>
+          <a:chOff x="0" y="0"/>
+          <a:chExt cx="0" cy="0"/>
+        </a:xfrm>
+      </p:grpSpPr>
+      <p:sp>
+        <p:nvSpPr>
+          <p:cNvPr id="2" name="Title 1"/>
+          <p:cNvSpPr>
+            <a:spLocks noGrp="1"/>
+          </p:cNvSpPr>
+          <p:nvPr>
+            <p:ph type="title"/>
+          </p:nvPr>
+        </p:nvSpPr>
+        <p:spPr/>
+        <p:txBody>
+          <a:bodyPr/>
+          <a:lstStyle/>
+          <a:p>
+            <a:r>
+              <a:rPr lang="pt-PT" dirty="0"/>
+              <a:t>Levenberg Marquat </a:t>
+            </a:r>
+            <a:r>
+              <a:rPr lang="pt-PT" dirty="0" smtClean="0"/>
+              <a:t>Algorithm vs Grid</a:t>
+            </a:r>
+            <a:br>
+              <a:rPr lang="pt-PT" dirty="0" smtClean="0"/>
+            </a:br>
+            <a:r>
+              <a:rPr lang="pt-PT" dirty="0" smtClean="0"/>
+              <a:t>Performance</a:t>
+            </a:r>
+            <a:endParaRPr lang="pt-PT" dirty="0"/>
+          </a:p>
+        </p:txBody>
+      </p:sp>
+      <p:sp>
+        <p:nvSpPr>
+          <p:cNvPr id="4" name="Text Placeholder 3"/>
+          <p:cNvSpPr>
+            <a:spLocks noGrp="1"/>
+          </p:cNvSpPr>
+          <p:nvPr>
+            <p:ph type="body" idx="1"/>
+          </p:nvPr>
+        </p:nvSpPr>
+        <p:spPr/>
+        <p:txBody>
+          <a:bodyPr/>
+          <a:lstStyle/>
+          <a:p>
+            <a:r>
+              <a:rPr lang="pt-PT" dirty="0" smtClean="0"/>
+              <a:t>LMA</a:t>
+            </a:r>
+            <a:endParaRPr lang="pt-PT" dirty="0"/>
+          </a:p>
+        </p:txBody>
+      </p:sp>
+      <mc:AlternateContent xmlns:mc="http://schemas.openxmlformats.org/markup-compatibility/2006" xmlns:a14="http://schemas.microsoft.com/office/drawing/2010/main">
+        <mc:Choice Requires="a14">
+          <p:sp>
+            <p:nvSpPr>
+              <p:cNvPr id="5" name="Content Placeholder 4"/>
+              <p:cNvSpPr>
+                <a:spLocks noGrp="1"/>
+              </p:cNvSpPr>
+              <p:nvPr>
+                <p:ph sz="half" idx="2"/>
+              </p:nvPr>
+            </p:nvSpPr>
+            <p:spPr/>
+            <p:txBody>
+              <a:bodyPr/>
+              <a:lstStyle/>
+              <a:p>
+                <a:r>
+                  <a:rPr lang="pt-PT" dirty="0" smtClean="0"/>
+                  <a:t>Run Time ~ 0.05 s</a:t>
+                </a:r>
+              </a:p>
+              <a:p>
+                <a:r>
+                  <a:rPr lang="pt-PT" dirty="0" smtClean="0"/>
+                  <a:t>Iterations ~ 12</a:t>
+                </a:r>
+              </a:p>
+              <a:p>
+                <a:r>
+                  <a:rPr lang="pt-PT" dirty="0" smtClean="0">
+                    <a:effectLst>
+                      <a:outerShdw blurRad="38100" dist="38100" dir="2700000" algn="tl">
+                        <a:srgbClr val="000000">
+                          <a:alpha val="43137"/>
+                        </a:srgbClr>
+                      </a:outerShdw>
+                    </a:effectLst>
+                  </a:rPr>
+                  <a:t>Mean Residuals ~ 0.44%</a:t>
+                </a:r>
+              </a:p>
+              <a:p>
+                <a14:m>
+                  <m:oMath xmlns:m="http://schemas.openxmlformats.org/officeDocument/2006/math">
+                    <m:r>
+                      <a:rPr lang="pt-PT" b="0" i="1" smtClean="0">
+                        <a:latin typeface="Cambria Math" panose="02040503050406030204" pitchFamily="18" charset="0"/>
+                      </a:rPr>
+                      <m:t>𝛼</m:t>
+                    </m:r>
+                  </m:oMath>
+                </a14:m>
+                <a:r>
+                  <a:rPr lang="pt-PT" dirty="0" smtClean="0"/>
+                  <a:t> error ~ 12%</a:t>
+                </a:r>
+              </a:p>
+              <a:p>
+                <a14:m>
+                  <m:oMath xmlns:m="http://schemas.openxmlformats.org/officeDocument/2006/math">
+                    <m:r>
+                      <a:rPr lang="pt-PT" i="1">
+                        <a:latin typeface="Cambria Math" panose="02040503050406030204" pitchFamily="18" charset="0"/>
+                      </a:rPr>
+                      <m:t>𝜌</m:t>
+                    </m:r>
+                  </m:oMath>
+                </a14:m>
+                <a:r>
+                  <a:rPr lang="pt-PT" dirty="0" smtClean="0"/>
+                  <a:t> error ~ 9%</a:t>
+                </a:r>
+              </a:p>
+              <a:p>
+                <a14:m>
+                  <m:oMath xmlns:m="http://schemas.openxmlformats.org/officeDocument/2006/math">
+                    <m:r>
+                      <a:rPr lang="pt-PT" i="1">
+                        <a:latin typeface="Cambria Math" panose="02040503050406030204" pitchFamily="18" charset="0"/>
+                      </a:rPr>
+                      <m:t>𝜈</m:t>
+                    </m:r>
+                  </m:oMath>
+                </a14:m>
+                <a:r>
+                  <a:rPr lang="pt-PT" dirty="0" smtClean="0"/>
+                  <a:t> error ~ 16%</a:t>
+                </a:r>
+                <a:endParaRPr lang="pt-PT" dirty="0"/>
+              </a:p>
+              <a:p>
+                <a:endParaRPr lang="pt-PT" dirty="0"/>
+              </a:p>
+              <a:p>
+                <a:endParaRPr lang="pt-PT" dirty="0" smtClean="0"/>
+              </a:p>
+              <a:p>
+                <a:endParaRPr lang="pt-PT" dirty="0"/>
+              </a:p>
+              <a:p>
+                <a:endParaRPr lang="pt-PT" dirty="0" smtClean="0"/>
+              </a:p>
+              <a:p>
+                <a:endParaRPr lang="pt-PT" dirty="0"/>
+              </a:p>
+            </p:txBody>
+          </p:sp>
+        </mc:Choice>
+        <mc:Fallback xmlns="">
+          <p:sp>
+            <p:nvSpPr>
+              <p:cNvPr id="5" name="Content Placeholder 4"/>
+              <p:cNvSpPr>
+                <a:spLocks noGrp="1" noRot="1" noChangeAspect="1" noMove="1" noResize="1" noEditPoints="1" noAdjustHandles="1" noChangeArrowheads="1" noChangeShapeType="1" noTextEdit="1"/>
+              </p:cNvSpPr>
+              <p:nvPr>
+                <p:ph sz="half" idx="2"/>
+              </p:nvPr>
+            </p:nvSpPr>
+            <p:spPr>
+              <a:blipFill>
+                <a:blip r:embed="rId2"/>
+                <a:stretch>
+                  <a:fillRect l="-437" t="-1107"/>
+                </a:stretch>
+              </a:blipFill>
+            </p:spPr>
+            <p:txBody>
+              <a:bodyPr/>
+              <a:lstStyle/>
+              <a:p>
+                <a:r>
+                  <a:rPr lang="pt-PT">
+                    <a:noFill/>
+                  </a:rPr>
+                  <a:t> </a:t>
+                </a:r>
+              </a:p>
+            </p:txBody>
+          </p:sp>
+        </mc:Fallback>
+      </mc:AlternateContent>
+      <p:sp>
+        <p:nvSpPr>
+          <p:cNvPr id="6" name="Text Placeholder 5"/>
+          <p:cNvSpPr>
+            <a:spLocks noGrp="1"/>
+          </p:cNvSpPr>
+          <p:nvPr>
+            <p:ph type="body" sz="quarter" idx="3"/>
+          </p:nvPr>
+        </p:nvSpPr>
+        <p:spPr/>
+        <p:txBody>
+          <a:bodyPr/>
+          <a:lstStyle/>
+          <a:p>
+            <a:r>
+              <a:rPr lang="pt-PT" dirty="0" smtClean="0"/>
+              <a:t>Grid</a:t>
+            </a:r>
+            <a:endParaRPr lang="pt-PT" dirty="0"/>
+          </a:p>
+        </p:txBody>
+      </p:sp>
+      <mc:AlternateContent xmlns:mc="http://schemas.openxmlformats.org/markup-compatibility/2006" xmlns:a14="http://schemas.microsoft.com/office/drawing/2010/main">
+        <mc:Choice Requires="a14">
+          <p:sp>
+            <p:nvSpPr>
+              <p:cNvPr id="7" name="Content Placeholder 6"/>
+              <p:cNvSpPr>
+                <a:spLocks noGrp="1"/>
+              </p:cNvSpPr>
+              <p:nvPr>
+                <p:ph sz="quarter" idx="4"/>
+              </p:nvPr>
+            </p:nvSpPr>
+            <p:spPr/>
+            <p:txBody>
+              <a:bodyPr/>
+              <a:lstStyle/>
+              <a:p>
+                <a:r>
+                  <a:rPr lang="pt-PT" dirty="0"/>
+                  <a:t>Run Time ~ </a:t>
+                </a:r>
+                <a:r>
+                  <a:rPr lang="pt-PT" dirty="0" smtClean="0"/>
+                  <a:t>85 s</a:t>
+                </a:r>
+                <a:endParaRPr lang="pt-PT" dirty="0"/>
+              </a:p>
+              <a:p>
+                <a:r>
+                  <a:rPr lang="pt-PT" dirty="0" smtClean="0"/>
+                  <a:t>Iterations ~ 2E5</a:t>
+                </a:r>
+                <a:endParaRPr lang="pt-PT" dirty="0"/>
+              </a:p>
+              <a:p>
+                <a:r>
+                  <a:rPr lang="pt-PT" dirty="0" smtClean="0">
+                    <a:effectLst>
+                      <a:outerShdw blurRad="38100" dist="38100" dir="2700000" algn="tl">
+                        <a:srgbClr val="000000">
+                          <a:alpha val="43137"/>
+                        </a:srgbClr>
+                      </a:outerShdw>
+                    </a:effectLst>
+                  </a:rPr>
+                  <a:t>Mean Residuals ~ 0.07%</a:t>
+                </a:r>
+              </a:p>
+              <a:p>
+                <a14:m>
+                  <m:oMath xmlns:m="http://schemas.openxmlformats.org/officeDocument/2006/math">
+                    <m:r>
+                      <a:rPr lang="pt-PT" i="1">
+                        <a:latin typeface="Cambria Math" panose="02040503050406030204" pitchFamily="18" charset="0"/>
+                      </a:rPr>
+                      <m:t>𝛼</m:t>
+                    </m:r>
+                  </m:oMath>
+                </a14:m>
+                <a:r>
+                  <a:rPr lang="pt-PT" dirty="0"/>
+                  <a:t> error ~ </a:t>
+                </a:r>
+                <a:r>
+                  <a:rPr lang="pt-PT" dirty="0" smtClean="0"/>
+                  <a:t>0%</a:t>
+                </a:r>
+              </a:p>
+              <a:p>
+                <a14:m>
+                  <m:oMath xmlns:m="http://schemas.openxmlformats.org/officeDocument/2006/math">
+                    <m:r>
+                      <a:rPr lang="pt-PT" i="1">
+                        <a:latin typeface="Cambria Math" panose="02040503050406030204" pitchFamily="18" charset="0"/>
+                      </a:rPr>
+                      <m:t>𝜌</m:t>
+                    </m:r>
+                  </m:oMath>
+                </a14:m>
+                <a:r>
+                  <a:rPr lang="pt-PT" dirty="0"/>
+                  <a:t> error ~9</a:t>
+                </a:r>
+                <a:r>
+                  <a:rPr lang="pt-PT" dirty="0" smtClean="0"/>
+                  <a:t>%</a:t>
+                </a:r>
+              </a:p>
+              <a:p>
+                <a14:m>
+                  <m:oMath xmlns:m="http://schemas.openxmlformats.org/officeDocument/2006/math">
+                    <m:r>
+                      <a:rPr lang="pt-PT" i="1">
+                        <a:latin typeface="Cambria Math" panose="02040503050406030204" pitchFamily="18" charset="0"/>
+                      </a:rPr>
+                      <m:t>𝜈</m:t>
+                    </m:r>
+                  </m:oMath>
+                </a14:m>
+                <a:r>
+                  <a:rPr lang="pt-PT" dirty="0"/>
+                  <a:t> error ~ 16%</a:t>
+                </a:r>
+              </a:p>
+              <a:p>
+                <a:endParaRPr lang="pt-PT" dirty="0"/>
+              </a:p>
+              <a:p>
+                <a:endParaRPr lang="pt-PT" dirty="0"/>
+              </a:p>
+              <a:p>
+                <a:endParaRPr lang="pt-PT" dirty="0"/>
+              </a:p>
+            </p:txBody>
+          </p:sp>
+        </mc:Choice>
+        <mc:Fallback xmlns="">
+          <p:sp>
+            <p:nvSpPr>
+              <p:cNvPr id="7" name="Content Placeholder 6"/>
+              <p:cNvSpPr>
+                <a:spLocks noGrp="1" noRot="1" noChangeAspect="1" noMove="1" noResize="1" noEditPoints="1" noAdjustHandles="1" noChangeArrowheads="1" noChangeShapeType="1" noTextEdit="1"/>
+              </p:cNvSpPr>
+              <p:nvPr>
+                <p:ph sz="quarter" idx="4"/>
+              </p:nvPr>
+            </p:nvSpPr>
+            <p:spPr>
+              <a:blipFill>
+                <a:blip r:embed="rId3"/>
+                <a:stretch>
+                  <a:fillRect l="-583" t="-1107"/>
+                </a:stretch>
+              </a:blipFill>
+            </p:spPr>
+            <p:txBody>
+              <a:bodyPr/>
+              <a:lstStyle/>
+              <a:p>
+                <a:r>
+                  <a:rPr lang="pt-PT">
+                    <a:noFill/>
+                  </a:rPr>
+                  <a:t> </a:t>
+                </a:r>
+              </a:p>
+            </p:txBody>
+          </p:sp>
+        </mc:Fallback>
+      </mc:AlternateContent>
+    </p:spTree>
+    <p:extLst>
+      <p:ext uri="{BB962C8B-B14F-4D97-AF65-F5344CB8AC3E}">
+        <p14:creationId xmlns:p14="http://schemas.microsoft.com/office/powerpoint/2010/main" val="2583703593"/>
+      </p:ext>
+    </p:extLst>
+  </p:cSld>
+  <p:clrMapOvr>
+    <a:masterClrMapping/>
+  </p:clrMapOvr>
+</p:sld>
+</file>
+
 <file path=ppt/theme/theme1.xml><?xml version="1.0" encoding="utf-8"?>
 <a:theme xmlns:a="http://schemas.openxmlformats.org/drawingml/2006/main" name="Facet">
   <a:themeElements>

--- a/PPTs/Fitting the Smile.pptx
+++ b/PPTs/Fitting the Smile.pptx
@@ -21877,557 +21877,647 @@
                   <a:buNone/>
                 </a:pPr>
                 <a14:m>
-                  <m:oMath xmlns:m="http://schemas.openxmlformats.org/officeDocument/2006/math">
-                    <m:f>
-                      <m:fPr>
-                        <m:ctrlPr>
-                          <a:rPr lang="pt-PT" sz="1400" i="1" smtClean="0">
-                            <a:solidFill>
-                              <a:prstClr val="black">
-                                <a:lumMod val="75000"/>
-                                <a:lumOff val="25000"/>
-                              </a:prstClr>
-                            </a:solidFill>
-                            <a:latin typeface="Cambria Math" panose="02040503050406030204" pitchFamily="18" charset="0"/>
-                          </a:rPr>
-                        </m:ctrlPr>
-                      </m:fPr>
-                      <m:num>
-                        <m:r>
-                          <a:rPr lang="pt-PT" sz="1400" b="0" i="1" smtClean="0">
-                            <a:solidFill>
-                              <a:prstClr val="black">
-                                <a:lumMod val="75000"/>
-                                <a:lumOff val="25000"/>
-                              </a:prstClr>
-                            </a:solidFill>
-                            <a:latin typeface="Cambria Math" panose="02040503050406030204" pitchFamily="18" charset="0"/>
-                          </a:rPr>
-                          <m:t>−</m:t>
-                        </m:r>
-                        <m:r>
-                          <a:rPr lang="pt-PT" sz="1400" i="1">
-                            <a:solidFill>
-                              <a:prstClr val="black">
-                                <a:lumMod val="75000"/>
-                                <a:lumOff val="25000"/>
-                              </a:prstClr>
-                            </a:solidFill>
-                            <a:latin typeface="Cambria Math" panose="02040503050406030204" pitchFamily="18" charset="0"/>
-                          </a:rPr>
-                          <m:t>𝜕</m:t>
-                        </m:r>
-                        <m:sSub>
-                          <m:sSubPr>
-                            <m:ctrlPr>
-                              <a:rPr lang="pt-PT" sz="1400" i="1">
-                                <a:solidFill>
-                                  <a:prstClr val="black">
-                                    <a:lumMod val="75000"/>
-                                    <a:lumOff val="25000"/>
-                                  </a:prstClr>
-                                </a:solidFill>
-                                <a:latin typeface="Cambria Math" panose="02040503050406030204" pitchFamily="18" charset="0"/>
-                              </a:rPr>
-                            </m:ctrlPr>
-                          </m:sSubPr>
-                          <m:e>
-                            <m:r>
-                              <a:rPr lang="pt-PT" sz="1400" i="1">
-                                <a:solidFill>
-                                  <a:prstClr val="black">
-                                    <a:lumMod val="75000"/>
-                                    <a:lumOff val="25000"/>
-                                  </a:prstClr>
-                                </a:solidFill>
-                                <a:latin typeface="Cambria Math" panose="02040503050406030204" pitchFamily="18" charset="0"/>
-                              </a:rPr>
-                              <m:t>𝜎</m:t>
-                            </m:r>
-                          </m:e>
-                          <m:sub>
-                            <m:r>
-                              <a:rPr lang="pt-PT" sz="1400" i="1">
-                                <a:solidFill>
-                                  <a:prstClr val="black">
-                                    <a:lumMod val="75000"/>
-                                    <a:lumOff val="25000"/>
-                                  </a:prstClr>
-                                </a:solidFill>
-                                <a:latin typeface="Cambria Math" panose="02040503050406030204" pitchFamily="18" charset="0"/>
-                              </a:rPr>
-                              <m:t>𝑆𝐴𝐵𝑅</m:t>
-                            </m:r>
-                          </m:sub>
-                        </m:sSub>
-                        <m:d>
-                          <m:dPr>
-                            <m:ctrlPr>
-                              <a:rPr lang="pt-PT" sz="1400" i="1">
-                                <a:solidFill>
-                                  <a:prstClr val="black">
-                                    <a:lumMod val="75000"/>
-                                    <a:lumOff val="25000"/>
-                                  </a:prstClr>
-                                </a:solidFill>
-                                <a:latin typeface="Cambria Math" panose="02040503050406030204" pitchFamily="18" charset="0"/>
-                              </a:rPr>
-                            </m:ctrlPr>
-                          </m:dPr>
-                          <m:e>
-                            <m:r>
-                              <a:rPr lang="pt-PT" sz="1400" i="1">
-                                <a:solidFill>
-                                  <a:prstClr val="black">
-                                    <a:lumMod val="75000"/>
-                                    <a:lumOff val="25000"/>
-                                  </a:prstClr>
-                                </a:solidFill>
-                                <a:latin typeface="Cambria Math" panose="02040503050406030204" pitchFamily="18" charset="0"/>
-                              </a:rPr>
-                              <m:t>𝛼</m:t>
-                            </m:r>
-                            <m:r>
-                              <a:rPr lang="pt-PT" sz="1400" i="1">
-                                <a:solidFill>
-                                  <a:prstClr val="black">
-                                    <a:lumMod val="75000"/>
-                                    <a:lumOff val="25000"/>
-                                  </a:prstClr>
-                                </a:solidFill>
-                                <a:latin typeface="Cambria Math" panose="02040503050406030204" pitchFamily="18" charset="0"/>
-                              </a:rPr>
-                              <m:t>, </m:t>
-                            </m:r>
-                            <m:r>
-                              <a:rPr lang="pt-PT" sz="1400" i="1">
-                                <a:solidFill>
-                                  <a:prstClr val="black">
-                                    <a:lumMod val="75000"/>
-                                    <a:lumOff val="25000"/>
-                                  </a:prstClr>
-                                </a:solidFill>
-                                <a:latin typeface="Cambria Math" panose="02040503050406030204" pitchFamily="18" charset="0"/>
-                              </a:rPr>
-                              <m:t>𝛽</m:t>
-                            </m:r>
-                            <m:r>
-                              <a:rPr lang="pt-PT" sz="1400" i="1">
-                                <a:solidFill>
-                                  <a:prstClr val="black">
-                                    <a:lumMod val="75000"/>
-                                    <a:lumOff val="25000"/>
-                                  </a:prstClr>
-                                </a:solidFill>
-                                <a:latin typeface="Cambria Math" panose="02040503050406030204" pitchFamily="18" charset="0"/>
-                              </a:rPr>
-                              <m:t>,</m:t>
-                            </m:r>
-                            <m:r>
-                              <a:rPr lang="pt-PT" sz="1400" i="1">
-                                <a:solidFill>
-                                  <a:prstClr val="black">
-                                    <a:lumMod val="75000"/>
-                                    <a:lumOff val="25000"/>
-                                  </a:prstClr>
-                                </a:solidFill>
-                                <a:latin typeface="Cambria Math" panose="02040503050406030204" pitchFamily="18" charset="0"/>
-                              </a:rPr>
-                              <m:t>𝜈</m:t>
-                            </m:r>
-                            <m:r>
-                              <a:rPr lang="pt-PT" sz="1400" i="1">
-                                <a:solidFill>
-                                  <a:prstClr val="black">
-                                    <a:lumMod val="75000"/>
-                                    <a:lumOff val="25000"/>
-                                  </a:prstClr>
-                                </a:solidFill>
-                                <a:latin typeface="Cambria Math" panose="02040503050406030204" pitchFamily="18" charset="0"/>
-                              </a:rPr>
-                              <m:t>,</m:t>
-                            </m:r>
-                            <m:r>
-                              <a:rPr lang="pt-PT" sz="1400" b="0" i="1" smtClean="0">
-                                <a:solidFill>
-                                  <a:prstClr val="black">
-                                    <a:lumMod val="75000"/>
-                                    <a:lumOff val="25000"/>
-                                  </a:prstClr>
-                                </a:solidFill>
-                                <a:latin typeface="Cambria Math" panose="02040503050406030204" pitchFamily="18" charset="0"/>
-                              </a:rPr>
-                              <m:t>𝜌</m:t>
-                            </m:r>
-                            <m:r>
-                              <a:rPr lang="pt-PT" sz="1400" i="1">
-                                <a:solidFill>
-                                  <a:prstClr val="black">
-                                    <a:lumMod val="75000"/>
-                                    <a:lumOff val="25000"/>
-                                  </a:prstClr>
-                                </a:solidFill>
-                                <a:latin typeface="Cambria Math" panose="02040503050406030204" pitchFamily="18" charset="0"/>
-                              </a:rPr>
-                              <m:t>, </m:t>
-                            </m:r>
-                            <m:r>
-                              <a:rPr lang="pt-PT" sz="1400" i="1">
-                                <a:solidFill>
-                                  <a:prstClr val="black">
-                                    <a:lumMod val="75000"/>
-                                    <a:lumOff val="25000"/>
-                                  </a:prstClr>
-                                </a:solidFill>
-                                <a:latin typeface="Cambria Math" panose="02040503050406030204" pitchFamily="18" charset="0"/>
-                              </a:rPr>
-                              <m:t>𝐾</m:t>
-                            </m:r>
-                            <m:r>
-                              <a:rPr lang="pt-PT" sz="1400" i="1">
-                                <a:solidFill>
-                                  <a:prstClr val="black">
-                                    <a:lumMod val="75000"/>
-                                    <a:lumOff val="25000"/>
-                                  </a:prstClr>
-                                </a:solidFill>
-                                <a:latin typeface="Cambria Math" panose="02040503050406030204" pitchFamily="18" charset="0"/>
-                              </a:rPr>
-                              <m:t>, </m:t>
-                            </m:r>
-                            <m:r>
-                              <a:rPr lang="pt-PT" sz="1400" i="1">
-                                <a:solidFill>
-                                  <a:prstClr val="black">
-                                    <a:lumMod val="75000"/>
-                                    <a:lumOff val="25000"/>
-                                  </a:prstClr>
-                                </a:solidFill>
-                                <a:latin typeface="Cambria Math" panose="02040503050406030204" pitchFamily="18" charset="0"/>
-                              </a:rPr>
-                              <m:t>𝑓</m:t>
-                            </m:r>
-                          </m:e>
-                        </m:d>
-                      </m:num>
-                      <m:den>
-                        <m:r>
-                          <a:rPr lang="pt-PT" sz="1400" i="1">
-                            <a:solidFill>
-                              <a:prstClr val="black">
-                                <a:lumMod val="75000"/>
-                                <a:lumOff val="25000"/>
-                              </a:prstClr>
-                            </a:solidFill>
-                            <a:latin typeface="Cambria Math" panose="02040503050406030204" pitchFamily="18" charset="0"/>
-                          </a:rPr>
-                          <m:t>𝜕</m:t>
-                        </m:r>
-                        <m:r>
-                          <a:rPr lang="pt-PT" sz="1400" i="1">
-                            <a:solidFill>
-                              <a:prstClr val="black">
-                                <a:lumMod val="75000"/>
-                                <a:lumOff val="25000"/>
-                              </a:prstClr>
-                            </a:solidFill>
-                            <a:latin typeface="Cambria Math" panose="02040503050406030204" pitchFamily="18" charset="0"/>
-                          </a:rPr>
-                          <m:t>𝐾</m:t>
-                        </m:r>
-                      </m:den>
-                    </m:f>
-                    <m:sSub>
-                      <m:sSubPr>
-                        <m:ctrlPr>
-                          <a:rPr lang="pt-PT" sz="1400" b="0" i="1" smtClean="0">
-                            <a:solidFill>
-                              <a:prstClr val="black">
-                                <a:lumMod val="75000"/>
-                                <a:lumOff val="25000"/>
-                              </a:prstClr>
-                            </a:solidFill>
-                            <a:latin typeface="Cambria Math" panose="02040503050406030204" pitchFamily="18" charset="0"/>
-                          </a:rPr>
-                        </m:ctrlPr>
-                      </m:sSubPr>
-                      <m:e>
-                        <m:d>
-                          <m:dPr>
-                            <m:begChr m:val=""/>
-                            <m:endChr m:val="|"/>
-                            <m:ctrlPr>
-                              <a:rPr lang="pt-PT" sz="1400" b="0" i="1" smtClean="0">
-                                <a:solidFill>
-                                  <a:prstClr val="black">
-                                    <a:lumMod val="75000"/>
-                                    <a:lumOff val="25000"/>
-                                  </a:prstClr>
-                                </a:solidFill>
-                                <a:latin typeface="Cambria Math" panose="02040503050406030204" pitchFamily="18" charset="0"/>
-                              </a:rPr>
-                            </m:ctrlPr>
-                          </m:dPr>
-                          <m:e>
-                            <m:r>
-                              <a:rPr lang="pt-PT" sz="1400">
-                                <a:latin typeface="Cambria Math" panose="02040503050406030204" pitchFamily="18" charset="0"/>
-                              </a:rPr>
-                              <m:t>​</m:t>
-                            </m:r>
-                          </m:e>
-                        </m:d>
-                      </m:e>
-                      <m:sub>
-                        <m:r>
-                          <a:rPr lang="pt-PT" sz="1400" b="0" i="1" smtClean="0">
-                            <a:solidFill>
-                              <a:prstClr val="black">
-                                <a:lumMod val="75000"/>
-                                <a:lumOff val="25000"/>
-                              </a:prstClr>
-                            </a:solidFill>
-                            <a:latin typeface="Cambria Math" panose="02040503050406030204" pitchFamily="18" charset="0"/>
-                          </a:rPr>
-                          <m:t>𝐾</m:t>
-                        </m:r>
-                        <m:r>
-                          <a:rPr lang="pt-PT" sz="1400" b="0" i="1" smtClean="0">
-                            <a:solidFill>
-                              <a:prstClr val="black">
-                                <a:lumMod val="75000"/>
-                                <a:lumOff val="25000"/>
-                              </a:prstClr>
-                            </a:solidFill>
-                            <a:latin typeface="Cambria Math" panose="02040503050406030204" pitchFamily="18" charset="0"/>
-                          </a:rPr>
-                          <m:t>=</m:t>
-                        </m:r>
-                        <m:r>
-                          <a:rPr lang="pt-PT" sz="1400" b="0" i="1" smtClean="0">
-                            <a:solidFill>
-                              <a:prstClr val="black">
-                                <a:lumMod val="75000"/>
-                                <a:lumOff val="25000"/>
-                              </a:prstClr>
-                            </a:solidFill>
-                            <a:latin typeface="Cambria Math" panose="02040503050406030204" pitchFamily="18" charset="0"/>
-                          </a:rPr>
-                          <m:t>𝑓</m:t>
-                        </m:r>
-                      </m:sub>
-                    </m:sSub>
-                    <m:r>
-                      <a:rPr lang="pt-PT" sz="1400" b="0" i="1" smtClean="0">
-                        <a:solidFill>
-                          <a:prstClr val="black">
-                            <a:lumMod val="75000"/>
-                            <a:lumOff val="25000"/>
-                          </a:prstClr>
-                        </a:solidFill>
-                        <a:latin typeface="Cambria Math" panose="02040503050406030204" pitchFamily="18" charset="0"/>
-                      </a:rPr>
-                      <m:t>=</m:t>
-                    </m:r>
-                    <m:r>
-                      <a:rPr lang="pt-PT" sz="1400" i="1" dirty="0"/>
-                      <m:t>1/24 </m:t>
-                    </m:r>
-                    <m:r>
-                      <a:rPr lang="pt-PT" sz="1400" b="0" i="1" dirty="0" smtClean="0">
-                        <a:latin typeface="Cambria Math" panose="02040503050406030204" pitchFamily="18" charset="0"/>
-                      </a:rPr>
-                      <m:t>𝛼</m:t>
-                    </m:r>
-                    <m:r>
-                      <a:rPr lang="pt-PT" sz="1400" i="1" dirty="0"/>
-                      <m:t> </m:t>
-                    </m:r>
-                    <m:d>
-                      <m:dPr>
-                        <m:ctrlPr>
-                          <a:rPr lang="pt-PT" sz="1400" b="0" i="1" dirty="0" smtClean="0">
-                            <a:latin typeface="Cambria Math" panose="02040503050406030204" pitchFamily="18" charset="0"/>
-                          </a:rPr>
-                        </m:ctrlPr>
-                      </m:dPr>
-                      <m:e>
-                        <m:r>
-                          <a:rPr lang="pt-PT" sz="1400" i="1" dirty="0"/>
-                          <m:t>−1+</m:t>
-                        </m:r>
-                        <m:r>
-                          <a:rPr lang="pt-PT" sz="1400" b="0" i="1" dirty="0" smtClean="0">
-                            <a:latin typeface="Cambria Math" panose="02040503050406030204" pitchFamily="18" charset="0"/>
-                          </a:rPr>
-                          <m:t>𝛽</m:t>
-                        </m:r>
-                      </m:e>
-                    </m:d>
-                    <m:sSup>
-                      <m:sSupPr>
-                        <m:ctrlPr>
-                          <a:rPr lang="pt-PT" sz="1400" b="0" i="1" dirty="0" smtClean="0">
-                            <a:latin typeface="Cambria Math" panose="02040503050406030204" pitchFamily="18" charset="0"/>
-                          </a:rPr>
-                        </m:ctrlPr>
-                      </m:sSupPr>
-                      <m:e>
-                        <m:r>
-                          <a:rPr lang="pt-PT" sz="1400" i="1" dirty="0"/>
-                          <m:t>𝑓</m:t>
-                        </m:r>
-                      </m:e>
-                      <m:sup>
-                        <m:r>
-                          <a:rPr lang="pt-PT" sz="1400" b="0" i="1" dirty="0" smtClean="0">
-                            <a:latin typeface="Cambria Math" panose="02040503050406030204" pitchFamily="18" charset="0"/>
-                          </a:rPr>
-                          <m:t>−4+</m:t>
-                        </m:r>
-                        <m:r>
-                          <a:rPr lang="pt-PT" sz="1400" b="0" i="1" dirty="0" smtClean="0">
-                            <a:latin typeface="Cambria Math" panose="02040503050406030204" pitchFamily="18" charset="0"/>
-                          </a:rPr>
-                          <m:t>𝛽</m:t>
-                        </m:r>
-                      </m:sup>
-                    </m:sSup>
-                    <m:r>
-                      <a:rPr lang="pt-PT" sz="1400" i="1" baseline="30000" dirty="0" smtClean="0"/>
-                      <m:t> </m:t>
-                    </m:r>
-                    <m:r>
-                      <a:rPr lang="pt-PT" sz="1400" i="1" dirty="0"/>
-                      <m:t>(2</m:t>
-                    </m:r>
-                    <m:r>
-                      <a:rPr lang="pt-PT" sz="1400" b="0" i="1" dirty="0" smtClean="0">
-                        <a:latin typeface="Cambria Math" panose="02040503050406030204" pitchFamily="18" charset="0"/>
-                      </a:rPr>
-                      <m:t>𝛼</m:t>
-                    </m:r>
-                    <m:sSup>
-                      <m:sSupPr>
-                        <m:ctrlPr>
-                          <a:rPr lang="pt-PT" sz="1400" b="0" i="1" dirty="0" smtClean="0">
-                            <a:latin typeface="Cambria Math" panose="02040503050406030204" pitchFamily="18" charset="0"/>
-                          </a:rPr>
-                        </m:ctrlPr>
-                      </m:sSupPr>
-                      <m:e>
-                        <m:r>
-                          <a:rPr lang="pt-PT" sz="1400" i="1" dirty="0"/>
-                          <m:t>𝑓</m:t>
-                        </m:r>
-                      </m:e>
-                      <m:sup>
-                        <m:r>
-                          <a:rPr lang="pt-PT" sz="1400" i="1" dirty="0"/>
-                          <m:t>2</m:t>
-                        </m:r>
-                        <m:r>
-                          <a:rPr lang="pt-PT" sz="1400" b="0" i="1" dirty="0" smtClean="0">
-                            <a:latin typeface="Cambria Math" panose="02040503050406030204" pitchFamily="18" charset="0"/>
-                          </a:rPr>
-                          <m:t>𝛽</m:t>
-                        </m:r>
-                      </m:sup>
-                    </m:sSup>
-                    <m:r>
-                      <a:rPr lang="pt-PT" sz="1400" i="1" dirty="0"/>
-                      <m:t> </m:t>
-                    </m:r>
-                    <m:r>
-                      <a:rPr lang="pt-PT" sz="1400" i="1" dirty="0"/>
-                      <m:t>𝑇</m:t>
-                    </m:r>
-                    <m:r>
-                      <a:rPr lang="pt-PT" sz="1400" i="1" dirty="0"/>
-                      <m:t>(</m:t>
-                    </m:r>
-                    <m:r>
-                      <a:rPr lang="pt-PT" sz="1400" b="0" i="1" dirty="0" smtClean="0">
-                        <a:latin typeface="Cambria Math" panose="02040503050406030204" pitchFamily="18" charset="0"/>
-                      </a:rPr>
-                      <m:t>𝛼</m:t>
-                    </m:r>
-                    <m:r>
-                      <a:rPr lang="pt-PT" sz="1400" i="1" dirty="0"/>
-                      <m:t>(−1+</m:t>
-                    </m:r>
-                    <m:r>
-                      <a:rPr lang="pt-PT" sz="1400" b="0" i="1" dirty="0" smtClean="0">
-                        <a:latin typeface="Cambria Math" panose="02040503050406030204" pitchFamily="18" charset="0"/>
-                      </a:rPr>
-                      <m:t>𝛽</m:t>
-                    </m:r>
-                    <m:r>
-                      <a:rPr lang="pt-PT" sz="1400" i="1" dirty="0"/>
-                      <m:t>)</m:t>
-                    </m:r>
-                    <m:r>
-                      <a:rPr lang="pt-PT" sz="1400" i="1" baseline="30000" dirty="0"/>
-                      <m:t>2</m:t>
-                    </m:r>
-                    <m:r>
-                      <a:rPr lang="pt-PT" sz="1400" i="1" dirty="0"/>
-                      <m:t>+12</m:t>
-                    </m:r>
-                    <m:r>
-                      <a:rPr lang="pt-PT" sz="1400" b="0" i="1" dirty="0" smtClean="0">
-                        <a:latin typeface="Cambria Math" panose="02040503050406030204" pitchFamily="18" charset="0"/>
-                      </a:rPr>
-                      <m:t>𝛽𝜌</m:t>
-                    </m:r>
-                    <m:r>
-                      <a:rPr lang="pt-PT" sz="1400" i="1" dirty="0"/>
-                      <m:t>𝑣</m:t>
-                    </m:r>
-                    <m:r>
-                      <a:rPr lang="pt-PT" sz="1400" i="1" dirty="0"/>
-                      <m:t>)+</m:t>
-                    </m:r>
-                    <m:r>
-                      <a:rPr lang="pt-PT" sz="1400" i="1" dirty="0"/>
-                      <m:t>𝑓</m:t>
-                    </m:r>
-                    <m:r>
-                      <a:rPr lang="pt-PT" sz="1400" i="1" baseline="30000" dirty="0"/>
-                      <m:t>2</m:t>
-                    </m:r>
-                    <m:r>
-                      <a:rPr lang="pt-PT" sz="1400" i="1" dirty="0"/>
-                      <m:t>(24+(2−3</m:t>
-                    </m:r>
-                    <m:r>
-                      <a:rPr lang="pt-PT" sz="1400" b="0" i="1" dirty="0" smtClean="0">
-                        <a:latin typeface="Cambria Math" panose="02040503050406030204" pitchFamily="18" charset="0"/>
-                      </a:rPr>
-                      <m:t>𝜌</m:t>
-                    </m:r>
-                    <m:r>
-                      <a:rPr lang="pt-PT" sz="1400" i="1" baseline="30000" dirty="0"/>
-                      <m:t>2</m:t>
-                    </m:r>
-                    <m:r>
-                      <a:rPr lang="pt-PT" sz="1400" i="1" dirty="0"/>
-                      <m:t>) </m:t>
-                    </m:r>
-                    <m:r>
-                      <a:rPr lang="pt-PT" sz="1400" i="1" dirty="0"/>
-                      <m:t>𝑇𝑣</m:t>
-                    </m:r>
-                    <m:r>
-                      <a:rPr lang="pt-PT" sz="1400" i="1" baseline="30000" dirty="0"/>
-                      <m:t>2</m:t>
-                    </m:r>
-                    <m:r>
-                      <a:rPr lang="pt-PT" sz="1400" i="1" dirty="0"/>
-                      <m:t>))</m:t>
-                    </m:r>
-                  </m:oMath>
+                  <m:oMathPara xmlns:m="http://schemas.openxmlformats.org/officeDocument/2006/math">
+                    <m:oMathParaPr>
+                      <m:jc m:val="centerGroup"/>
+                    </m:oMathParaPr>
+                    <m:oMath xmlns:m="http://schemas.openxmlformats.org/officeDocument/2006/math">
+                      <m:f>
+                        <m:fPr>
+                          <m:ctrlPr>
+                            <a:rPr lang="pt-PT" sz="1400" i="1" smtClean="0">
+                              <a:solidFill>
+                                <a:prstClr val="black">
+                                  <a:lumMod val="75000"/>
+                                  <a:lumOff val="25000"/>
+                                </a:prstClr>
+                              </a:solidFill>
+                              <a:latin typeface="Cambria Math" panose="02040503050406030204" pitchFamily="18" charset="0"/>
+                            </a:rPr>
+                          </m:ctrlPr>
+                        </m:fPr>
+                        <m:num>
+                          <m:r>
+                            <a:rPr lang="pt-PT" sz="1400" b="0" i="1" smtClean="0">
+                              <a:solidFill>
+                                <a:prstClr val="black">
+                                  <a:lumMod val="75000"/>
+                                  <a:lumOff val="25000"/>
+                                </a:prstClr>
+                              </a:solidFill>
+                              <a:latin typeface="Cambria Math" panose="02040503050406030204" pitchFamily="18" charset="0"/>
+                            </a:rPr>
+                            <m:t>−</m:t>
+                          </m:r>
+                          <m:r>
+                            <a:rPr lang="pt-PT" sz="1400" i="1">
+                              <a:solidFill>
+                                <a:prstClr val="black">
+                                  <a:lumMod val="75000"/>
+                                  <a:lumOff val="25000"/>
+                                </a:prstClr>
+                              </a:solidFill>
+                              <a:latin typeface="Cambria Math" panose="02040503050406030204" pitchFamily="18" charset="0"/>
+                            </a:rPr>
+                            <m:t>𝜕</m:t>
+                          </m:r>
+                          <m:sSub>
+                            <m:sSubPr>
+                              <m:ctrlPr>
+                                <a:rPr lang="pt-PT" sz="1400" i="1">
+                                  <a:solidFill>
+                                    <a:prstClr val="black">
+                                      <a:lumMod val="75000"/>
+                                      <a:lumOff val="25000"/>
+                                    </a:prstClr>
+                                  </a:solidFill>
+                                  <a:latin typeface="Cambria Math" panose="02040503050406030204" pitchFamily="18" charset="0"/>
+                                </a:rPr>
+                              </m:ctrlPr>
+                            </m:sSubPr>
+                            <m:e>
+                              <m:r>
+                                <a:rPr lang="pt-PT" sz="1400" i="1">
+                                  <a:solidFill>
+                                    <a:prstClr val="black">
+                                      <a:lumMod val="75000"/>
+                                      <a:lumOff val="25000"/>
+                                    </a:prstClr>
+                                  </a:solidFill>
+                                  <a:latin typeface="Cambria Math" panose="02040503050406030204" pitchFamily="18" charset="0"/>
+                                </a:rPr>
+                                <m:t>𝜎</m:t>
+                              </m:r>
+                            </m:e>
+                            <m:sub>
+                              <m:r>
+                                <a:rPr lang="pt-PT" sz="1400" i="1">
+                                  <a:solidFill>
+                                    <a:prstClr val="black">
+                                      <a:lumMod val="75000"/>
+                                      <a:lumOff val="25000"/>
+                                    </a:prstClr>
+                                  </a:solidFill>
+                                  <a:latin typeface="Cambria Math" panose="02040503050406030204" pitchFamily="18" charset="0"/>
+                                </a:rPr>
+                                <m:t>𝑆𝐴𝐵𝑅</m:t>
+                              </m:r>
+                            </m:sub>
+                          </m:sSub>
+                          <m:d>
+                            <m:dPr>
+                              <m:ctrlPr>
+                                <a:rPr lang="pt-PT" sz="1400" i="1">
+                                  <a:solidFill>
+                                    <a:prstClr val="black">
+                                      <a:lumMod val="75000"/>
+                                      <a:lumOff val="25000"/>
+                                    </a:prstClr>
+                                  </a:solidFill>
+                                  <a:latin typeface="Cambria Math" panose="02040503050406030204" pitchFamily="18" charset="0"/>
+                                </a:rPr>
+                              </m:ctrlPr>
+                            </m:dPr>
+                            <m:e>
+                              <m:r>
+                                <a:rPr lang="pt-PT" sz="1400" i="1">
+                                  <a:solidFill>
+                                    <a:prstClr val="black">
+                                      <a:lumMod val="75000"/>
+                                      <a:lumOff val="25000"/>
+                                    </a:prstClr>
+                                  </a:solidFill>
+                                  <a:latin typeface="Cambria Math" panose="02040503050406030204" pitchFamily="18" charset="0"/>
+                                </a:rPr>
+                                <m:t>𝛼</m:t>
+                              </m:r>
+                              <m:r>
+                                <a:rPr lang="pt-PT" sz="1400" i="1">
+                                  <a:solidFill>
+                                    <a:prstClr val="black">
+                                      <a:lumMod val="75000"/>
+                                      <a:lumOff val="25000"/>
+                                    </a:prstClr>
+                                  </a:solidFill>
+                                  <a:latin typeface="Cambria Math" panose="02040503050406030204" pitchFamily="18" charset="0"/>
+                                </a:rPr>
+                                <m:t>, </m:t>
+                              </m:r>
+                              <m:r>
+                                <a:rPr lang="pt-PT" sz="1400" i="1">
+                                  <a:solidFill>
+                                    <a:prstClr val="black">
+                                      <a:lumMod val="75000"/>
+                                      <a:lumOff val="25000"/>
+                                    </a:prstClr>
+                                  </a:solidFill>
+                                  <a:latin typeface="Cambria Math" panose="02040503050406030204" pitchFamily="18" charset="0"/>
+                                </a:rPr>
+                                <m:t>𝛽</m:t>
+                              </m:r>
+                              <m:r>
+                                <a:rPr lang="pt-PT" sz="1400" i="1">
+                                  <a:solidFill>
+                                    <a:prstClr val="black">
+                                      <a:lumMod val="75000"/>
+                                      <a:lumOff val="25000"/>
+                                    </a:prstClr>
+                                  </a:solidFill>
+                                  <a:latin typeface="Cambria Math" panose="02040503050406030204" pitchFamily="18" charset="0"/>
+                                </a:rPr>
+                                <m:t>,</m:t>
+                              </m:r>
+                              <m:r>
+                                <a:rPr lang="pt-PT" sz="1400" i="1">
+                                  <a:solidFill>
+                                    <a:prstClr val="black">
+                                      <a:lumMod val="75000"/>
+                                      <a:lumOff val="25000"/>
+                                    </a:prstClr>
+                                  </a:solidFill>
+                                  <a:latin typeface="Cambria Math" panose="02040503050406030204" pitchFamily="18" charset="0"/>
+                                </a:rPr>
+                                <m:t>𝜈</m:t>
+                              </m:r>
+                              <m:r>
+                                <a:rPr lang="pt-PT" sz="1400" i="1">
+                                  <a:solidFill>
+                                    <a:prstClr val="black">
+                                      <a:lumMod val="75000"/>
+                                      <a:lumOff val="25000"/>
+                                    </a:prstClr>
+                                  </a:solidFill>
+                                  <a:latin typeface="Cambria Math" panose="02040503050406030204" pitchFamily="18" charset="0"/>
+                                </a:rPr>
+                                <m:t>,</m:t>
+                              </m:r>
+                              <m:r>
+                                <a:rPr lang="pt-PT" sz="1400" b="0" i="1" smtClean="0">
+                                  <a:solidFill>
+                                    <a:prstClr val="black">
+                                      <a:lumMod val="75000"/>
+                                      <a:lumOff val="25000"/>
+                                    </a:prstClr>
+                                  </a:solidFill>
+                                  <a:latin typeface="Cambria Math" panose="02040503050406030204" pitchFamily="18" charset="0"/>
+                                </a:rPr>
+                                <m:t>𝜌</m:t>
+                              </m:r>
+                              <m:r>
+                                <a:rPr lang="pt-PT" sz="1400" i="1">
+                                  <a:solidFill>
+                                    <a:prstClr val="black">
+                                      <a:lumMod val="75000"/>
+                                      <a:lumOff val="25000"/>
+                                    </a:prstClr>
+                                  </a:solidFill>
+                                  <a:latin typeface="Cambria Math" panose="02040503050406030204" pitchFamily="18" charset="0"/>
+                                </a:rPr>
+                                <m:t>, </m:t>
+                              </m:r>
+                              <m:r>
+                                <a:rPr lang="pt-PT" sz="1400" i="1">
+                                  <a:solidFill>
+                                    <a:prstClr val="black">
+                                      <a:lumMod val="75000"/>
+                                      <a:lumOff val="25000"/>
+                                    </a:prstClr>
+                                  </a:solidFill>
+                                  <a:latin typeface="Cambria Math" panose="02040503050406030204" pitchFamily="18" charset="0"/>
+                                </a:rPr>
+                                <m:t>𝐾</m:t>
+                              </m:r>
+                              <m:r>
+                                <a:rPr lang="pt-PT" sz="1400" i="1">
+                                  <a:solidFill>
+                                    <a:prstClr val="black">
+                                      <a:lumMod val="75000"/>
+                                      <a:lumOff val="25000"/>
+                                    </a:prstClr>
+                                  </a:solidFill>
+                                  <a:latin typeface="Cambria Math" panose="02040503050406030204" pitchFamily="18" charset="0"/>
+                                </a:rPr>
+                                <m:t>, </m:t>
+                              </m:r>
+                              <m:r>
+                                <a:rPr lang="pt-PT" sz="1400" i="1">
+                                  <a:solidFill>
+                                    <a:prstClr val="black">
+                                      <a:lumMod val="75000"/>
+                                      <a:lumOff val="25000"/>
+                                    </a:prstClr>
+                                  </a:solidFill>
+                                  <a:latin typeface="Cambria Math" panose="02040503050406030204" pitchFamily="18" charset="0"/>
+                                </a:rPr>
+                                <m:t>𝑓</m:t>
+                              </m:r>
+                            </m:e>
+                          </m:d>
+                        </m:num>
+                        <m:den>
+                          <m:r>
+                            <a:rPr lang="pt-PT" sz="1400" i="1">
+                              <a:solidFill>
+                                <a:prstClr val="black">
+                                  <a:lumMod val="75000"/>
+                                  <a:lumOff val="25000"/>
+                                </a:prstClr>
+                              </a:solidFill>
+                              <a:latin typeface="Cambria Math" panose="02040503050406030204" pitchFamily="18" charset="0"/>
+                            </a:rPr>
+                            <m:t>𝜕</m:t>
+                          </m:r>
+                          <m:r>
+                            <a:rPr lang="pt-PT" sz="1400" i="1">
+                              <a:solidFill>
+                                <a:prstClr val="black">
+                                  <a:lumMod val="75000"/>
+                                  <a:lumOff val="25000"/>
+                                </a:prstClr>
+                              </a:solidFill>
+                              <a:latin typeface="Cambria Math" panose="02040503050406030204" pitchFamily="18" charset="0"/>
+                            </a:rPr>
+                            <m:t>𝐾</m:t>
+                          </m:r>
+                        </m:den>
+                      </m:f>
+                      <m:sSub>
+                        <m:sSubPr>
+                          <m:ctrlPr>
+                            <a:rPr lang="pt-PT" sz="1400" b="0" i="1" smtClean="0">
+                              <a:solidFill>
+                                <a:prstClr val="black">
+                                  <a:lumMod val="75000"/>
+                                  <a:lumOff val="25000"/>
+                                </a:prstClr>
+                              </a:solidFill>
+                              <a:latin typeface="Cambria Math" panose="02040503050406030204" pitchFamily="18" charset="0"/>
+                            </a:rPr>
+                          </m:ctrlPr>
+                        </m:sSubPr>
+                        <m:e>
+                          <m:d>
+                            <m:dPr>
+                              <m:begChr m:val=""/>
+                              <m:endChr m:val="|"/>
+                              <m:ctrlPr>
+                                <a:rPr lang="pt-PT" sz="1400" b="0" i="1" smtClean="0">
+                                  <a:solidFill>
+                                    <a:prstClr val="black">
+                                      <a:lumMod val="75000"/>
+                                      <a:lumOff val="25000"/>
+                                    </a:prstClr>
+                                  </a:solidFill>
+                                  <a:latin typeface="Cambria Math" panose="02040503050406030204" pitchFamily="18" charset="0"/>
+                                </a:rPr>
+                              </m:ctrlPr>
+                            </m:dPr>
+                            <m:e>
+                              <m:r>
+                                <a:rPr lang="pt-PT" sz="1400">
+                                  <a:latin typeface="Cambria Math" panose="02040503050406030204" pitchFamily="18" charset="0"/>
+                                </a:rPr>
+                                <m:t>​</m:t>
+                              </m:r>
+                            </m:e>
+                          </m:d>
+                        </m:e>
+                        <m:sub>
+                          <m:r>
+                            <a:rPr lang="pt-PT" sz="1400" b="0" i="1" smtClean="0">
+                              <a:solidFill>
+                                <a:prstClr val="black">
+                                  <a:lumMod val="75000"/>
+                                  <a:lumOff val="25000"/>
+                                </a:prstClr>
+                              </a:solidFill>
+                              <a:latin typeface="Cambria Math" panose="02040503050406030204" pitchFamily="18" charset="0"/>
+                            </a:rPr>
+                            <m:t>𝐾</m:t>
+                          </m:r>
+                          <m:r>
+                            <a:rPr lang="pt-PT" sz="1400" b="0" i="1" smtClean="0">
+                              <a:solidFill>
+                                <a:prstClr val="black">
+                                  <a:lumMod val="75000"/>
+                                  <a:lumOff val="25000"/>
+                                </a:prstClr>
+                              </a:solidFill>
+                              <a:latin typeface="Cambria Math" panose="02040503050406030204" pitchFamily="18" charset="0"/>
+                            </a:rPr>
+                            <m:t>=</m:t>
+                          </m:r>
+                          <m:r>
+                            <a:rPr lang="pt-PT" sz="1400" b="0" i="1" smtClean="0">
+                              <a:solidFill>
+                                <a:prstClr val="black">
+                                  <a:lumMod val="75000"/>
+                                  <a:lumOff val="25000"/>
+                                </a:prstClr>
+                              </a:solidFill>
+                              <a:latin typeface="Cambria Math" panose="02040503050406030204" pitchFamily="18" charset="0"/>
+                            </a:rPr>
+                            <m:t>𝑓</m:t>
+                          </m:r>
+                        </m:sub>
+                      </m:sSub>
+                      <m:r>
+                        <a:rPr lang="pt-PT" sz="1400" b="0" i="1" smtClean="0">
+                          <a:solidFill>
+                            <a:prstClr val="black">
+                              <a:lumMod val="75000"/>
+                              <a:lumOff val="25000"/>
+                            </a:prstClr>
+                          </a:solidFill>
+                          <a:latin typeface="Cambria Math" panose="02040503050406030204" pitchFamily="18" charset="0"/>
+                        </a:rPr>
+                        <m:t>=</m:t>
+                      </m:r>
+                      <m:f>
+                        <m:fPr>
+                          <m:ctrlPr>
+                            <a:rPr lang="pt-PT" sz="1400" i="1" dirty="0">
+                              <a:latin typeface="Cambria Math" panose="02040503050406030204" pitchFamily="18" charset="0"/>
+                            </a:rPr>
+                          </m:ctrlPr>
+                        </m:fPr>
+                        <m:num>
+                          <m:r>
+                            <a:rPr lang="pt-PT" sz="1400" i="1" dirty="0"/>
+                            <m:t>1</m:t>
+                          </m:r>
+                        </m:num>
+                        <m:den>
+                          <m:r>
+                            <a:rPr lang="pt-PT" sz="1400" i="1" dirty="0"/>
+                            <m:t>24</m:t>
+                          </m:r>
+                        </m:den>
+                      </m:f>
+                      <m:r>
+                        <a:rPr lang="pt-PT" sz="1400" b="0" i="1" dirty="0" smtClean="0">
+                          <a:latin typeface="Cambria Math" panose="02040503050406030204" pitchFamily="18" charset="0"/>
+                        </a:rPr>
+                        <m:t>𝛼</m:t>
+                      </m:r>
+                      <m:r>
+                        <a:rPr lang="pt-PT" sz="1400" i="1" dirty="0"/>
+                        <m:t> </m:t>
+                      </m:r>
+                      <m:d>
+                        <m:dPr>
+                          <m:ctrlPr>
+                            <a:rPr lang="pt-PT" sz="1400" b="0" i="1" dirty="0" smtClean="0">
+                              <a:latin typeface="Cambria Math" panose="02040503050406030204" pitchFamily="18" charset="0"/>
+                            </a:rPr>
+                          </m:ctrlPr>
+                        </m:dPr>
+                        <m:e>
+                          <m:r>
+                            <a:rPr lang="pt-PT" sz="1400" i="1" dirty="0"/>
+                            <m:t>−1+</m:t>
+                          </m:r>
+                          <m:r>
+                            <a:rPr lang="pt-PT" sz="1400" b="0" i="1" dirty="0" smtClean="0">
+                              <a:latin typeface="Cambria Math" panose="02040503050406030204" pitchFamily="18" charset="0"/>
+                            </a:rPr>
+                            <m:t>𝛽</m:t>
+                          </m:r>
+                        </m:e>
+                      </m:d>
+                      <m:sSup>
+                        <m:sSupPr>
+                          <m:ctrlPr>
+                            <a:rPr lang="pt-PT" sz="1400" b="0" i="1" dirty="0" smtClean="0">
+                              <a:latin typeface="Cambria Math" panose="02040503050406030204" pitchFamily="18" charset="0"/>
+                            </a:rPr>
+                          </m:ctrlPr>
+                        </m:sSupPr>
+                        <m:e>
+                          <m:r>
+                            <a:rPr lang="pt-PT" sz="1400" i="1" dirty="0"/>
+                            <m:t>𝑓</m:t>
+                          </m:r>
+                        </m:e>
+                        <m:sup>
+                          <m:r>
+                            <a:rPr lang="pt-PT" sz="1400" b="0" i="1" dirty="0" smtClean="0">
+                              <a:latin typeface="Cambria Math" panose="02040503050406030204" pitchFamily="18" charset="0"/>
+                            </a:rPr>
+                            <m:t>−4+</m:t>
+                          </m:r>
+                          <m:r>
+                            <a:rPr lang="pt-PT" sz="1400" b="0" i="1" dirty="0" smtClean="0">
+                              <a:latin typeface="Cambria Math" panose="02040503050406030204" pitchFamily="18" charset="0"/>
+                            </a:rPr>
+                            <m:t>𝛽</m:t>
+                          </m:r>
+                        </m:sup>
+                      </m:sSup>
+                      <m:r>
+                        <a:rPr lang="pt-PT" sz="1400" i="1" baseline="30000" dirty="0" smtClean="0"/>
+                        <m:t> </m:t>
+                      </m:r>
+                      <m:d>
+                        <m:dPr>
+                          <m:ctrlPr>
+                            <a:rPr lang="pt-PT" sz="1400" b="0" i="1" dirty="0" smtClean="0">
+                              <a:latin typeface="Cambria Math" panose="02040503050406030204" pitchFamily="18" charset="0"/>
+                            </a:rPr>
+                          </m:ctrlPr>
+                        </m:dPr>
+                        <m:e>
+                          <m:r>
+                            <a:rPr lang="pt-PT" sz="1400" i="1" dirty="0"/>
+                            <m:t>2</m:t>
+                          </m:r>
+                          <m:r>
+                            <a:rPr lang="pt-PT" sz="1400" b="0" i="1" dirty="0" smtClean="0">
+                              <a:latin typeface="Cambria Math" panose="02040503050406030204" pitchFamily="18" charset="0"/>
+                            </a:rPr>
+                            <m:t>𝛼</m:t>
+                          </m:r>
+                          <m:sSup>
+                            <m:sSupPr>
+                              <m:ctrlPr>
+                                <a:rPr lang="pt-PT" sz="1400" b="0" i="1" dirty="0" smtClean="0">
+                                  <a:latin typeface="Cambria Math" panose="02040503050406030204" pitchFamily="18" charset="0"/>
+                                </a:rPr>
+                              </m:ctrlPr>
+                            </m:sSupPr>
+                            <m:e>
+                              <m:r>
+                                <a:rPr lang="pt-PT" sz="1400" i="1" dirty="0"/>
+                                <m:t>𝑓</m:t>
+                              </m:r>
+                            </m:e>
+                            <m:sup>
+                              <m:r>
+                                <a:rPr lang="pt-PT" sz="1400" i="1" dirty="0"/>
+                                <m:t>2</m:t>
+                              </m:r>
+                              <m:r>
+                                <a:rPr lang="pt-PT" sz="1400" b="0" i="1" dirty="0" smtClean="0">
+                                  <a:latin typeface="Cambria Math" panose="02040503050406030204" pitchFamily="18" charset="0"/>
+                                </a:rPr>
+                                <m:t>𝛽</m:t>
+                              </m:r>
+                            </m:sup>
+                          </m:sSup>
+                          <m:r>
+                            <a:rPr lang="pt-PT" sz="1400" i="1" dirty="0"/>
+                            <m:t> </m:t>
+                          </m:r>
+                          <m:r>
+                            <a:rPr lang="pt-PT" sz="1400" i="1" dirty="0"/>
+                            <m:t>𝑇</m:t>
+                          </m:r>
+                          <m:d>
+                            <m:dPr>
+                              <m:ctrlPr>
+                                <a:rPr lang="pt-PT" sz="1400" i="1" dirty="0">
+                                  <a:latin typeface="Cambria Math" panose="02040503050406030204" pitchFamily="18" charset="0"/>
+                                </a:rPr>
+                              </m:ctrlPr>
+                            </m:dPr>
+                            <m:e>
+                              <m:r>
+                                <a:rPr lang="pt-PT" sz="1400" b="0" i="1" dirty="0" smtClean="0">
+                                  <a:latin typeface="Cambria Math" panose="02040503050406030204" pitchFamily="18" charset="0"/>
+                                </a:rPr>
+                                <m:t>𝛼</m:t>
+                              </m:r>
+                              <m:d>
+                                <m:dPr>
+                                  <m:ctrlPr>
+                                    <a:rPr lang="pt-PT" sz="1400" b="0" i="1" dirty="0" smtClean="0">
+                                      <a:latin typeface="Cambria Math" panose="02040503050406030204" pitchFamily="18" charset="0"/>
+                                    </a:rPr>
+                                  </m:ctrlPr>
+                                </m:dPr>
+                                <m:e>
+                                  <m:r>
+                                    <a:rPr lang="pt-PT" sz="1400" i="1" dirty="0"/>
+                                    <m:t>−1+</m:t>
+                                  </m:r>
+                                  <m:r>
+                                    <a:rPr lang="pt-PT" sz="1400" b="0" i="1" dirty="0" smtClean="0">
+                                      <a:latin typeface="Cambria Math" panose="02040503050406030204" pitchFamily="18" charset="0"/>
+                                    </a:rPr>
+                                    <m:t>𝛽</m:t>
+                                  </m:r>
+                                </m:e>
+                              </m:d>
+                              <m:r>
+                                <a:rPr lang="pt-PT" sz="1400" i="1" baseline="30000" dirty="0"/>
+                                <m:t>2</m:t>
+                              </m:r>
+                              <m:r>
+                                <a:rPr lang="pt-PT" sz="1400" i="1" dirty="0"/>
+                                <m:t>+12</m:t>
+                              </m:r>
+                              <m:r>
+                                <a:rPr lang="pt-PT" sz="1400" b="0" i="1" dirty="0" smtClean="0">
+                                  <a:latin typeface="Cambria Math" panose="02040503050406030204" pitchFamily="18" charset="0"/>
+                                </a:rPr>
+                                <m:t>𝛽𝜌</m:t>
+                              </m:r>
+                              <m:r>
+                                <a:rPr lang="pt-PT" sz="1400" i="1" dirty="0"/>
+                                <m:t>𝑣</m:t>
+                              </m:r>
+                            </m:e>
+                          </m:d>
+                          <m:r>
+                            <a:rPr lang="pt-PT" sz="1400" i="1" dirty="0"/>
+                            <m:t>+</m:t>
+                          </m:r>
+                          <m:r>
+                            <a:rPr lang="pt-PT" sz="1400" i="1" dirty="0"/>
+                            <m:t>𝑓</m:t>
+                          </m:r>
+                          <m:r>
+                            <a:rPr lang="pt-PT" sz="1400" i="1" baseline="30000" dirty="0"/>
+                            <m:t>2</m:t>
+                          </m:r>
+                          <m:d>
+                            <m:dPr>
+                              <m:ctrlPr>
+                                <a:rPr lang="pt-PT" sz="1400" i="1" baseline="30000" dirty="0">
+                                  <a:latin typeface="Cambria Math" panose="02040503050406030204" pitchFamily="18" charset="0"/>
+                                </a:rPr>
+                              </m:ctrlPr>
+                            </m:dPr>
+                            <m:e>
+                              <m:r>
+                                <a:rPr lang="pt-PT" sz="1400" i="1" dirty="0"/>
+                                <m:t>24+</m:t>
+                              </m:r>
+                              <m:d>
+                                <m:dPr>
+                                  <m:ctrlPr>
+                                    <a:rPr lang="pt-PT" sz="1400" i="1" dirty="0">
+                                      <a:latin typeface="Cambria Math" panose="02040503050406030204" pitchFamily="18" charset="0"/>
+                                    </a:rPr>
+                                  </m:ctrlPr>
+                                </m:dPr>
+                                <m:e>
+                                  <m:r>
+                                    <a:rPr lang="pt-PT" sz="1400" i="1" dirty="0"/>
+                                    <m:t>2−3</m:t>
+                                  </m:r>
+                                  <m:r>
+                                    <a:rPr lang="pt-PT" sz="1400" b="0" i="1" dirty="0" smtClean="0">
+                                      <a:latin typeface="Cambria Math" panose="02040503050406030204" pitchFamily="18" charset="0"/>
+                                    </a:rPr>
+                                    <m:t>𝜌</m:t>
+                                  </m:r>
+                                  <m:r>
+                                    <a:rPr lang="pt-PT" sz="1400" i="1" baseline="30000" dirty="0"/>
+                                    <m:t>2</m:t>
+                                  </m:r>
+                                </m:e>
+                              </m:d>
+                              <m:r>
+                                <a:rPr lang="pt-PT" sz="1400" i="1" dirty="0"/>
+                                <m:t>𝑇𝑣</m:t>
+                              </m:r>
+                              <m:r>
+                                <a:rPr lang="pt-PT" sz="1400" i="1" baseline="30000" dirty="0"/>
+                                <m:t>2</m:t>
+                              </m:r>
+                            </m:e>
+                          </m:d>
+                        </m:e>
+                      </m:d>
+                    </m:oMath>
+                  </m:oMathPara>
                 </a14:m>
+                <a:endParaRPr lang="pt-PT" sz="1400" dirty="0" smtClean="0"/>
+              </a:p>
+              <a:p>
+                <a:pPr marL="0" indent="0">
+                  <a:buClr>
+                    <a:srgbClr val="90C226"/>
+                  </a:buClr>
+                  <a:buNone/>
+                </a:pPr>
+                <a:endParaRPr lang="pt-PT" sz="1400" dirty="0" smtClean="0">
+                  <a:solidFill>
+                    <a:prstClr val="black">
+                      <a:lumMod val="75000"/>
+                      <a:lumOff val="25000"/>
+                    </a:prstClr>
+                  </a:solidFill>
+                </a:endParaRPr>
+              </a:p>
+              <a:p>
+                <a:pPr marL="0" indent="0">
+                  <a:buClr>
+                    <a:srgbClr val="90C226"/>
+                  </a:buClr>
+                  <a:buNone/>
+                </a:pPr>
                 <a:r>
                   <a:rPr lang="pt-PT" sz="1400" dirty="0" smtClean="0">
                     <a:solidFill>
@@ -22437,7 +22527,18 @@
                       </a:prstClr>
                     </a:solidFill>
                   </a:rPr>
-                  <a:t> </a:t>
+                  <a:t>Solving this system of equations for both rhos in leaves</a:t>
+                </a:r>
+                <a:r>
+                  <a:rPr lang="pt-PT" sz="1400" dirty="0" smtClean="0">
+                    <a:solidFill>
+                      <a:prstClr val="black">
+                        <a:lumMod val="75000"/>
+                        <a:lumOff val="25000"/>
+                      </a:prstClr>
+                    </a:solidFill>
+                  </a:rPr>
+                  <a:t> me with complex roots for alpha and v.</a:t>
                 </a:r>
                 <a:endParaRPr lang="pt-PT" sz="1400" dirty="0">
                   <a:solidFill>
@@ -22476,7 +22577,7 @@
               <a:blipFill>
                 <a:blip r:embed="rId3"/>
                 <a:stretch>
-                  <a:fillRect/>
+                  <a:fillRect l="-181"/>
                 </a:stretch>
               </a:blipFill>
             </p:spPr>
